--- a/SeminarPresentation.pptx
+++ b/SeminarPresentation.pptx
@@ -5,10 +5,10 @@
     <p:sldMasterId id="2147483648" r:id="rId1"/>
   </p:sldMasterIdLst>
   <p:notesMasterIdLst>
-    <p:notesMasterId r:id="rId15"/>
+    <p:notesMasterId r:id="rId16"/>
   </p:notesMasterIdLst>
   <p:handoutMasterIdLst>
-    <p:handoutMasterId r:id="rId16"/>
+    <p:handoutMasterId r:id="rId17"/>
   </p:handoutMasterIdLst>
   <p:sldIdLst>
     <p:sldId id="261" r:id="rId2"/>
@@ -24,6 +24,7 @@
     <p:sldId id="269" r:id="rId12"/>
     <p:sldId id="270" r:id="rId13"/>
     <p:sldId id="272" r:id="rId14"/>
+    <p:sldId id="273" r:id="rId15"/>
   </p:sldIdLst>
   <p:sldSz cx="12192000" cy="6858000"/>
   <p:notesSz cx="6858000" cy="9144000"/>
@@ -2453,7 +2454,7 @@
           <a:p>
             <a:fld id="{59041DB8-B66F-4DC8-A96E-33677E0F90FF}" type="datetimeFigureOut">
               <a:rPr lang="en-US" smtClean="0"/>
-              <a:t>12/4/2017</a:t>
+              <a:t>12/5/2017</a:t>
             </a:fld>
             <a:endParaRPr lang="en-US" dirty="0"/>
           </a:p>
@@ -2618,7 +2619,7 @@
           <a:p>
             <a:fld id="{DEB49C4A-65AC-492D-9701-81B46C3AD0E4}" type="datetimeFigureOut">
               <a:rPr lang="en-US" smtClean="0"/>
-              <a:t>12/4/2017</a:t>
+              <a:t>12/5/2017</a:t>
             </a:fld>
             <a:endParaRPr lang="en-US" dirty="0"/>
           </a:p>
@@ -10947,44 +10948,852 @@
           </a:p>
         </p:txBody>
       </p:sp>
-      <p:sp>
-        <p:nvSpPr>
-          <p:cNvPr id="3" name="Content Placeholder 2">
-            <a:extLst>
-              <a:ext uri="{FF2B5EF4-FFF2-40B4-BE49-F238E27FC236}">
-                <a16:creationId xmlns:a16="http://schemas.microsoft.com/office/drawing/2014/main" id="{0D28A200-2292-42CC-BEF7-54AAB2961DE9}"/>
-              </a:ext>
-            </a:extLst>
-          </p:cNvPr>
-          <p:cNvSpPr>
-            <a:spLocks noGrp="1"/>
-          </p:cNvSpPr>
-          <p:nvPr>
-            <p:ph idx="1"/>
-          </p:nvPr>
-        </p:nvSpPr>
-        <p:spPr/>
-        <p:txBody>
-          <a:bodyPr/>
-          <a:lstStyle/>
-          <a:p>
-            <a:r>
-              <a:rPr lang="en-GB" dirty="0"/>
-              <a:t>Combining the metrices of the online retrieval algorithm and GSR</a:t>
-            </a:r>
-          </a:p>
-          <a:p>
-            <a:pPr lvl="1"/>
-            <a:r>
-              <a:rPr lang="en-GB" dirty="0"/>
-              <a:t>New post flood, news feed vary dramatically, adopt online retrieval, stable GSR</a:t>
-            </a:r>
-          </a:p>
-          <a:p>
-            <a:endParaRPr lang="en-GB" dirty="0"/>
-          </a:p>
-        </p:txBody>
-      </p:sp>
+      <mc:AlternateContent xmlns:mc="http://schemas.openxmlformats.org/markup-compatibility/2006">
+        <mc:Choice xmlns:a14="http://schemas.microsoft.com/office/drawing/2010/main" Requires="a14">
+          <p:sp>
+            <p:nvSpPr>
+              <p:cNvPr id="3" name="Content Placeholder 2">
+                <a:extLst>
+                  <a:ext uri="{FF2B5EF4-FFF2-40B4-BE49-F238E27FC236}">
+                    <a16:creationId xmlns:a16="http://schemas.microsoft.com/office/drawing/2014/main" id="{0D28A200-2292-42CC-BEF7-54AAB2961DE9}"/>
+                  </a:ext>
+                </a:extLst>
+              </p:cNvPr>
+              <p:cNvSpPr>
+                <a:spLocks noGrp="1"/>
+              </p:cNvSpPr>
+              <p:nvPr>
+                <p:ph idx="1"/>
+              </p:nvPr>
+            </p:nvSpPr>
+            <p:spPr/>
+            <p:txBody>
+              <a:bodyPr>
+                <a:normAutofit lnSpcReduction="10000"/>
+              </a:bodyPr>
+              <a:lstStyle/>
+              <a:p>
+                <a:r>
+                  <a:rPr lang="en-GB" dirty="0"/>
+                  <a:t>Combining the metrices of the online retrieval algorithm and GSR</a:t>
+                </a:r>
+              </a:p>
+              <a:p>
+                <a:pPr lvl="1"/>
+                <a:r>
+                  <a:rPr lang="en-GB" dirty="0"/>
+                  <a:t>New post flood, news feed vary dramatically, adopt online retrieval, stable GSR</a:t>
+                </a:r>
+              </a:p>
+              <a:p>
+                <a:r>
+                  <a:rPr lang="en-GB" dirty="0"/>
+                  <a:t>the weightage of topic w appears in a user v’s sliding window</a:t>
+                </a:r>
+              </a:p>
+              <a:p>
+                <a:pPr lvl="1"/>
+                <a14:m>
+                  <m:oMath xmlns:m="http://schemas.openxmlformats.org/officeDocument/2006/math">
+                    <m:r>
+                      <a:rPr lang="en-GB" b="0" i="1" smtClean="0">
+                        <a:latin typeface="Cambria Math" panose="02040503050406030204" pitchFamily="18" charset="0"/>
+                      </a:rPr>
+                      <m:t>𝑋</m:t>
+                    </m:r>
+                    <m:r>
+                      <a:rPr lang="en-GB" b="0" i="1" baseline="-25000" smtClean="0">
+                        <a:latin typeface="Cambria Math" panose="02040503050406030204" pitchFamily="18" charset="0"/>
+                      </a:rPr>
+                      <m:t>𝑤</m:t>
+                    </m:r>
+                    <m:r>
+                      <a:rPr lang="en-GB" b="0" i="1" baseline="-25000" smtClean="0">
+                        <a:latin typeface="Cambria Math" panose="02040503050406030204" pitchFamily="18" charset="0"/>
+                      </a:rPr>
+                      <m:t>,</m:t>
+                    </m:r>
+                    <m:r>
+                      <a:rPr lang="en-GB" b="0" i="1" baseline="-25000" smtClean="0">
+                        <a:latin typeface="Cambria Math" panose="02040503050406030204" pitchFamily="18" charset="0"/>
+                      </a:rPr>
+                      <m:t>𝑣</m:t>
+                    </m:r>
+                    <m:r>
+                      <a:rPr lang="en-GB" b="0" i="1" smtClean="0">
+                        <a:latin typeface="Cambria Math" panose="02040503050406030204" pitchFamily="18" charset="0"/>
+                      </a:rPr>
+                      <m:t>=</m:t>
+                    </m:r>
+                    <m:nary>
+                      <m:naryPr>
+                        <m:chr m:val="∑"/>
+                        <m:supHide m:val="on"/>
+                        <m:ctrlPr>
+                          <a:rPr lang="en-GB" i="1" smtClean="0">
+                            <a:latin typeface="Cambria Math" panose="02040503050406030204" pitchFamily="18" charset="0"/>
+                          </a:rPr>
+                        </m:ctrlPr>
+                      </m:naryPr>
+                      <m:sub>
+                        <m:r>
+                          <m:rPr>
+                            <m:brk m:alnAt="7"/>
+                          </m:rPr>
+                          <a:rPr lang="en-GB" b="0" i="1" smtClean="0">
+                            <a:latin typeface="Cambria Math" panose="02040503050406030204" pitchFamily="18" charset="0"/>
+                          </a:rPr>
+                          <m:t>𝑛</m:t>
+                        </m:r>
+                        <m:r>
+                          <a:rPr lang="en-GB" b="0" i="1" smtClean="0">
+                            <a:latin typeface="Cambria Math" panose="02040503050406030204" pitchFamily="18" charset="0"/>
+                            <a:ea typeface="Cambria Math" panose="02040503050406030204" pitchFamily="18" charset="0"/>
+                          </a:rPr>
+                          <m:t>∈</m:t>
+                        </m:r>
+                        <m:r>
+                          <a:rPr lang="en-GB" b="0" i="1" smtClean="0">
+                            <a:latin typeface="Cambria Math" panose="02040503050406030204" pitchFamily="18" charset="0"/>
+                            <a:ea typeface="Cambria Math" panose="02040503050406030204" pitchFamily="18" charset="0"/>
+                          </a:rPr>
+                          <m:t>𝑁</m:t>
+                        </m:r>
+                        <m:r>
+                          <a:rPr lang="en-GB" b="0" i="1" smtClean="0">
+                            <a:latin typeface="Cambria Math" panose="02040503050406030204" pitchFamily="18" charset="0"/>
+                            <a:ea typeface="Cambria Math" panose="02040503050406030204" pitchFamily="18" charset="0"/>
+                          </a:rPr>
+                          <m:t>(</m:t>
+                        </m:r>
+                        <m:r>
+                          <a:rPr lang="en-GB" b="0" i="1" smtClean="0">
+                            <a:latin typeface="Cambria Math" panose="02040503050406030204" pitchFamily="18" charset="0"/>
+                            <a:ea typeface="Cambria Math" panose="02040503050406030204" pitchFamily="18" charset="0"/>
+                          </a:rPr>
+                          <m:t>𝑣</m:t>
+                        </m:r>
+                        <m:r>
+                          <a:rPr lang="en-GB" b="0" i="1" smtClean="0">
+                            <a:latin typeface="Cambria Math" panose="02040503050406030204" pitchFamily="18" charset="0"/>
+                            <a:ea typeface="Cambria Math" panose="02040503050406030204" pitchFamily="18" charset="0"/>
+                          </a:rPr>
+                          <m:t>)</m:t>
+                        </m:r>
+                      </m:sub>
+                      <m:sup/>
+                      <m:e>
+                        <m:nary>
+                          <m:naryPr>
+                            <m:chr m:val="∑"/>
+                            <m:supHide m:val="on"/>
+                            <m:ctrlPr>
+                              <a:rPr lang="en-GB" i="1" smtClean="0">
+                                <a:latin typeface="Cambria Math" panose="02040503050406030204" pitchFamily="18" charset="0"/>
+                              </a:rPr>
+                            </m:ctrlPr>
+                          </m:naryPr>
+                          <m:sub>
+                            <m:r>
+                              <m:rPr>
+                                <m:brk m:alnAt="7"/>
+                              </m:rPr>
+                              <a:rPr lang="en-GB" b="0" i="1" smtClean="0">
+                                <a:latin typeface="Cambria Math" panose="02040503050406030204" pitchFamily="18" charset="0"/>
+                              </a:rPr>
+                              <m:t>1</m:t>
+                            </m:r>
+                            <m:r>
+                              <a:rPr lang="en-GB" b="0" i="1" smtClean="0">
+                                <a:latin typeface="Cambria Math" panose="02040503050406030204" pitchFamily="18" charset="0"/>
+                                <a:ea typeface="Cambria Math" panose="02040503050406030204" pitchFamily="18" charset="0"/>
+                              </a:rPr>
+                              <m:t>≤</m:t>
+                            </m:r>
+                            <m:r>
+                              <a:rPr lang="en-GB" b="0" i="1" smtClean="0">
+                                <a:latin typeface="Cambria Math" panose="02040503050406030204" pitchFamily="18" charset="0"/>
+                                <a:ea typeface="Cambria Math" panose="02040503050406030204" pitchFamily="18" charset="0"/>
+                              </a:rPr>
+                              <m:t>𝑖</m:t>
+                            </m:r>
+                            <m:r>
+                              <a:rPr lang="en-GB" b="0" i="1" smtClean="0">
+                                <a:latin typeface="Cambria Math" panose="02040503050406030204" pitchFamily="18" charset="0"/>
+                                <a:ea typeface="Cambria Math" panose="02040503050406030204" pitchFamily="18" charset="0"/>
+                              </a:rPr>
+                              <m:t>≤</m:t>
+                            </m:r>
+                            <m:r>
+                              <a:rPr lang="en-GB" b="0" i="1" smtClean="0">
+                                <a:latin typeface="Cambria Math" panose="02040503050406030204" pitchFamily="18" charset="0"/>
+                                <a:ea typeface="Cambria Math" panose="02040503050406030204" pitchFamily="18" charset="0"/>
+                              </a:rPr>
+                              <m:t>𝑀𝑣</m:t>
+                            </m:r>
+                            <m:r>
+                              <a:rPr lang="en-GB" b="0" i="1" baseline="-25000" smtClean="0">
+                                <a:latin typeface="Cambria Math" panose="02040503050406030204" pitchFamily="18" charset="0"/>
+                                <a:ea typeface="Cambria Math" panose="02040503050406030204" pitchFamily="18" charset="0"/>
+                              </a:rPr>
+                              <m:t>,</m:t>
+                            </m:r>
+                            <m:r>
+                              <a:rPr lang="en-GB" b="0" i="1" baseline="-25000" smtClean="0">
+                                <a:latin typeface="Cambria Math" panose="02040503050406030204" pitchFamily="18" charset="0"/>
+                                <a:ea typeface="Cambria Math" panose="02040503050406030204" pitchFamily="18" charset="0"/>
+                              </a:rPr>
+                              <m:t>𝑛</m:t>
+                            </m:r>
+                          </m:sub>
+                          <m:sup/>
+                          <m:e>
+                            <m:r>
+                              <a:rPr lang="en-GB" b="0" i="1" smtClean="0">
+                                <a:latin typeface="Cambria Math" panose="02040503050406030204" pitchFamily="18" charset="0"/>
+                              </a:rPr>
+                              <m:t>𝐷</m:t>
+                            </m:r>
+                            <m:r>
+                              <a:rPr lang="en-GB" b="0" i="1" baseline="-25000" smtClean="0">
+                                <a:latin typeface="Cambria Math" panose="02040503050406030204" pitchFamily="18" charset="0"/>
+                              </a:rPr>
+                              <m:t>𝑤</m:t>
+                            </m:r>
+                            <m:r>
+                              <a:rPr lang="en-GB" b="0" i="1" baseline="-25000" smtClean="0">
+                                <a:latin typeface="Cambria Math" panose="02040503050406030204" pitchFamily="18" charset="0"/>
+                              </a:rPr>
+                              <m:t>,</m:t>
+                            </m:r>
+                            <m:r>
+                              <a:rPr lang="en-GB" b="0" i="1" baseline="-25000" smtClean="0">
+                                <a:latin typeface="Cambria Math" panose="02040503050406030204" pitchFamily="18" charset="0"/>
+                              </a:rPr>
+                              <m:t>𝑛</m:t>
+                            </m:r>
+                            <m:r>
+                              <a:rPr lang="en-GB" b="0" i="1" smtClean="0">
+                                <a:latin typeface="Cambria Math" panose="02040503050406030204" pitchFamily="18" charset="0"/>
+                              </a:rPr>
+                              <m:t>(</m:t>
+                            </m:r>
+                            <m:r>
+                              <a:rPr lang="en-GB" b="0" i="1" smtClean="0">
+                                <a:latin typeface="Cambria Math" panose="02040503050406030204" pitchFamily="18" charset="0"/>
+                              </a:rPr>
+                              <m:t>𝑓</m:t>
+                            </m:r>
+                            <m:r>
+                              <a:rPr lang="en-GB" b="0" i="1" smtClean="0">
+                                <a:latin typeface="Cambria Math" panose="02040503050406030204" pitchFamily="18" charset="0"/>
+                              </a:rPr>
+                              <m:t>,</m:t>
+                            </m:r>
+                            <m:r>
+                              <a:rPr lang="en-GB" b="0" i="1" smtClean="0">
+                                <a:latin typeface="Cambria Math" panose="02040503050406030204" pitchFamily="18" charset="0"/>
+                              </a:rPr>
+                              <m:t>𝑛</m:t>
+                            </m:r>
+                            <m:r>
+                              <a:rPr lang="en-GB" b="0" i="1" smtClean="0">
+                                <a:latin typeface="Cambria Math" panose="02040503050406030204" pitchFamily="18" charset="0"/>
+                              </a:rPr>
+                              <m:t>)</m:t>
+                            </m:r>
+                          </m:e>
+                        </m:nary>
+                      </m:e>
+                    </m:nary>
+                  </m:oMath>
+                </a14:m>
+                <a:endParaRPr lang="en-GB" dirty="0"/>
+              </a:p>
+              <a:p>
+                <a:r>
+                  <a:rPr lang="en-GB" dirty="0"/>
+                  <a:t>the variance of a topic w in a user v’s news feed</a:t>
+                </a:r>
+              </a:p>
+              <a:p>
+                <a:pPr lvl="1"/>
+                <a:r>
+                  <a:rPr lang="en-GB" dirty="0"/>
+                  <a:t>Var[</a:t>
+                </a:r>
+                <a:r>
+                  <a:rPr lang="en-GB" dirty="0" err="1"/>
+                  <a:t>X</a:t>
+                </a:r>
+                <a:r>
+                  <a:rPr lang="en-GB" baseline="-25000" dirty="0" err="1"/>
+                  <a:t>w,v</a:t>
+                </a:r>
+                <a:r>
+                  <a:rPr lang="en-GB" dirty="0"/>
+                  <a:t>]</a:t>
+                </a:r>
+                <a14:m>
+                  <m:oMath xmlns:m="http://schemas.openxmlformats.org/officeDocument/2006/math">
+                    <m:r>
+                      <a:rPr lang="en-GB" i="1">
+                        <a:latin typeface="Cambria Math" panose="02040503050406030204" pitchFamily="18" charset="0"/>
+                      </a:rPr>
+                      <m:t>=</m:t>
+                    </m:r>
+                    <m:r>
+                      <a:rPr lang="de-CH" b="0" i="1" smtClean="0">
+                        <a:latin typeface="Cambria Math" panose="02040503050406030204" pitchFamily="18" charset="0"/>
+                      </a:rPr>
+                      <m:t>𝑣𝑎𝑟</m:t>
+                    </m:r>
+                    <m:r>
+                      <a:rPr lang="de-CH" b="0" i="1" smtClean="0">
+                        <a:latin typeface="Cambria Math" panose="02040503050406030204" pitchFamily="18" charset="0"/>
+                      </a:rPr>
+                      <m:t>[ </m:t>
+                    </m:r>
+                    <m:nary>
+                      <m:naryPr>
+                        <m:chr m:val="∑"/>
+                        <m:supHide m:val="on"/>
+                        <m:ctrlPr>
+                          <a:rPr lang="en-GB" i="1">
+                            <a:latin typeface="Cambria Math" panose="02040503050406030204" pitchFamily="18" charset="0"/>
+                          </a:rPr>
+                        </m:ctrlPr>
+                      </m:naryPr>
+                      <m:sub>
+                        <m:r>
+                          <m:rPr>
+                            <m:brk m:alnAt="7"/>
+                          </m:rPr>
+                          <a:rPr lang="en-GB" i="1">
+                            <a:latin typeface="Cambria Math" panose="02040503050406030204" pitchFamily="18" charset="0"/>
+                          </a:rPr>
+                          <m:t>𝑛</m:t>
+                        </m:r>
+                        <m:r>
+                          <a:rPr lang="en-GB" i="1">
+                            <a:latin typeface="Cambria Math" panose="02040503050406030204" pitchFamily="18" charset="0"/>
+                            <a:ea typeface="Cambria Math" panose="02040503050406030204" pitchFamily="18" charset="0"/>
+                          </a:rPr>
+                          <m:t>∈</m:t>
+                        </m:r>
+                        <m:r>
+                          <a:rPr lang="en-GB" i="1">
+                            <a:latin typeface="Cambria Math" panose="02040503050406030204" pitchFamily="18" charset="0"/>
+                            <a:ea typeface="Cambria Math" panose="02040503050406030204" pitchFamily="18" charset="0"/>
+                          </a:rPr>
+                          <m:t>𝑁</m:t>
+                        </m:r>
+                        <m:r>
+                          <a:rPr lang="en-GB" i="1">
+                            <a:latin typeface="Cambria Math" panose="02040503050406030204" pitchFamily="18" charset="0"/>
+                            <a:ea typeface="Cambria Math" panose="02040503050406030204" pitchFamily="18" charset="0"/>
+                          </a:rPr>
+                          <m:t>(</m:t>
+                        </m:r>
+                        <m:r>
+                          <a:rPr lang="en-GB" i="1">
+                            <a:latin typeface="Cambria Math" panose="02040503050406030204" pitchFamily="18" charset="0"/>
+                            <a:ea typeface="Cambria Math" panose="02040503050406030204" pitchFamily="18" charset="0"/>
+                          </a:rPr>
+                          <m:t>𝑣</m:t>
+                        </m:r>
+                        <m:r>
+                          <a:rPr lang="en-GB" i="1">
+                            <a:latin typeface="Cambria Math" panose="02040503050406030204" pitchFamily="18" charset="0"/>
+                            <a:ea typeface="Cambria Math" panose="02040503050406030204" pitchFamily="18" charset="0"/>
+                          </a:rPr>
+                          <m:t>)</m:t>
+                        </m:r>
+                      </m:sub>
+                      <m:sup/>
+                      <m:e>
+                        <m:nary>
+                          <m:naryPr>
+                            <m:chr m:val="∑"/>
+                            <m:supHide m:val="on"/>
+                            <m:ctrlPr>
+                              <a:rPr lang="en-GB" i="1">
+                                <a:latin typeface="Cambria Math" panose="02040503050406030204" pitchFamily="18" charset="0"/>
+                              </a:rPr>
+                            </m:ctrlPr>
+                          </m:naryPr>
+                          <m:sub>
+                            <m:r>
+                              <m:rPr>
+                                <m:brk m:alnAt="7"/>
+                              </m:rPr>
+                              <a:rPr lang="en-GB" i="1">
+                                <a:latin typeface="Cambria Math" panose="02040503050406030204" pitchFamily="18" charset="0"/>
+                              </a:rPr>
+                              <m:t>1</m:t>
+                            </m:r>
+                            <m:r>
+                              <a:rPr lang="en-GB" i="1">
+                                <a:latin typeface="Cambria Math" panose="02040503050406030204" pitchFamily="18" charset="0"/>
+                                <a:ea typeface="Cambria Math" panose="02040503050406030204" pitchFamily="18" charset="0"/>
+                              </a:rPr>
+                              <m:t>≤</m:t>
+                            </m:r>
+                            <m:r>
+                              <a:rPr lang="en-GB" i="1">
+                                <a:latin typeface="Cambria Math" panose="02040503050406030204" pitchFamily="18" charset="0"/>
+                                <a:ea typeface="Cambria Math" panose="02040503050406030204" pitchFamily="18" charset="0"/>
+                              </a:rPr>
+                              <m:t>𝑖</m:t>
+                            </m:r>
+                            <m:r>
+                              <a:rPr lang="en-GB" i="1">
+                                <a:latin typeface="Cambria Math" panose="02040503050406030204" pitchFamily="18" charset="0"/>
+                                <a:ea typeface="Cambria Math" panose="02040503050406030204" pitchFamily="18" charset="0"/>
+                              </a:rPr>
+                              <m:t>≤</m:t>
+                            </m:r>
+                            <m:r>
+                              <a:rPr lang="en-GB" i="1">
+                                <a:latin typeface="Cambria Math" panose="02040503050406030204" pitchFamily="18" charset="0"/>
+                                <a:ea typeface="Cambria Math" panose="02040503050406030204" pitchFamily="18" charset="0"/>
+                              </a:rPr>
+                              <m:t>𝑀𝑣</m:t>
+                            </m:r>
+                            <m:r>
+                              <a:rPr lang="en-GB" i="1" baseline="-25000">
+                                <a:latin typeface="Cambria Math" panose="02040503050406030204" pitchFamily="18" charset="0"/>
+                                <a:ea typeface="Cambria Math" panose="02040503050406030204" pitchFamily="18" charset="0"/>
+                              </a:rPr>
+                              <m:t>,</m:t>
+                            </m:r>
+                            <m:r>
+                              <a:rPr lang="en-GB" i="1" baseline="-25000">
+                                <a:latin typeface="Cambria Math" panose="02040503050406030204" pitchFamily="18" charset="0"/>
+                                <a:ea typeface="Cambria Math" panose="02040503050406030204" pitchFamily="18" charset="0"/>
+                              </a:rPr>
+                              <m:t>𝑛</m:t>
+                            </m:r>
+                          </m:sub>
+                          <m:sup/>
+                          <m:e>
+                            <m:r>
+                              <a:rPr lang="en-GB" i="1">
+                                <a:latin typeface="Cambria Math" panose="02040503050406030204" pitchFamily="18" charset="0"/>
+                              </a:rPr>
+                              <m:t>𝐷</m:t>
+                            </m:r>
+                            <m:r>
+                              <a:rPr lang="en-GB" i="1" baseline="-25000">
+                                <a:latin typeface="Cambria Math" panose="02040503050406030204" pitchFamily="18" charset="0"/>
+                              </a:rPr>
+                              <m:t>𝑤</m:t>
+                            </m:r>
+                            <m:r>
+                              <a:rPr lang="en-GB" i="1" baseline="-25000">
+                                <a:latin typeface="Cambria Math" panose="02040503050406030204" pitchFamily="18" charset="0"/>
+                              </a:rPr>
+                              <m:t>,</m:t>
+                            </m:r>
+                            <m:r>
+                              <a:rPr lang="en-GB" i="1" baseline="-25000">
+                                <a:latin typeface="Cambria Math" panose="02040503050406030204" pitchFamily="18" charset="0"/>
+                              </a:rPr>
+                              <m:t>𝑛</m:t>
+                            </m:r>
+                            <m:r>
+                              <a:rPr lang="en-GB" i="1">
+                                <a:latin typeface="Cambria Math" panose="02040503050406030204" pitchFamily="18" charset="0"/>
+                              </a:rPr>
+                              <m:t>(</m:t>
+                            </m:r>
+                            <m:r>
+                              <a:rPr lang="en-GB" i="1">
+                                <a:latin typeface="Cambria Math" panose="02040503050406030204" pitchFamily="18" charset="0"/>
+                              </a:rPr>
+                              <m:t>𝑓</m:t>
+                            </m:r>
+                            <m:r>
+                              <a:rPr lang="en-GB" i="1">
+                                <a:latin typeface="Cambria Math" panose="02040503050406030204" pitchFamily="18" charset="0"/>
+                              </a:rPr>
+                              <m:t>,</m:t>
+                            </m:r>
+                            <m:r>
+                              <a:rPr lang="en-GB" i="1">
+                                <a:latin typeface="Cambria Math" panose="02040503050406030204" pitchFamily="18" charset="0"/>
+                              </a:rPr>
+                              <m:t>𝑛</m:t>
+                            </m:r>
+                            <m:r>
+                              <a:rPr lang="en-GB" i="1">
+                                <a:latin typeface="Cambria Math" panose="02040503050406030204" pitchFamily="18" charset="0"/>
+                              </a:rPr>
+                              <m:t>)]</m:t>
+                            </m:r>
+                          </m:e>
+                        </m:nary>
+                      </m:e>
+                    </m:nary>
+                  </m:oMath>
+                </a14:m>
+                <a:endParaRPr lang="en-GB" dirty="0"/>
+              </a:p>
+              <a:p>
+                <a:r>
+                  <a:rPr lang="de-CH" dirty="0"/>
+                  <a:t>C</a:t>
+                </a:r>
+                <a:r>
+                  <a:rPr lang="en-GB" dirty="0" err="1"/>
+                  <a:t>ombine</a:t>
+                </a:r>
+                <a:r>
+                  <a:rPr lang="en-GB" dirty="0"/>
+                  <a:t> with static user interests</a:t>
+                </a:r>
+              </a:p>
+              <a:p>
+                <a:pPr lvl="1"/>
+                <a14:m>
+                  <m:oMath xmlns:m="http://schemas.openxmlformats.org/officeDocument/2006/math">
+                    <m:func>
+                      <m:funcPr>
+                        <m:ctrlPr>
+                          <a:rPr lang="en-GB" i="1" smtClean="0">
+                            <a:latin typeface="Cambria Math" panose="02040503050406030204" pitchFamily="18" charset="0"/>
+                          </a:rPr>
+                        </m:ctrlPr>
+                      </m:funcPr>
+                      <m:fName>
+                        <m:limLow>
+                          <m:limLowPr>
+                            <m:ctrlPr>
+                              <a:rPr lang="en-GB" i="1" smtClean="0">
+                                <a:latin typeface="Cambria Math" panose="02040503050406030204" pitchFamily="18" charset="0"/>
+                              </a:rPr>
+                            </m:ctrlPr>
+                          </m:limLowPr>
+                          <m:e>
+                            <m:r>
+                              <m:rPr>
+                                <m:sty m:val="p"/>
+                              </m:rPr>
+                              <a:rPr lang="en-GB" i="0" smtClean="0">
+                                <a:latin typeface="Cambria Math" panose="02040503050406030204" pitchFamily="18" charset="0"/>
+                              </a:rPr>
+                              <m:t>max</m:t>
+                            </m:r>
+                          </m:e>
+                          <m:lim>
+                            <m:r>
+                              <a:rPr lang="de-CH" b="0" i="1" smtClean="0">
+                                <a:latin typeface="Cambria Math" panose="02040503050406030204" pitchFamily="18" charset="0"/>
+                              </a:rPr>
+                              <m:t>𝑤</m:t>
+                            </m:r>
+                            <m:r>
+                              <a:rPr lang="de-CH" b="0" i="1" smtClean="0">
+                                <a:latin typeface="Cambria Math" panose="02040503050406030204" pitchFamily="18" charset="0"/>
+                                <a:ea typeface="Cambria Math" panose="02040503050406030204" pitchFamily="18" charset="0"/>
+                              </a:rPr>
+                              <m:t>∈</m:t>
+                            </m:r>
+                            <m:r>
+                              <a:rPr lang="de-CH" b="0" i="1" smtClean="0">
+                                <a:latin typeface="Cambria Math" panose="02040503050406030204" pitchFamily="18" charset="0"/>
+                                <a:ea typeface="Cambria Math" panose="02040503050406030204" pitchFamily="18" charset="0"/>
+                              </a:rPr>
+                              <m:t>𝑇</m:t>
+                            </m:r>
+                          </m:lim>
+                        </m:limLow>
+                      </m:fName>
+                      <m:e>
+                        <m:f>
+                          <m:fPr>
+                            <m:ctrlPr>
+                              <a:rPr lang="en-GB" i="1" smtClean="0">
+                                <a:latin typeface="Cambria Math" panose="02040503050406030204" pitchFamily="18" charset="0"/>
+                              </a:rPr>
+                            </m:ctrlPr>
+                          </m:fPr>
+                          <m:num>
+                            <m:f>
+                              <m:fPr>
+                                <m:ctrlPr>
+                                  <a:rPr lang="en-GB" i="1" smtClean="0">
+                                    <a:latin typeface="Cambria Math" panose="02040503050406030204" pitchFamily="18" charset="0"/>
+                                  </a:rPr>
+                                </m:ctrlPr>
+                              </m:fPr>
+                              <m:num>
+                                <m:r>
+                                  <a:rPr lang="de-CH" b="0" i="1" smtClean="0">
+                                    <a:latin typeface="Cambria Math" panose="02040503050406030204" pitchFamily="18" charset="0"/>
+                                  </a:rPr>
+                                  <m:t>1−</m:t>
+                                </m:r>
+                                <m:r>
+                                  <a:rPr lang="de-CH" b="0" i="1" smtClean="0">
+                                    <a:latin typeface="Cambria Math" panose="02040503050406030204" pitchFamily="18" charset="0"/>
+                                    <a:ea typeface="Cambria Math" panose="02040503050406030204" pitchFamily="18" charset="0"/>
+                                  </a:rPr>
+                                  <m:t>∝</m:t>
+                                </m:r>
+                              </m:num>
+                              <m:den>
+                                <m:r>
+                                  <a:rPr lang="de-CH" b="0" i="1" smtClean="0">
+                                    <a:latin typeface="Cambria Math" panose="02040503050406030204" pitchFamily="18" charset="0"/>
+                                  </a:rPr>
+                                  <m:t>𝑚</m:t>
+                                </m:r>
+                              </m:den>
+                            </m:f>
+                            <m:rad>
+                              <m:radPr>
+                                <m:degHide m:val="on"/>
+                                <m:ctrlPr>
+                                  <a:rPr lang="en-GB" i="1" smtClean="0">
+                                    <a:latin typeface="Cambria Math" panose="02040503050406030204" pitchFamily="18" charset="0"/>
+                                  </a:rPr>
+                                </m:ctrlPr>
+                              </m:radPr>
+                              <m:deg/>
+                              <m:e>
+                                <m:r>
+                                  <a:rPr lang="de-CH" b="0" i="1" smtClean="0">
+                                    <a:latin typeface="Cambria Math" panose="02040503050406030204" pitchFamily="18" charset="0"/>
+                                  </a:rPr>
+                                  <m:t>𝑣𝑎𝑟</m:t>
+                                </m:r>
+                                <m:r>
+                                  <a:rPr lang="de-CH" b="0" i="1" smtClean="0">
+                                    <a:latin typeface="Cambria Math" panose="02040503050406030204" pitchFamily="18" charset="0"/>
+                                  </a:rPr>
+                                  <m:t>[</m:t>
+                                </m:r>
+                                <m:r>
+                                  <a:rPr lang="de-CH" b="0" i="1" smtClean="0">
+                                    <a:latin typeface="Cambria Math" panose="02040503050406030204" pitchFamily="18" charset="0"/>
+                                  </a:rPr>
+                                  <m:t>𝑋𝑤</m:t>
+                                </m:r>
+                                <m:r>
+                                  <a:rPr lang="de-CH" b="0" i="1" baseline="-25000" smtClean="0">
+                                    <a:latin typeface="Cambria Math" panose="02040503050406030204" pitchFamily="18" charset="0"/>
+                                  </a:rPr>
+                                  <m:t>,</m:t>
+                                </m:r>
+                                <m:r>
+                                  <a:rPr lang="de-CH" b="0" i="1" baseline="-25000" smtClean="0">
+                                    <a:latin typeface="Cambria Math" panose="02040503050406030204" pitchFamily="18" charset="0"/>
+                                  </a:rPr>
+                                  <m:t>𝑣</m:t>
+                                </m:r>
+                                <m:r>
+                                  <a:rPr lang="de-CH" b="0" i="1" smtClean="0">
+                                    <a:latin typeface="Cambria Math" panose="02040503050406030204" pitchFamily="18" charset="0"/>
+                                  </a:rPr>
+                                  <m:t>]</m:t>
+                                </m:r>
+                              </m:e>
+                            </m:rad>
+                          </m:num>
+                          <m:den>
+                            <m:r>
+                              <a:rPr lang="en-GB" i="1" smtClean="0">
+                                <a:latin typeface="Cambria Math" panose="02040503050406030204" pitchFamily="18" charset="0"/>
+                                <a:ea typeface="Cambria Math" panose="02040503050406030204" pitchFamily="18" charset="0"/>
+                              </a:rPr>
+                              <m:t>∝</m:t>
+                            </m:r>
+                            <m:r>
+                              <a:rPr lang="de-CH" b="0" i="1" smtClean="0">
+                                <a:latin typeface="Cambria Math" panose="02040503050406030204" pitchFamily="18" charset="0"/>
+                                <a:ea typeface="Cambria Math" panose="02040503050406030204" pitchFamily="18" charset="0"/>
+                              </a:rPr>
+                              <m:t>.</m:t>
+                            </m:r>
+                            <m:r>
+                              <a:rPr lang="de-CH" b="0" i="1" smtClean="0">
+                                <a:latin typeface="Cambria Math" panose="02040503050406030204" pitchFamily="18" charset="0"/>
+                                <a:ea typeface="Cambria Math" panose="02040503050406030204" pitchFamily="18" charset="0"/>
+                              </a:rPr>
+                              <m:t>𝑟𝑒𝑙</m:t>
+                            </m:r>
+                            <m:d>
+                              <m:dPr>
+                                <m:ctrlPr>
+                                  <a:rPr lang="de-CH" b="0" i="1" smtClean="0">
+                                    <a:latin typeface="Cambria Math" panose="02040503050406030204" pitchFamily="18" charset="0"/>
+                                    <a:ea typeface="Cambria Math" panose="02040503050406030204" pitchFamily="18" charset="0"/>
+                                  </a:rPr>
+                                </m:ctrlPr>
+                              </m:dPr>
+                              <m:e>
+                                <m:r>
+                                  <a:rPr lang="de-CH" b="0" i="1" smtClean="0">
+                                    <a:latin typeface="Cambria Math" panose="02040503050406030204" pitchFamily="18" charset="0"/>
+                                    <a:ea typeface="Cambria Math" panose="02040503050406030204" pitchFamily="18" charset="0"/>
+                                  </a:rPr>
+                                  <m:t>𝑢</m:t>
+                                </m:r>
+                                <m:r>
+                                  <a:rPr lang="de-CH" b="0" i="1" smtClean="0">
+                                    <a:latin typeface="Cambria Math" panose="02040503050406030204" pitchFamily="18" charset="0"/>
+                                    <a:ea typeface="Cambria Math" panose="02040503050406030204" pitchFamily="18" charset="0"/>
+                                  </a:rPr>
+                                  <m:t>,</m:t>
+                                </m:r>
+                                <m:r>
+                                  <a:rPr lang="de-CH" b="0" i="1" smtClean="0">
+                                    <a:latin typeface="Cambria Math" panose="02040503050406030204" pitchFamily="18" charset="0"/>
+                                    <a:ea typeface="Cambria Math" panose="02040503050406030204" pitchFamily="18" charset="0"/>
+                                  </a:rPr>
+                                  <m:t>𝑤</m:t>
+                                </m:r>
+                              </m:e>
+                            </m:d>
+                            <m:r>
+                              <a:rPr lang="de-CH" b="0" i="1" smtClean="0">
+                                <a:latin typeface="Cambria Math" panose="02040503050406030204" pitchFamily="18" charset="0"/>
+                                <a:ea typeface="Cambria Math" panose="02040503050406030204" pitchFamily="18" charset="0"/>
+                              </a:rPr>
+                              <m:t>+</m:t>
+                            </m:r>
+                            <m:f>
+                              <m:fPr>
+                                <m:ctrlPr>
+                                  <a:rPr lang="de-CH" b="0" i="1" smtClean="0">
+                                    <a:latin typeface="Cambria Math" panose="02040503050406030204" pitchFamily="18" charset="0"/>
+                                    <a:ea typeface="Cambria Math" panose="02040503050406030204" pitchFamily="18" charset="0"/>
+                                  </a:rPr>
+                                </m:ctrlPr>
+                              </m:fPr>
+                              <m:num>
+                                <m:r>
+                                  <a:rPr lang="de-CH" b="0" i="1" smtClean="0">
+                                    <a:latin typeface="Cambria Math" panose="02040503050406030204" pitchFamily="18" charset="0"/>
+                                    <a:ea typeface="Cambria Math" panose="02040503050406030204" pitchFamily="18" charset="0"/>
+                                  </a:rPr>
+                                  <m:t>1−∝</m:t>
+                                </m:r>
+                              </m:num>
+                              <m:den>
+                                <m:r>
+                                  <a:rPr lang="de-CH" b="0" i="1" smtClean="0">
+                                    <a:latin typeface="Cambria Math" panose="02040503050406030204" pitchFamily="18" charset="0"/>
+                                    <a:ea typeface="Cambria Math" panose="02040503050406030204" pitchFamily="18" charset="0"/>
+                                  </a:rPr>
+                                  <m:t>𝑚</m:t>
+                                </m:r>
+                              </m:den>
+                            </m:f>
+                            <m:r>
+                              <a:rPr lang="de-CH" b="0" i="1" smtClean="0">
+                                <a:latin typeface="Cambria Math" panose="02040503050406030204" pitchFamily="18" charset="0"/>
+                                <a:ea typeface="Cambria Math" panose="02040503050406030204" pitchFamily="18" charset="0"/>
+                              </a:rPr>
+                              <m:t>.</m:t>
+                            </m:r>
+                            <m:r>
+                              <a:rPr lang="de-CH" b="0" i="1" smtClean="0">
+                                <a:latin typeface="Cambria Math" panose="02040503050406030204" pitchFamily="18" charset="0"/>
+                                <a:ea typeface="Cambria Math" panose="02040503050406030204" pitchFamily="18" charset="0"/>
+                              </a:rPr>
+                              <m:t>𝐸</m:t>
+                            </m:r>
+                            <m:r>
+                              <a:rPr lang="de-CH" b="0" i="1" smtClean="0">
+                                <a:latin typeface="Cambria Math" panose="02040503050406030204" pitchFamily="18" charset="0"/>
+                                <a:ea typeface="Cambria Math" panose="02040503050406030204" pitchFamily="18" charset="0"/>
+                              </a:rPr>
+                              <m:t>[</m:t>
+                            </m:r>
+                            <m:r>
+                              <a:rPr lang="de-CH" b="0" i="1" smtClean="0">
+                                <a:latin typeface="Cambria Math" panose="02040503050406030204" pitchFamily="18" charset="0"/>
+                                <a:ea typeface="Cambria Math" panose="02040503050406030204" pitchFamily="18" charset="0"/>
+                              </a:rPr>
+                              <m:t>𝑋𝑣</m:t>
+                            </m:r>
+                            <m:r>
+                              <a:rPr lang="de-CH" b="0" i="1" baseline="-25000" smtClean="0">
+                                <a:latin typeface="Cambria Math" panose="02040503050406030204" pitchFamily="18" charset="0"/>
+                                <a:ea typeface="Cambria Math" panose="02040503050406030204" pitchFamily="18" charset="0"/>
+                              </a:rPr>
+                              <m:t>,</m:t>
+                            </m:r>
+                            <m:r>
+                              <a:rPr lang="de-CH" b="0" i="1" baseline="-25000" smtClean="0">
+                                <a:latin typeface="Cambria Math" panose="02040503050406030204" pitchFamily="18" charset="0"/>
+                                <a:ea typeface="Cambria Math" panose="02040503050406030204" pitchFamily="18" charset="0"/>
+                              </a:rPr>
+                              <m:t>𝑤</m:t>
+                            </m:r>
+                            <m:r>
+                              <a:rPr lang="de-CH" b="0" i="1" smtClean="0">
+                                <a:latin typeface="Cambria Math" panose="02040503050406030204" pitchFamily="18" charset="0"/>
+                                <a:ea typeface="Cambria Math" panose="02040503050406030204" pitchFamily="18" charset="0"/>
+                              </a:rPr>
+                              <m:t>]</m:t>
+                            </m:r>
+                          </m:den>
+                        </m:f>
+                      </m:e>
+                    </m:func>
+                  </m:oMath>
+                </a14:m>
+                <a:endParaRPr lang="en-GB" dirty="0"/>
+              </a:p>
+              <a:p>
+                <a:endParaRPr lang="en-GB" dirty="0"/>
+              </a:p>
+            </p:txBody>
+          </p:sp>
+        </mc:Choice>
+        <mc:Fallback>
+          <p:sp>
+            <p:nvSpPr>
+              <p:cNvPr id="3" name="Content Placeholder 2">
+                <a:extLst>
+                  <a:ext uri="{FF2B5EF4-FFF2-40B4-BE49-F238E27FC236}">
+                    <a16:creationId xmlns:a16="http://schemas.microsoft.com/office/drawing/2014/main" id="{0D28A200-2292-42CC-BEF7-54AAB2961DE9}"/>
+                  </a:ext>
+                </a:extLst>
+              </p:cNvPr>
+              <p:cNvSpPr>
+                <a:spLocks noGrp="1" noRot="1" noChangeAspect="1" noMove="1" noResize="1" noEditPoints="1" noAdjustHandles="1" noChangeArrowheads="1" noChangeShapeType="1" noTextEdit="1"/>
+              </p:cNvSpPr>
+              <p:nvPr>
+                <p:ph idx="1"/>
+              </p:nvPr>
+            </p:nvSpPr>
+            <p:spPr>
+              <a:blipFill>
+                <a:blip r:embed="rId2"/>
+                <a:stretch>
+                  <a:fillRect l="-571" t="-2240"/>
+                </a:stretch>
+              </a:blipFill>
+            </p:spPr>
+            <p:txBody>
+              <a:bodyPr/>
+              <a:lstStyle/>
+              <a:p>
+                <a:r>
+                  <a:rPr lang="en-GB">
+                    <a:noFill/>
+                  </a:rPr>
+                  <a:t> </a:t>
+                </a:r>
+              </a:p>
+            </p:txBody>
+          </p:sp>
+        </mc:Fallback>
+      </mc:AlternateContent>
       <p:sp>
         <p:nvSpPr>
           <p:cNvPr id="4" name="Footer Placeholder 3">
@@ -11076,6 +11885,464 @@
     <p:extLst>
       <p:ext uri="{BB962C8B-B14F-4D97-AF65-F5344CB8AC3E}">
         <p14:creationId xmlns:p14="http://schemas.microsoft.com/office/powerpoint/2010/main" val="4237350263"/>
+      </p:ext>
+    </p:extLst>
+  </p:cSld>
+  <p:clrMapOvr>
+    <a:masterClrMapping/>
+  </p:clrMapOvr>
+  <mc:AlternateContent xmlns:mc="http://schemas.openxmlformats.org/markup-compatibility/2006" xmlns:p14="http://schemas.microsoft.com/office/powerpoint/2010/main">
+    <mc:Choice Requires="p14">
+      <p:transition spd="med" p14:dur="700">
+        <p:fade/>
+      </p:transition>
+    </mc:Choice>
+    <mc:Fallback xmlns="">
+      <p:transition spd="med">
+        <p:fade/>
+      </p:transition>
+    </mc:Fallback>
+  </mc:AlternateContent>
+</p:sld>
+</file>
+
+<file path=ppt/slides/slide14.xml><?xml version="1.0" encoding="utf-8"?>
+<p:sld xmlns:a="http://schemas.openxmlformats.org/drawingml/2006/main" xmlns:r="http://schemas.openxmlformats.org/officeDocument/2006/relationships" xmlns:p="http://schemas.openxmlformats.org/presentationml/2006/main">
+  <p:cSld>
+    <p:spTree>
+      <p:nvGrpSpPr>
+        <p:cNvPr id="1" name=""/>
+        <p:cNvGrpSpPr/>
+        <p:nvPr/>
+      </p:nvGrpSpPr>
+      <p:grpSpPr>
+        <a:xfrm>
+          <a:off x="0" y="0"/>
+          <a:ext cx="0" cy="0"/>
+          <a:chOff x="0" y="0"/>
+          <a:chExt cx="0" cy="0"/>
+        </a:xfrm>
+      </p:grpSpPr>
+      <p:sp>
+        <p:nvSpPr>
+          <p:cNvPr id="2" name="Title 1">
+            <a:extLst>
+              <a:ext uri="{FF2B5EF4-FFF2-40B4-BE49-F238E27FC236}">
+                <a16:creationId xmlns:a16="http://schemas.microsoft.com/office/drawing/2014/main" id="{709467A9-544F-4814-9C4E-22B36D7D4C56}"/>
+              </a:ext>
+            </a:extLst>
+          </p:cNvPr>
+          <p:cNvSpPr>
+            <a:spLocks noGrp="1"/>
+          </p:cNvSpPr>
+          <p:nvPr>
+            <p:ph type="title"/>
+          </p:nvPr>
+        </p:nvSpPr>
+        <p:spPr/>
+        <p:txBody>
+          <a:bodyPr/>
+          <a:lstStyle/>
+          <a:p>
+            <a:r>
+              <a:rPr lang="de-CH" dirty="0"/>
+              <a:t>Hybrid model</a:t>
+            </a:r>
+            <a:endParaRPr lang="en-GB" dirty="0"/>
+          </a:p>
+        </p:txBody>
+      </p:sp>
+      <mc:AlternateContent xmlns:mc="http://schemas.openxmlformats.org/markup-compatibility/2006">
+        <mc:Choice xmlns:a14="http://schemas.microsoft.com/office/drawing/2010/main" Requires="a14">
+          <p:sp>
+            <p:nvSpPr>
+              <p:cNvPr id="3" name="Content Placeholder 2">
+                <a:extLst>
+                  <a:ext uri="{FF2B5EF4-FFF2-40B4-BE49-F238E27FC236}">
+                    <a16:creationId xmlns:a16="http://schemas.microsoft.com/office/drawing/2014/main" id="{5A9FE4AE-1FA6-4134-9ACF-79A929F4FEA6}"/>
+                  </a:ext>
+                </a:extLst>
+              </p:cNvPr>
+              <p:cNvSpPr>
+                <a:spLocks noGrp="1"/>
+              </p:cNvSpPr>
+              <p:nvPr>
+                <p:ph idx="1"/>
+              </p:nvPr>
+            </p:nvSpPr>
+            <p:spPr/>
+            <p:txBody>
+              <a:bodyPr>
+                <a:normAutofit/>
+              </a:bodyPr>
+              <a:lstStyle/>
+              <a:p>
+                <a:r>
+                  <a:rPr lang="en-GB" i="1" dirty="0"/>
+                  <a:t>the ratio of the read frequency of user v to the write frequency of v’s neighbours will also affect the retrieval strategy selection and is ignored in the above model.</a:t>
+                </a:r>
+              </a:p>
+              <a:p>
+                <a14:m>
+                  <m:oMath xmlns:m="http://schemas.openxmlformats.org/officeDocument/2006/math">
+                    <m:r>
+                      <m:rPr>
+                        <m:sty m:val="p"/>
+                      </m:rPr>
+                      <a:rPr lang="de-CH" b="0" i="0" smtClean="0">
+                        <a:latin typeface="Cambria Math" panose="02040503050406030204" pitchFamily="18" charset="0"/>
+                      </a:rPr>
+                      <m:t>p</m:t>
+                    </m:r>
+                    <m:r>
+                      <a:rPr lang="de-CH" b="0" i="0" baseline="20000" smtClean="0">
+                        <a:latin typeface="Cambria Math" panose="02040503050406030204" pitchFamily="18" charset="0"/>
+                      </a:rPr>
+                      <m:t>∗</m:t>
+                    </m:r>
+                    <m:d>
+                      <m:dPr>
+                        <m:ctrlPr>
+                          <a:rPr lang="de-CH" b="0" smtClean="0">
+                            <a:latin typeface="Cambria Math" panose="02040503050406030204" pitchFamily="18" charset="0"/>
+                          </a:rPr>
+                        </m:ctrlPr>
+                      </m:dPr>
+                      <m:e>
+                        <m:r>
+                          <m:rPr>
+                            <m:sty m:val="p"/>
+                          </m:rPr>
+                          <a:rPr lang="de-CH" b="0" i="0" smtClean="0">
+                            <a:latin typeface="Cambria Math" panose="02040503050406030204" pitchFamily="18" charset="0"/>
+                          </a:rPr>
+                          <m:t>v</m:t>
+                        </m:r>
+                      </m:e>
+                    </m:d>
+                    <m:r>
+                      <a:rPr lang="de-CH" b="0" i="0" smtClean="0">
+                        <a:latin typeface="Cambria Math" panose="02040503050406030204" pitchFamily="18" charset="0"/>
+                      </a:rPr>
+                      <m:t>=</m:t>
+                    </m:r>
+                    <m:f>
+                      <m:fPr>
+                        <m:ctrlPr>
+                          <a:rPr lang="en-GB">
+                            <a:latin typeface="Cambria Math" panose="02040503050406030204" pitchFamily="18" charset="0"/>
+                          </a:rPr>
+                        </m:ctrlPr>
+                      </m:fPr>
+                      <m:num>
+                        <m:nary>
+                          <m:naryPr>
+                            <m:chr m:val="∑"/>
+                            <m:supHide m:val="on"/>
+                            <m:ctrlPr>
+                              <a:rPr lang="en-GB">
+                                <a:latin typeface="Cambria Math" panose="02040503050406030204" pitchFamily="18" charset="0"/>
+                              </a:rPr>
+                            </m:ctrlPr>
+                          </m:naryPr>
+                          <m:sub>
+                            <m:r>
+                              <m:rPr>
+                                <m:sty m:val="p"/>
+                                <m:brk m:alnAt="7"/>
+                              </m:rPr>
+                              <a:rPr lang="de-CH" i="0" smtClean="0">
+                                <a:latin typeface="Cambria Math" panose="02040503050406030204" pitchFamily="18" charset="0"/>
+                              </a:rPr>
+                              <m:t>n</m:t>
+                            </m:r>
+                            <m:r>
+                              <a:rPr lang="de-CH" i="0">
+                                <a:latin typeface="Cambria Math" panose="02040503050406030204" pitchFamily="18" charset="0"/>
+                              </a:rPr>
+                              <m:t>∈</m:t>
+                            </m:r>
+                            <m:r>
+                              <m:rPr>
+                                <m:sty m:val="p"/>
+                              </m:rPr>
+                              <a:rPr lang="de-CH" i="0">
+                                <a:latin typeface="Cambria Math" panose="02040503050406030204" pitchFamily="18" charset="0"/>
+                              </a:rPr>
+                              <m:t>N</m:t>
+                            </m:r>
+                            <m:r>
+                              <a:rPr lang="de-CH" i="0">
+                                <a:latin typeface="Cambria Math" panose="02040503050406030204" pitchFamily="18" charset="0"/>
+                              </a:rPr>
+                              <m:t>(</m:t>
+                            </m:r>
+                            <m:r>
+                              <m:rPr>
+                                <m:sty m:val="p"/>
+                              </m:rPr>
+                              <a:rPr lang="de-CH" i="0">
+                                <a:latin typeface="Cambria Math" panose="02040503050406030204" pitchFamily="18" charset="0"/>
+                              </a:rPr>
+                              <m:t>v</m:t>
+                            </m:r>
+                            <m:r>
+                              <a:rPr lang="de-CH" i="0">
+                                <a:latin typeface="Cambria Math" panose="02040503050406030204" pitchFamily="18" charset="0"/>
+                              </a:rPr>
+                              <m:t>)</m:t>
+                            </m:r>
+                          </m:sub>
+                          <m:sup/>
+                          <m:e>
+                            <m:r>
+                              <m:rPr>
+                                <m:nor/>
+                              </m:rPr>
+                              <a:rPr lang="el-GR">
+                                <a:latin typeface="Cambria Math" panose="02040503050406030204" pitchFamily="18" charset="0"/>
+                              </a:rPr>
+                              <m:t>λ</m:t>
+                            </m:r>
+                            <m:r>
+                              <m:rPr>
+                                <m:nor/>
+                              </m:rPr>
+                              <a:rPr lang="en-GB">
+                                <a:latin typeface="Cambria Math" panose="02040503050406030204" pitchFamily="18" charset="0"/>
+                              </a:rPr>
+                              <m:t>n</m:t>
+                            </m:r>
+                          </m:e>
+                        </m:nary>
+                      </m:num>
+                      <m:den>
+                        <m:r>
+                          <m:rPr>
+                            <m:nor/>
+                          </m:rPr>
+                          <a:rPr lang="el-GR">
+                            <a:latin typeface="Cambria Math" panose="02040503050406030204" pitchFamily="18" charset="0"/>
+                          </a:rPr>
+                          <m:t>η</m:t>
+                        </m:r>
+                        <m:r>
+                          <m:rPr>
+                            <m:nor/>
+                          </m:rPr>
+                          <a:rPr lang="en-GB">
+                            <a:latin typeface="Cambria Math" panose="02040503050406030204" pitchFamily="18" charset="0"/>
+                          </a:rPr>
+                          <m:t>v</m:t>
+                        </m:r>
+                      </m:den>
+                    </m:f>
+                  </m:oMath>
+                </a14:m>
+                <a:r>
+                  <a:rPr lang="en-GB" dirty="0">
+                    <a:latin typeface="Cambria Math" panose="02040503050406030204" pitchFamily="18" charset="0"/>
+                  </a:rPr>
+                  <a:t>.p(v)</a:t>
+                </a:r>
+              </a:p>
+              <a:p>
+                <a:r>
+                  <a:rPr lang="en-GB" dirty="0"/>
+                  <a:t>Finally, we can use ρ</a:t>
+                </a:r>
+                <a:r>
+                  <a:rPr lang="en-GB" baseline="30000" dirty="0"/>
+                  <a:t>∗</a:t>
+                </a:r>
+                <a:r>
+                  <a:rPr lang="en-GB" dirty="0"/>
+                  <a:t>(v) to determine the retrieval strategy</a:t>
+                </a:r>
+                <a:r>
+                  <a:rPr lang="ar-SY" dirty="0"/>
+                  <a:t> </a:t>
+                </a:r>
+                <a:r>
+                  <a:rPr lang="en-GB" dirty="0"/>
+                  <a:t>for user v. If ρ</a:t>
+                </a:r>
+                <a:r>
+                  <a:rPr lang="en-GB" baseline="30000" dirty="0"/>
+                  <a:t>∗</a:t>
+                </a:r>
+                <a:r>
+                  <a:rPr lang="en-GB" dirty="0"/>
+                  <a:t>(v) is smaller than a pre-defined threshold </a:t>
+                </a:r>
+                <a:r>
+                  <a:rPr lang="en-GB" dirty="0" err="1"/>
+                  <a:t>ρ</a:t>
+                </a:r>
+                <a:r>
+                  <a:rPr lang="en-GB" baseline="-25000" dirty="0" err="1"/>
+                  <a:t>max</a:t>
+                </a:r>
+                <a:r>
+                  <a:rPr lang="en-GB" dirty="0"/>
+                  <a:t>, we adopt the </a:t>
+                </a:r>
+                <a:r>
+                  <a:rPr lang="en-GB" i="1" dirty="0"/>
+                  <a:t>safe region </a:t>
+                </a:r>
+                <a:r>
+                  <a:rPr lang="en-GB" dirty="0"/>
+                  <a:t>strategy for user v. Otherwise </a:t>
+                </a:r>
+                <a:r>
+                  <a:rPr lang="en-GB" i="1" dirty="0"/>
+                  <a:t>online retrieval </a:t>
+                </a:r>
+                <a:r>
+                  <a:rPr lang="en-GB" dirty="0"/>
+                  <a:t>is used when v logins/refreshes its personal social page.</a:t>
+                </a:r>
+              </a:p>
+              <a:p>
+                <a:endParaRPr lang="en-GB" dirty="0">
+                  <a:latin typeface="Cambria Math" panose="02040503050406030204" pitchFamily="18" charset="0"/>
+                </a:endParaRPr>
+              </a:p>
+            </p:txBody>
+          </p:sp>
+        </mc:Choice>
+        <mc:Fallback>
+          <p:sp>
+            <p:nvSpPr>
+              <p:cNvPr id="3" name="Content Placeholder 2">
+                <a:extLst>
+                  <a:ext uri="{FF2B5EF4-FFF2-40B4-BE49-F238E27FC236}">
+                    <a16:creationId xmlns:a16="http://schemas.microsoft.com/office/drawing/2014/main" id="{5A9FE4AE-1FA6-4134-9ACF-79A929F4FEA6}"/>
+                  </a:ext>
+                </a:extLst>
+              </p:cNvPr>
+              <p:cNvSpPr>
+                <a:spLocks noGrp="1" noRot="1" noChangeAspect="1" noMove="1" noResize="1" noEditPoints="1" noAdjustHandles="1" noChangeArrowheads="1" noChangeShapeType="1" noTextEdit="1"/>
+              </p:cNvSpPr>
+              <p:nvPr>
+                <p:ph idx="1"/>
+              </p:nvPr>
+            </p:nvSpPr>
+            <p:spPr>
+              <a:blipFill>
+                <a:blip r:embed="rId2"/>
+                <a:stretch>
+                  <a:fillRect l="-571" t="-1440"/>
+                </a:stretch>
+              </a:blipFill>
+            </p:spPr>
+            <p:txBody>
+              <a:bodyPr/>
+              <a:lstStyle/>
+              <a:p>
+                <a:r>
+                  <a:rPr lang="en-GB">
+                    <a:noFill/>
+                  </a:rPr>
+                  <a:t> </a:t>
+                </a:r>
+              </a:p>
+            </p:txBody>
+          </p:sp>
+        </mc:Fallback>
+      </mc:AlternateContent>
+      <p:sp>
+        <p:nvSpPr>
+          <p:cNvPr id="4" name="Footer Placeholder 3">
+            <a:extLst>
+              <a:ext uri="{FF2B5EF4-FFF2-40B4-BE49-F238E27FC236}">
+                <a16:creationId xmlns:a16="http://schemas.microsoft.com/office/drawing/2014/main" id="{CD7AB38B-AC1D-4EA8-80B2-A46893D34343}"/>
+              </a:ext>
+            </a:extLst>
+          </p:cNvPr>
+          <p:cNvSpPr>
+            <a:spLocks noGrp="1"/>
+          </p:cNvSpPr>
+          <p:nvPr>
+            <p:ph type="ftr" sz="quarter" idx="11"/>
+          </p:nvPr>
+        </p:nvSpPr>
+        <p:spPr/>
+        <p:txBody>
+          <a:bodyPr/>
+          <a:lstStyle/>
+          <a:p>
+            <a:r>
+              <a:rPr lang="en-GB"/>
+              <a:t>Context-aware advertisement recommendation for high-speed social news feeding</a:t>
+            </a:r>
+            <a:endParaRPr lang="en-US" dirty="0"/>
+          </a:p>
+        </p:txBody>
+      </p:sp>
+      <p:sp>
+        <p:nvSpPr>
+          <p:cNvPr id="5" name="Date Placeholder 4">
+            <a:extLst>
+              <a:ext uri="{FF2B5EF4-FFF2-40B4-BE49-F238E27FC236}">
+                <a16:creationId xmlns:a16="http://schemas.microsoft.com/office/drawing/2014/main" id="{F1EA45F3-47A0-45E6-BE91-2733537B0438}"/>
+              </a:ext>
+            </a:extLst>
+          </p:cNvPr>
+          <p:cNvSpPr>
+            <a:spLocks noGrp="1"/>
+          </p:cNvSpPr>
+          <p:nvPr>
+            <p:ph type="dt" sz="half" idx="10"/>
+          </p:nvPr>
+        </p:nvSpPr>
+        <p:spPr/>
+        <p:txBody>
+          <a:bodyPr/>
+          <a:lstStyle/>
+          <a:p>
+            <a:r>
+              <a:rPr lang="en-CH"/>
+              <a:t>13/12/2017</a:t>
+            </a:r>
+            <a:endParaRPr lang="en-US" dirty="0"/>
+          </a:p>
+        </p:txBody>
+      </p:sp>
+      <p:sp>
+        <p:nvSpPr>
+          <p:cNvPr id="6" name="Slide Number Placeholder 5">
+            <a:extLst>
+              <a:ext uri="{FF2B5EF4-FFF2-40B4-BE49-F238E27FC236}">
+                <a16:creationId xmlns:a16="http://schemas.microsoft.com/office/drawing/2014/main" id="{A767AFAA-FF82-40EA-BA8B-206F5F008995}"/>
+              </a:ext>
+            </a:extLst>
+          </p:cNvPr>
+          <p:cNvSpPr>
+            <a:spLocks noGrp="1"/>
+          </p:cNvSpPr>
+          <p:nvPr>
+            <p:ph type="sldNum" sz="quarter" idx="12"/>
+          </p:nvPr>
+        </p:nvSpPr>
+        <p:spPr/>
+        <p:txBody>
+          <a:bodyPr/>
+          <a:lstStyle/>
+          <a:p>
+            <a:fld id="{E31375A4-56A4-47D6-9801-1991572033F7}" type="slidenum">
+              <a:rPr lang="en-US" smtClean="0"/>
+              <a:t>14</a:t>
+            </a:fld>
+            <a:endParaRPr lang="en-US" dirty="0"/>
+          </a:p>
+        </p:txBody>
+      </p:sp>
+    </p:spTree>
+    <p:extLst>
+      <p:ext uri="{BB962C8B-B14F-4D97-AF65-F5344CB8AC3E}">
+        <p14:creationId xmlns:p14="http://schemas.microsoft.com/office/powerpoint/2010/main" val="804328084"/>
       </p:ext>
     </p:extLst>
   </p:cSld>
@@ -11981,7 +13248,14 @@
                         <m:nor/>
                       </m:rPr>
                       <a:rPr lang="de-CH"/>
-                      <m:t>)=	</m:t>
+                      <m:t>)=</m:t>
+                    </m:r>
+                    <m:r>
+                      <m:rPr>
+                        <m:nor/>
+                      </m:rPr>
+                      <a:rPr lang="de-CH"/>
+                      <m:t>	</m:t>
                     </m:r>
                     <m:nary>
                       <m:naryPr>
@@ -12107,7 +13381,21 @@
                             <m:nor/>
                           </m:rPr>
                           <a:rPr lang="pl-PL"/>
-                          <m:t>)	 </m:t>
+                          <m:t>)</m:t>
+                        </m:r>
+                        <m:r>
+                          <m:rPr>
+                            <m:nor/>
+                          </m:rPr>
+                          <a:rPr lang="pl-PL"/>
+                          <m:t>	</m:t>
+                        </m:r>
+                        <m:r>
+                          <m:rPr>
+                            <m:nor/>
+                          </m:rPr>
+                          <a:rPr lang="pl-PL"/>
+                          <m:t> </m:t>
                         </m:r>
                       </m:e>
                     </m:nary>
@@ -12180,7 +13468,14 @@
                         <m:nor/>
                       </m:rPr>
                       <a:rPr lang="de-CH" sz="1600"/>
-                      <m:t>)	</m:t>
+                      <m:t>)</m:t>
+                    </m:r>
+                    <m:r>
+                      <m:rPr>
+                        <m:nor/>
+                      </m:rPr>
+                      <a:rPr lang="de-CH" sz="1600"/>
+                      <m:t>	</m:t>
                     </m:r>
                     <m:r>
                       <a:rPr lang="pt-BR" sz="1600" i="1" smtClean="0">
@@ -12252,7 +13547,14 @@
                             <m:nor/>
                           </m:rPr>
                           <a:rPr lang="de-CH" sz="1600"/>
-                          <m:t>	 </m:t>
+                          <m:t>	</m:t>
+                        </m:r>
+                        <m:r>
+                          <m:rPr>
+                            <m:nor/>
+                          </m:rPr>
+                          <a:rPr lang="de-CH" sz="1600"/>
+                          <m:t> </m:t>
                         </m:r>
                       </m:sub>
                       <m:sup/>

--- a/SeminarPresentation.pptx
+++ b/SeminarPresentation.pptx
@@ -5,10 +5,10 @@
     <p:sldMasterId id="2147483648" r:id="rId1"/>
   </p:sldMasterIdLst>
   <p:notesMasterIdLst>
-    <p:notesMasterId r:id="rId15"/>
+    <p:notesMasterId r:id="rId18"/>
   </p:notesMasterIdLst>
   <p:handoutMasterIdLst>
-    <p:handoutMasterId r:id="rId16"/>
+    <p:handoutMasterId r:id="rId19"/>
   </p:handoutMasterIdLst>
   <p:sldIdLst>
     <p:sldId id="261" r:id="rId2"/>
@@ -19,11 +19,14 @@
     <p:sldId id="264" r:id="rId7"/>
     <p:sldId id="265" r:id="rId8"/>
     <p:sldId id="266" r:id="rId9"/>
-    <p:sldId id="267" r:id="rId10"/>
-    <p:sldId id="268" r:id="rId11"/>
-    <p:sldId id="269" r:id="rId12"/>
-    <p:sldId id="270" r:id="rId13"/>
-    <p:sldId id="272" r:id="rId14"/>
+    <p:sldId id="275" r:id="rId10"/>
+    <p:sldId id="267" r:id="rId11"/>
+    <p:sldId id="268" r:id="rId12"/>
+    <p:sldId id="269" r:id="rId13"/>
+    <p:sldId id="270" r:id="rId14"/>
+    <p:sldId id="272" r:id="rId15"/>
+    <p:sldId id="273" r:id="rId16"/>
+    <p:sldId id="274" r:id="rId17"/>
   </p:sldIdLst>
   <p:sldSz cx="12192000" cy="6858000"/>
   <p:notesSz cx="6858000" cy="9144000"/>
@@ -146,7 +149,7 @@
 
 <file path=ppt/commentAuthors.xml><?xml version="1.0" encoding="utf-8"?>
 <p:cmAuthorLst xmlns:a="http://schemas.openxmlformats.org/drawingml/2006/main" xmlns:r="http://schemas.openxmlformats.org/officeDocument/2006/relationships" xmlns:p="http://schemas.openxmlformats.org/presentationml/2006/main">
-  <p:cmAuthor id="1" name="Altahan, Mohammad (STUDENTS)" initials="AM(" lastIdx="2" clrIdx="0">
+  <p:cmAuthor id="1" name="Altahan, Mohammad (STUDENTS)" initials="AM(" lastIdx="3" clrIdx="0">
     <p:extLst>
       <p:ext uri="{19B8F6BF-5375-455C-9EA6-DF929625EA0E}">
         <p15:presenceInfo xmlns:p15="http://schemas.microsoft.com/office/powerpoint/2012/main" userId="Altahan, Mohammad (STUDENTS)" providerId="None"/>
@@ -177,6 +180,20 @@
 Sl, is still larger than the maximum relevance to those not in R, denoted by Su, then the expansion is safe. Otherwise, the
 algorithm terminates and returns the safe region expanded in
 partial dimensions</p:text>
+    <p:extLst>
+      <p:ext uri="{C676402C-5697-4E1C-873F-D02D1690AC5C}">
+        <p15:threadingInfo xmlns:p15="http://schemas.microsoft.com/office/powerpoint/2012/main" timeZoneBias="-60"/>
+      </p:ext>
+    </p:extLst>
+  </p:cm>
+</p:cmLst>
+</file>
+
+<file path=ppt/comments/comment2.xml><?xml version="1.0" encoding="utf-8"?>
+<p:cmLst xmlns:a="http://schemas.openxmlformats.org/drawingml/2006/main" xmlns:r="http://schemas.openxmlformats.org/officeDocument/2006/relationships" xmlns:p="http://schemas.openxmlformats.org/presentationml/2006/main">
+  <p:cm authorId="1" dt="2017-12-07T11:53:04.181" idx="3">
+    <p:pos x="3268" y="3242"/>
+    <p:text>may insert some plots in case we have enogh  time.</p:text>
     <p:extLst>
       <p:ext uri="{C676402C-5697-4E1C-873F-D02D1690AC5C}">
         <p15:threadingInfo xmlns:p15="http://schemas.microsoft.com/office/powerpoint/2012/main" timeZoneBias="-60"/>
@@ -1025,7 +1042,7 @@
   <dgm:whole/>
   <dgm:extLst>
     <a:ext uri="http://schemas.microsoft.com/office/drawing/2008/diagram">
-      <dsp:dataModelExt xmlns:dsp="http://schemas.microsoft.com/office/drawing/2008/diagram" relId="rId6" minVer="http://schemas.openxmlformats.org/drawingml/2006/diagram"/>
+      <dsp:dataModelExt xmlns:dsp="http://schemas.microsoft.com/office/drawing/2008/diagram" relId="rId7" minVer="http://schemas.openxmlformats.org/drawingml/2006/diagram"/>
     </a:ext>
   </dgm:extLst>
 </dgm:dataModel>
@@ -2453,7 +2470,7 @@
           <a:p>
             <a:fld id="{59041DB8-B66F-4DC8-A96E-33677E0F90FF}" type="datetimeFigureOut">
               <a:rPr lang="en-US" smtClean="0"/>
-              <a:t>12/4/2017</a:t>
+              <a:t>12/9/2017</a:t>
             </a:fld>
             <a:endParaRPr lang="en-US" dirty="0"/>
           </a:p>
@@ -2618,7 +2635,7 @@
           <a:p>
             <a:fld id="{DEB49C4A-65AC-492D-9701-81B46C3AD0E4}" type="datetimeFigureOut">
               <a:rPr lang="en-US" smtClean="0"/>
-              <a:t>12/4/2017</a:t>
+              <a:t>12/9/2017</a:t>
             </a:fld>
             <a:endParaRPr lang="en-US" dirty="0"/>
           </a:p>
@@ -2960,6 +2977,287 @@
     <p:extLst>
       <p:ext uri="{BB962C8B-B14F-4D97-AF65-F5344CB8AC3E}">
         <p14:creationId xmlns:p14="http://schemas.microsoft.com/office/powerpoint/2010/main" val="1980303916"/>
+      </p:ext>
+    </p:extLst>
+  </p:cSld>
+  <p:clrMapOvr>
+    <a:masterClrMapping/>
+  </p:clrMapOvr>
+</p:notes>
+</file>
+
+<file path=ppt/notesSlides/notesSlide2.xml><?xml version="1.0" encoding="utf-8"?>
+<p:notes xmlns:a="http://schemas.openxmlformats.org/drawingml/2006/main" xmlns:r="http://schemas.openxmlformats.org/officeDocument/2006/relationships" xmlns:p="http://schemas.openxmlformats.org/presentationml/2006/main">
+  <p:cSld>
+    <p:spTree>
+      <p:nvGrpSpPr>
+        <p:cNvPr id="1" name=""/>
+        <p:cNvGrpSpPr/>
+        <p:nvPr/>
+      </p:nvGrpSpPr>
+      <p:grpSpPr>
+        <a:xfrm>
+          <a:off x="0" y="0"/>
+          <a:ext cx="0" cy="0"/>
+          <a:chOff x="0" y="0"/>
+          <a:chExt cx="0" cy="0"/>
+        </a:xfrm>
+      </p:grpSpPr>
+      <p:sp>
+        <p:nvSpPr>
+          <p:cNvPr id="2" name="Slide Image Placeholder 1"/>
+          <p:cNvSpPr>
+            <a:spLocks noGrp="1" noRot="1" noChangeAspect="1"/>
+          </p:cNvSpPr>
+          <p:nvPr>
+            <p:ph type="sldImg"/>
+          </p:nvPr>
+        </p:nvSpPr>
+        <p:spPr/>
+      </p:sp>
+      <p:sp>
+        <p:nvSpPr>
+          <p:cNvPr id="3" name="Notes Placeholder 2"/>
+          <p:cNvSpPr>
+            <a:spLocks noGrp="1"/>
+          </p:cNvSpPr>
+          <p:nvPr>
+            <p:ph type="body" idx="1"/>
+          </p:nvPr>
+        </p:nvSpPr>
+        <p:spPr/>
+        <p:txBody>
+          <a:bodyPr/>
+          <a:lstStyle/>
+          <a:p>
+            <a:pPr marL="457200" indent="-457200">
+              <a:lnSpc>
+                <a:spcPct val="150000"/>
+              </a:lnSpc>
+              <a:spcBef>
+                <a:spcPts val="0"/>
+              </a:spcBef>
+              <a:buFont typeface="+mj-lt"/>
+              <a:buAutoNum type="arabicPeriod"/>
+            </a:pPr>
+            <a:r>
+              <a:rPr lang="en-GB" sz="1200" dirty="0"/>
+              <a:t>Let the window size m = 3, the weighting parameter α = 0.25 and the number of topics |T| = 2. </a:t>
+            </a:r>
+          </a:p>
+          <a:p>
+            <a:pPr marL="457200" indent="-457200">
+              <a:lnSpc>
+                <a:spcPct val="150000"/>
+              </a:lnSpc>
+              <a:spcBef>
+                <a:spcPts val="0"/>
+              </a:spcBef>
+              <a:buFont typeface="+mj-lt"/>
+              <a:buAutoNum type="arabicPeriod"/>
+            </a:pPr>
+            <a:r>
+              <a:rPr lang="en-GB" sz="1200" dirty="0"/>
+              <a:t>Given a user u, let Hu = (0.4, 0.6) be the topic distributions of his static interests. </a:t>
+            </a:r>
+          </a:p>
+          <a:p>
+            <a:pPr marL="457200" indent="-457200">
+              <a:lnSpc>
+                <a:spcPct val="150000"/>
+              </a:lnSpc>
+              <a:spcBef>
+                <a:spcPts val="0"/>
+              </a:spcBef>
+              <a:buFont typeface="+mj-lt"/>
+              <a:buAutoNum type="arabicPeriod"/>
+            </a:pPr>
+            <a:r>
+              <a:rPr lang="en-GB" sz="1200" dirty="0"/>
+              <a:t>Topic distributions of the 3 posts in the window are (0.2, 0.8), (0.1, 0.9) and (1.0, 0).</a:t>
+            </a:r>
+          </a:p>
+          <a:p>
+            <a:pPr marL="457200" indent="-457200">
+              <a:lnSpc>
+                <a:spcPct val="150000"/>
+              </a:lnSpc>
+              <a:spcBef>
+                <a:spcPts val="0"/>
+              </a:spcBef>
+              <a:buFont typeface="+mj-lt"/>
+              <a:buAutoNum type="arabicPeriod"/>
+            </a:pPr>
+            <a:r>
+              <a:rPr lang="en-GB" sz="1200" dirty="0"/>
+              <a:t>When u triggers a read operation, Qu is calculated as Qu = (0.425, 0.575). </a:t>
+            </a:r>
+          </a:p>
+          <a:p>
+            <a:pPr marL="457200" indent="-457200">
+              <a:lnSpc>
+                <a:spcPct val="150000"/>
+              </a:lnSpc>
+              <a:spcBef>
+                <a:spcPts val="0"/>
+              </a:spcBef>
+              <a:buFont typeface="+mj-lt"/>
+              <a:buAutoNum type="arabicPeriod"/>
+            </a:pPr>
+            <a:r>
+              <a:rPr lang="en-GB" sz="1200" dirty="0"/>
+              <a:t>Qu is used to query an ad database with four tuples {a1 = (0.3, 0.9), a2 = (0.4, 0.7), a3 = (0.5, 0.8) and a4 = (1.0, 0)}. </a:t>
+            </a:r>
+          </a:p>
+          <a:p>
+            <a:pPr marL="457200" indent="-457200">
+              <a:lnSpc>
+                <a:spcPct val="150000"/>
+              </a:lnSpc>
+              <a:spcBef>
+                <a:spcPts val="0"/>
+              </a:spcBef>
+              <a:buFont typeface="+mj-lt"/>
+              <a:buAutoNum type="arabicPeriod"/>
+            </a:pPr>
+            <a:r>
+              <a:rPr lang="en-GB" sz="1200" dirty="0"/>
+              <a:t>We pre-compute two inverted lists lw1 and lw2 for the topics and get lw1 = {(a4, 1.0), (a3, 0.5), (a2, 0.4), (a1, 0.3)} and lw2 = {(a1, 0.9), (a3, 0.8), (a2, 0.7), (a1, 0.0)}. </a:t>
+            </a:r>
+          </a:p>
+          <a:p>
+            <a:pPr marL="457200" indent="-457200">
+              <a:lnSpc>
+                <a:spcPct val="150000"/>
+              </a:lnSpc>
+              <a:spcBef>
+                <a:spcPts val="0"/>
+              </a:spcBef>
+              <a:buFont typeface="+mj-lt"/>
+              <a:buAutoNum type="arabicPeriod"/>
+            </a:pPr>
+            <a:r>
+              <a:rPr lang="en-GB" sz="1200" dirty="0"/>
+              <a:t>By calling the TA algorithm presented above, a3 will be returned as the most relevant ad if k is set to 1. </a:t>
+            </a:r>
+            <a:endParaRPr lang="en-CH" sz="1200" dirty="0"/>
+          </a:p>
+          <a:p>
+            <a:endParaRPr lang="en-GB" dirty="0"/>
+          </a:p>
+        </p:txBody>
+      </p:sp>
+      <p:sp>
+        <p:nvSpPr>
+          <p:cNvPr id="4" name="Slide Number Placeholder 3"/>
+          <p:cNvSpPr>
+            <a:spLocks noGrp="1"/>
+          </p:cNvSpPr>
+          <p:nvPr>
+            <p:ph type="sldNum" sz="quarter" idx="10"/>
+          </p:nvPr>
+        </p:nvSpPr>
+        <p:spPr/>
+        <p:txBody>
+          <a:bodyPr/>
+          <a:lstStyle/>
+          <a:p>
+            <a:fld id="{82869989-EB00-4EE7-BCB5-25BDC5BB29F8}" type="slidenum">
+              <a:rPr lang="en-US" smtClean="0"/>
+              <a:t>10</a:t>
+            </a:fld>
+            <a:endParaRPr lang="en-US" dirty="0"/>
+          </a:p>
+        </p:txBody>
+      </p:sp>
+    </p:spTree>
+    <p:extLst>
+      <p:ext uri="{BB962C8B-B14F-4D97-AF65-F5344CB8AC3E}">
+        <p14:creationId xmlns:p14="http://schemas.microsoft.com/office/powerpoint/2010/main" val="200244821"/>
+      </p:ext>
+    </p:extLst>
+  </p:cSld>
+  <p:clrMapOvr>
+    <a:masterClrMapping/>
+  </p:clrMapOvr>
+</p:notes>
+</file>
+
+<file path=ppt/notesSlides/notesSlide3.xml><?xml version="1.0" encoding="utf-8"?>
+<p:notes xmlns:a="http://schemas.openxmlformats.org/drawingml/2006/main" xmlns:r="http://schemas.openxmlformats.org/officeDocument/2006/relationships" xmlns:p="http://schemas.openxmlformats.org/presentationml/2006/main">
+  <p:cSld>
+    <p:spTree>
+      <p:nvGrpSpPr>
+        <p:cNvPr id="1" name=""/>
+        <p:cNvGrpSpPr/>
+        <p:nvPr/>
+      </p:nvGrpSpPr>
+      <p:grpSpPr>
+        <a:xfrm>
+          <a:off x="0" y="0"/>
+          <a:ext cx="0" cy="0"/>
+          <a:chOff x="0" y="0"/>
+          <a:chExt cx="0" cy="0"/>
+        </a:xfrm>
+      </p:grpSpPr>
+      <p:sp>
+        <p:nvSpPr>
+          <p:cNvPr id="2" name="Slide Image Placeholder 1"/>
+          <p:cNvSpPr>
+            <a:spLocks noGrp="1" noRot="1" noChangeAspect="1"/>
+          </p:cNvSpPr>
+          <p:nvPr>
+            <p:ph type="sldImg"/>
+          </p:nvPr>
+        </p:nvSpPr>
+        <p:spPr/>
+      </p:sp>
+      <p:sp>
+        <p:nvSpPr>
+          <p:cNvPr id="3" name="Notes Placeholder 2"/>
+          <p:cNvSpPr>
+            <a:spLocks noGrp="1"/>
+          </p:cNvSpPr>
+          <p:nvPr>
+            <p:ph type="body" idx="1"/>
+          </p:nvPr>
+        </p:nvSpPr>
+        <p:spPr/>
+        <p:txBody>
+          <a:bodyPr/>
+          <a:lstStyle/>
+          <a:p>
+            <a:endParaRPr lang="en-GB" dirty="0"/>
+          </a:p>
+        </p:txBody>
+      </p:sp>
+      <p:sp>
+        <p:nvSpPr>
+          <p:cNvPr id="4" name="Slide Number Placeholder 3"/>
+          <p:cNvSpPr>
+            <a:spLocks noGrp="1"/>
+          </p:cNvSpPr>
+          <p:nvPr>
+            <p:ph type="sldNum" sz="quarter" idx="10"/>
+          </p:nvPr>
+        </p:nvSpPr>
+        <p:spPr/>
+        <p:txBody>
+          <a:bodyPr/>
+          <a:lstStyle/>
+          <a:p>
+            <a:fld id="{82869989-EB00-4EE7-BCB5-25BDC5BB29F8}" type="slidenum">
+              <a:rPr lang="en-US" smtClean="0"/>
+              <a:t>13</a:t>
+            </a:fld>
+            <a:endParaRPr lang="en-US" dirty="0"/>
+          </a:p>
+        </p:txBody>
+      </p:sp>
+    </p:spTree>
+    <p:extLst>
+      <p:ext uri="{BB962C8B-B14F-4D97-AF65-F5344CB8AC3E}">
+        <p14:creationId xmlns:p14="http://schemas.microsoft.com/office/powerpoint/2010/main" val="1067495233"/>
       </p:ext>
     </p:extLst>
   </p:cSld>
@@ -10207,13 +10505,7 @@
       </p:grpSpPr>
       <p:sp>
         <p:nvSpPr>
-          <p:cNvPr id="5" name="Title 4">
-            <a:extLst>
-              <a:ext uri="{FF2B5EF4-FFF2-40B4-BE49-F238E27FC236}">
-                <a16:creationId xmlns:a16="http://schemas.microsoft.com/office/drawing/2014/main" id="{0ADBCC7E-3F44-4755-B4FF-ACD076736078}"/>
-              </a:ext>
-            </a:extLst>
-          </p:cNvPr>
+          <p:cNvPr id="2" name="Title 1"/>
           <p:cNvSpPr>
             <a:spLocks noGrp="1"/>
           </p:cNvSpPr>
@@ -10227,10 +10519,10 @@
           <a:lstStyle/>
           <a:p>
             <a:r>
-              <a:rPr lang="de-CH" b="0"/>
-              <a:t>SAFE REGION ALGORITHM</a:t>
-            </a:r>
-            <a:endParaRPr lang="en-CH" dirty="0"/>
+              <a:rPr lang="de-CH" b="0" dirty="0"/>
+              <a:t>3.1 Online retrieval algorithm 3/3</a:t>
+            </a:r>
+            <a:endParaRPr lang="en-US" dirty="0"/>
           </a:p>
         </p:txBody>
       </p:sp>
@@ -10239,7 +10531,7 @@
           <p:cNvPr id="6" name="Content Placeholder 5">
             <a:extLst>
               <a:ext uri="{FF2B5EF4-FFF2-40B4-BE49-F238E27FC236}">
-                <a16:creationId xmlns:a16="http://schemas.microsoft.com/office/drawing/2014/main" id="{C993C44A-D006-4A28-9DFA-4FFCA0F8EDC9}"/>
+                <a16:creationId xmlns:a16="http://schemas.microsoft.com/office/drawing/2014/main" id="{0B50FADC-4257-4D3A-BB1A-6BC0E0D9B12A}"/>
               </a:ext>
             </a:extLst>
           </p:cNvPr>
@@ -10250,121 +10542,138 @@
             <p:ph idx="1"/>
           </p:nvPr>
         </p:nvSpPr>
-        <p:spPr/>
+        <p:spPr>
+          <a:xfrm>
+            <a:off x="1295399" y="1981201"/>
+            <a:ext cx="10288794" cy="3809999"/>
+          </a:xfrm>
+        </p:spPr>
         <p:txBody>
           <a:bodyPr>
-            <a:normAutofit fontScale="85000" lnSpcReduction="20000"/>
+            <a:noAutofit/>
           </a:bodyPr>
           <a:lstStyle/>
           <a:p>
-            <a:pPr>
+            <a:pPr marL="457200" indent="-457200">
               <a:lnSpc>
-                <a:spcPct val="120000"/>
+                <a:spcPct val="150000"/>
               </a:lnSpc>
+              <a:spcBef>
+                <a:spcPts val="0"/>
+              </a:spcBef>
+              <a:buFont typeface="+mj-lt"/>
+              <a:buAutoNum type="arabicPeriod"/>
             </a:pPr>
             <a:r>
-              <a:rPr lang="de-CH"/>
-              <a:t>Read and write operations</a:t>
-            </a:r>
-          </a:p>
-          <a:p>
-            <a:pPr lvl="1">
+              <a:rPr lang="en-GB" sz="1800" dirty="0"/>
+              <a:t>Let the window size m = 3, the weighting parameter α = 0.25 and the number of topics |T| = 2. </a:t>
+            </a:r>
+          </a:p>
+          <a:p>
+            <a:pPr marL="457200" indent="-457200">
               <a:lnSpc>
-                <a:spcPct val="120000"/>
+                <a:spcPct val="150000"/>
               </a:lnSpc>
+              <a:spcBef>
+                <a:spcPts val="0"/>
+              </a:spcBef>
+              <a:buFont typeface="+mj-lt"/>
+              <a:buAutoNum type="arabicPeriod"/>
             </a:pPr>
             <a:r>
-              <a:rPr lang="de-CH"/>
-              <a:t>90% readers, 9%edit, 1%create</a:t>
-            </a:r>
-          </a:p>
-          <a:p>
-            <a:pPr>
+              <a:rPr lang="en-GB" sz="1800" dirty="0"/>
+              <a:t>Given a user u, let Hu = (0.4, 0.6) be the topic distributions of his static interests. </a:t>
+            </a:r>
+          </a:p>
+          <a:p>
+            <a:pPr marL="457200" indent="-457200">
               <a:lnSpc>
-                <a:spcPct val="120000"/>
+                <a:spcPct val="150000"/>
               </a:lnSpc>
+              <a:spcBef>
+                <a:spcPts val="0"/>
+              </a:spcBef>
+              <a:buFont typeface="+mj-lt"/>
+              <a:buAutoNum type="arabicPeriod"/>
             </a:pPr>
             <a:r>
-              <a:rPr lang="en-GB" dirty="0"/>
-              <a:t>Frequently</a:t>
-            </a:r>
-            <a:r>
-              <a:rPr lang="de-CH"/>
-              <a:t> login users</a:t>
-            </a:r>
-          </a:p>
-          <a:p>
-            <a:pPr lvl="1">
+              <a:rPr lang="en-GB" sz="1800" dirty="0"/>
+              <a:t>Topic distributions of the 3 posts in the window are (0.2, 0.8), (0.1, 0.9) and (1.0, 0).</a:t>
+            </a:r>
+          </a:p>
+          <a:p>
+            <a:pPr marL="457200" indent="-457200">
               <a:lnSpc>
-                <a:spcPct val="120000"/>
+                <a:spcPct val="150000"/>
               </a:lnSpc>
+              <a:spcBef>
+                <a:spcPts val="0"/>
+              </a:spcBef>
+              <a:buFont typeface="+mj-lt"/>
+              <a:buAutoNum type="arabicPeriod"/>
             </a:pPr>
             <a:r>
-              <a:rPr lang="de-CH"/>
-              <a:t>Online retrival will not be appropriate, small context variation.</a:t>
-            </a:r>
-          </a:p>
-          <a:p>
-            <a:pPr>
+              <a:rPr lang="en-GB" sz="1800" dirty="0"/>
+              <a:t>When u triggers a read operation, Qu is calculated as Qu = (0.425, 0.575). </a:t>
+            </a:r>
+          </a:p>
+          <a:p>
+            <a:pPr marL="457200" indent="-457200">
               <a:lnSpc>
-                <a:spcPct val="120000"/>
+                <a:spcPct val="150000"/>
               </a:lnSpc>
+              <a:spcBef>
+                <a:spcPts val="0"/>
+              </a:spcBef>
+              <a:buFont typeface="+mj-lt"/>
+              <a:buAutoNum type="arabicPeriod"/>
             </a:pPr>
             <a:r>
-              <a:rPr lang="en-GB" dirty="0"/>
-              <a:t> propose a safe region algorithm that examines whether the top-k ads have changed since the previous user read requests. </a:t>
-            </a:r>
-          </a:p>
-          <a:p>
-            <a:pPr lvl="1">
+              <a:rPr lang="en-GB" sz="1800" dirty="0"/>
+              <a:t>Qu is used to query an ad database with four tuples {a1 = (0.3, 0.9), a2 = (0.4, 0.7), a3 = (0.5, 0.8) and a4 = (1.0, 0)}. </a:t>
+            </a:r>
+          </a:p>
+          <a:p>
+            <a:pPr marL="457200" indent="-457200">
               <a:lnSpc>
-                <a:spcPct val="120000"/>
+                <a:spcPct val="150000"/>
               </a:lnSpc>
+              <a:spcBef>
+                <a:spcPts val="0"/>
+              </a:spcBef>
+              <a:buFont typeface="+mj-lt"/>
+              <a:buAutoNum type="arabicPeriod"/>
             </a:pPr>
             <a:r>
-              <a:rPr lang="en-GB" dirty="0"/>
-              <a:t>This can be done efficiently by maintaining a safe region for each user. As long as the new</a:t>
-            </a:r>
-          </a:p>
-          <a:p>
-            <a:pPr lvl="1">
+              <a:rPr lang="en-GB" sz="1800" dirty="0"/>
+              <a:t>We pre-compute two inverted lists lw1 and lw2 for the topics and get lw1 = {(a4, 1.0), (a3, 0.5), (a2, 0.4), (a1, 0.3)} and lw2 = {(a1, 0.9), (a3, 0.8), (a2, 0.7), (a1, 0.0)}. </a:t>
+            </a:r>
+          </a:p>
+          <a:p>
+            <a:pPr marL="457200" indent="-457200">
               <a:lnSpc>
-                <a:spcPct val="120000"/>
+                <a:spcPct val="150000"/>
               </a:lnSpc>
+              <a:spcBef>
+                <a:spcPts val="0"/>
+              </a:spcBef>
+              <a:buFont typeface="+mj-lt"/>
+              <a:buAutoNum type="arabicPeriod"/>
             </a:pPr>
             <a:r>
-              <a:rPr lang="en-GB" dirty="0"/>
-              <a:t>context-aware query vector triggered by a user read operation is still located in the safe region, the top-k ads can be directly</a:t>
-            </a:r>
-          </a:p>
-          <a:p>
-            <a:pPr lvl="1">
-              <a:lnSpc>
-                <a:spcPct val="120000"/>
-              </a:lnSpc>
-            </a:pPr>
-            <a:r>
-              <a:rPr lang="en-GB" dirty="0"/>
-              <a:t>presented to the user. Otherwise, we re-compute the new top-k results and update the safe region.</a:t>
-            </a:r>
-            <a:endParaRPr lang="de-CH"/>
-          </a:p>
-          <a:p>
-            <a:pPr>
-              <a:lnSpc>
-                <a:spcPct val="120000"/>
-              </a:lnSpc>
-            </a:pPr>
-            <a:endParaRPr lang="en-CH" dirty="0"/>
+              <a:rPr lang="en-GB" sz="1800" dirty="0"/>
+              <a:t>By calling the TA algorithm presented above, a3 will be returned as the most relevant ad if k is set to 1. </a:t>
+            </a:r>
+            <a:endParaRPr lang="en-CH" sz="1800" dirty="0"/>
           </a:p>
         </p:txBody>
       </p:sp>
       <p:sp>
         <p:nvSpPr>
-          <p:cNvPr id="4" name="Footer Placeholder 3">
+          <p:cNvPr id="5" name="Footer Placeholder 4">
             <a:extLst>
               <a:ext uri="{FF2B5EF4-FFF2-40B4-BE49-F238E27FC236}">
-                <a16:creationId xmlns:a16="http://schemas.microsoft.com/office/drawing/2014/main" id="{B4BCA13E-BE33-45FD-AD04-C1BB39B60E00}"/>
+                <a16:creationId xmlns:a16="http://schemas.microsoft.com/office/drawing/2014/main" id="{C2479748-29C0-4D50-87A3-0B7C2077EA7D}"/>
               </a:ext>
             </a:extLst>
           </p:cNvPr>
@@ -10390,10 +10699,10 @@
       </p:sp>
       <p:sp>
         <p:nvSpPr>
-          <p:cNvPr id="2" name="Date Placeholder 1">
+          <p:cNvPr id="3" name="Date Placeholder 2">
             <a:extLst>
               <a:ext uri="{FF2B5EF4-FFF2-40B4-BE49-F238E27FC236}">
-                <a16:creationId xmlns:a16="http://schemas.microsoft.com/office/drawing/2014/main" id="{9BF31A0A-9380-4E4D-AFE9-A9D0A842545F}"/>
+                <a16:creationId xmlns:a16="http://schemas.microsoft.com/office/drawing/2014/main" id="{5547C414-8CCC-4DF7-962A-F24EE5D03687}"/>
               </a:ext>
             </a:extLst>
           </p:cNvPr>
@@ -10419,10 +10728,10 @@
       </p:sp>
       <p:sp>
         <p:nvSpPr>
-          <p:cNvPr id="3" name="Slide Number Placeholder 2">
+          <p:cNvPr id="4" name="Slide Number Placeholder 3">
             <a:extLst>
               <a:ext uri="{FF2B5EF4-FFF2-40B4-BE49-F238E27FC236}">
-                <a16:creationId xmlns:a16="http://schemas.microsoft.com/office/drawing/2014/main" id="{CA997915-B393-4D5C-892D-F2CC559551C3}"/>
+                <a16:creationId xmlns:a16="http://schemas.microsoft.com/office/drawing/2014/main" id="{92322ACC-1E38-4B58-905B-790D57E1CD7A}"/>
               </a:ext>
             </a:extLst>
           </p:cNvPr>
@@ -10440,7 +10749,6 @@
           <a:p>
             <a:fld id="{E31375A4-56A4-47D6-9801-1991572033F7}" type="slidenum">
               <a:rPr lang="en-US" smtClean="0"/>
-              <a:pPr/>
               <a:t>10</a:t>
             </a:fld>
             <a:endParaRPr lang="en-US" dirty="0"/>
@@ -10450,7 +10758,7 @@
     </p:spTree>
     <p:extLst>
       <p:ext uri="{BB962C8B-B14F-4D97-AF65-F5344CB8AC3E}">
-        <p14:creationId xmlns:p14="http://schemas.microsoft.com/office/powerpoint/2010/main" val="1544302913"/>
+        <p14:creationId xmlns:p14="http://schemas.microsoft.com/office/powerpoint/2010/main" val="452733939"/>
       </p:ext>
     </p:extLst>
   </p:cSld>
@@ -10491,7 +10799,13 @@
       </p:grpSpPr>
       <p:sp>
         <p:nvSpPr>
-          <p:cNvPr id="2" name="Title 1"/>
+          <p:cNvPr id="5" name="Title 4">
+            <a:extLst>
+              <a:ext uri="{FF2B5EF4-FFF2-40B4-BE49-F238E27FC236}">
+                <a16:creationId xmlns:a16="http://schemas.microsoft.com/office/drawing/2014/main" id="{0ADBCC7E-3F44-4755-B4FF-ACD076736078}"/>
+              </a:ext>
+            </a:extLst>
+          </p:cNvPr>
           <p:cNvSpPr>
             <a:spLocks noGrp="1"/>
           </p:cNvSpPr>
@@ -10501,27 +10815,25 @@
         </p:nvSpPr>
         <p:spPr/>
         <p:txBody>
-          <a:bodyPr/>
+          <a:bodyPr>
+            <a:normAutofit/>
+          </a:bodyPr>
           <a:lstStyle/>
           <a:p>
             <a:r>
-              <a:rPr lang="de-CH" b="0" i="1"/>
-              <a:t>Safe Region </a:t>
-            </a:r>
-            <a:r>
-              <a:rPr lang="en-GB" b="0" i="1" dirty="0"/>
-              <a:t>Construction</a:t>
-            </a:r>
-            <a:endParaRPr lang="en-GB" dirty="0"/>
+              <a:rPr lang="de-CH" sz="2800" b="0" dirty="0"/>
+              <a:t>3.2 Safe region algorithm 1/3</a:t>
+            </a:r>
+            <a:endParaRPr lang="en-CH" sz="2800" dirty="0"/>
           </a:p>
         </p:txBody>
       </p:sp>
       <p:sp>
         <p:nvSpPr>
-          <p:cNvPr id="10" name="Content Placeholder 9">
+          <p:cNvPr id="6" name="Content Placeholder 5">
             <a:extLst>
               <a:ext uri="{FF2B5EF4-FFF2-40B4-BE49-F238E27FC236}">
-                <a16:creationId xmlns:a16="http://schemas.microsoft.com/office/drawing/2014/main" id="{B7BA4E20-7269-4349-8DE9-C9CF7B96214A}"/>
+                <a16:creationId xmlns:a16="http://schemas.microsoft.com/office/drawing/2014/main" id="{C993C44A-D006-4A28-9DFA-4FFCA0F8EDC9}"/>
               </a:ext>
             </a:extLst>
           </p:cNvPr>
@@ -10534,74 +10846,132 @@
         </p:nvSpPr>
         <p:spPr/>
         <p:txBody>
-          <a:bodyPr/>
+          <a:bodyPr>
+            <a:noAutofit/>
+          </a:bodyPr>
           <a:lstStyle/>
           <a:p>
-            <a:endParaRPr lang="en-GB" dirty="0"/>
+            <a:pPr>
+              <a:lnSpc>
+                <a:spcPct val="150000"/>
+              </a:lnSpc>
+              <a:spcBef>
+                <a:spcPts val="0"/>
+              </a:spcBef>
+            </a:pPr>
+            <a:r>
+              <a:rPr lang="de-CH" dirty="0"/>
+              <a:t>Read and write operations</a:t>
+            </a:r>
+          </a:p>
+          <a:p>
+            <a:pPr lvl="1">
+              <a:lnSpc>
+                <a:spcPct val="150000"/>
+              </a:lnSpc>
+              <a:spcBef>
+                <a:spcPts val="0"/>
+              </a:spcBef>
+            </a:pPr>
+            <a:r>
+              <a:rPr lang="de-CH" sz="2000" dirty="0"/>
+              <a:t>90% readers, 9% editors, 1% creators</a:t>
+            </a:r>
+          </a:p>
+          <a:p>
+            <a:pPr>
+              <a:lnSpc>
+                <a:spcPct val="150000"/>
+              </a:lnSpc>
+              <a:spcBef>
+                <a:spcPts val="0"/>
+              </a:spcBef>
+            </a:pPr>
+            <a:r>
+              <a:rPr lang="en-GB" dirty="0"/>
+              <a:t>Frequently</a:t>
+            </a:r>
+            <a:r>
+              <a:rPr lang="de-CH" dirty="0"/>
+              <a:t> login users</a:t>
+            </a:r>
+          </a:p>
+          <a:p>
+            <a:pPr lvl="1">
+              <a:lnSpc>
+                <a:spcPct val="150000"/>
+              </a:lnSpc>
+              <a:spcBef>
+                <a:spcPts val="0"/>
+              </a:spcBef>
+            </a:pPr>
+            <a:r>
+              <a:rPr lang="de-CH" sz="2000" dirty="0"/>
+              <a:t>Online retrival will not be appropriate, small context variation</a:t>
+            </a:r>
+          </a:p>
+          <a:p>
+            <a:pPr>
+              <a:lnSpc>
+                <a:spcPct val="150000"/>
+              </a:lnSpc>
+              <a:spcBef>
+                <a:spcPts val="0"/>
+              </a:spcBef>
+            </a:pPr>
+            <a:r>
+              <a:rPr lang="en-GB" dirty="0"/>
+              <a:t>Safe region algorithm that examines whether the top-k ads have changed since the previous user read requests by maintaining a safe region for each user</a:t>
+            </a:r>
+          </a:p>
+          <a:p>
+            <a:pPr lvl="1">
+              <a:lnSpc>
+                <a:spcPct val="150000"/>
+              </a:lnSpc>
+              <a:spcBef>
+                <a:spcPts val="0"/>
+              </a:spcBef>
+            </a:pPr>
+            <a:r>
+              <a:rPr lang="en-GB" dirty="0"/>
+              <a:t>still located in the safe region, the top-k ads can be directly presented to the user</a:t>
+            </a:r>
+          </a:p>
+          <a:p>
+            <a:pPr lvl="1">
+              <a:lnSpc>
+                <a:spcPct val="150000"/>
+              </a:lnSpc>
+              <a:spcBef>
+                <a:spcPts val="0"/>
+              </a:spcBef>
+            </a:pPr>
+            <a:r>
+              <a:rPr lang="en-GB" dirty="0"/>
+              <a:t>otherwise, we re-compute the new top-k results and update the safe region.</a:t>
+            </a:r>
+            <a:endParaRPr lang="de-CH" dirty="0"/>
+          </a:p>
+          <a:p>
+            <a:pPr>
+              <a:lnSpc>
+                <a:spcPct val="150000"/>
+              </a:lnSpc>
+              <a:spcBef>
+                <a:spcPts val="0"/>
+              </a:spcBef>
+            </a:pPr>
+            <a:endParaRPr lang="en-CH" dirty="0"/>
           </a:p>
         </p:txBody>
       </p:sp>
       <p:sp>
         <p:nvSpPr>
-          <p:cNvPr id="8" name="Content Placeholder 7">
+          <p:cNvPr id="4" name="Footer Placeholder 3">
             <a:extLst>
               <a:ext uri="{FF2B5EF4-FFF2-40B4-BE49-F238E27FC236}">
-                <a16:creationId xmlns:a16="http://schemas.microsoft.com/office/drawing/2014/main" id="{0B4C45BF-2036-4EE5-8C97-1FE464027A8B}"/>
-              </a:ext>
-            </a:extLst>
-          </p:cNvPr>
-          <p:cNvSpPr>
-            <a:spLocks noGrp="1"/>
-          </p:cNvSpPr>
-          <p:nvPr>
-            <p:ph type="body" sz="half" idx="2"/>
-          </p:nvPr>
-        </p:nvSpPr>
-        <p:spPr/>
-        <p:txBody>
-          <a:bodyPr/>
-          <a:lstStyle/>
-          <a:p>
-            <a:r>
-              <a:rPr lang="de-CH" dirty="0"/>
-              <a:t>Global immutable region vs greddy safe regoin</a:t>
-            </a:r>
-          </a:p>
-          <a:p>
-            <a:pPr lvl="1"/>
-            <a:r>
-              <a:rPr lang="en-GB" dirty="0">
-                <a:solidFill>
-                  <a:schemeClr val="bg1"/>
-                </a:solidFill>
-              </a:rPr>
-              <a:t>Computationally</a:t>
-            </a:r>
-            <a:r>
-              <a:rPr lang="de-CH" dirty="0">
-                <a:solidFill>
-                  <a:schemeClr val="bg1"/>
-                </a:solidFill>
-              </a:rPr>
-              <a:t> expensive, real time requirments</a:t>
-            </a:r>
-            <a:r>
-              <a:rPr lang="de-CH" dirty="0"/>
-              <a:t>.</a:t>
-            </a:r>
-          </a:p>
-          <a:p>
-            <a:pPr lvl="1"/>
-            <a:endParaRPr lang="de-CH" dirty="0"/>
-          </a:p>
-        </p:txBody>
-      </p:sp>
-      <p:sp>
-        <p:nvSpPr>
-          <p:cNvPr id="7" name="Footer Placeholder 6">
-            <a:extLst>
-              <a:ext uri="{FF2B5EF4-FFF2-40B4-BE49-F238E27FC236}">
-                <a16:creationId xmlns:a16="http://schemas.microsoft.com/office/drawing/2014/main" id="{2C07E372-698D-4439-B7B8-8B34CE081CE4}"/>
+                <a16:creationId xmlns:a16="http://schemas.microsoft.com/office/drawing/2014/main" id="{B4BCA13E-BE33-45FD-AD04-C1BB39B60E00}"/>
               </a:ext>
             </a:extLst>
           </p:cNvPr>
@@ -10627,10 +10997,10 @@
       </p:sp>
       <p:sp>
         <p:nvSpPr>
-          <p:cNvPr id="3" name="Date Placeholder 2">
+          <p:cNvPr id="2" name="Date Placeholder 1">
             <a:extLst>
               <a:ext uri="{FF2B5EF4-FFF2-40B4-BE49-F238E27FC236}">
-                <a16:creationId xmlns:a16="http://schemas.microsoft.com/office/drawing/2014/main" id="{20A40581-55A6-4DEC-9EC9-584341AD1221}"/>
+                <a16:creationId xmlns:a16="http://schemas.microsoft.com/office/drawing/2014/main" id="{9BF31A0A-9380-4E4D-AFE9-A9D0A842545F}"/>
               </a:ext>
             </a:extLst>
           </p:cNvPr>
@@ -10656,10 +11026,10 @@
       </p:sp>
       <p:sp>
         <p:nvSpPr>
-          <p:cNvPr id="4" name="Slide Number Placeholder 3">
+          <p:cNvPr id="3" name="Slide Number Placeholder 2">
             <a:extLst>
               <a:ext uri="{FF2B5EF4-FFF2-40B4-BE49-F238E27FC236}">
-                <a16:creationId xmlns:a16="http://schemas.microsoft.com/office/drawing/2014/main" id="{08E40308-9977-415C-9303-5117BFCA03DB}"/>
+                <a16:creationId xmlns:a16="http://schemas.microsoft.com/office/drawing/2014/main" id="{CA997915-B393-4D5C-892D-F2CC559551C3}"/>
               </a:ext>
             </a:extLst>
           </p:cNvPr>
@@ -10684,40 +11054,10 @@
           </a:p>
         </p:txBody>
       </p:sp>
-      <p:pic>
-        <p:nvPicPr>
-          <p:cNvPr id="6" name="Picture 5" descr="A screenshot of a cell phone screen with text&#10;&#10;Description generated with very high confidence">
-            <a:extLst>
-              <a:ext uri="{FF2B5EF4-FFF2-40B4-BE49-F238E27FC236}">
-                <a16:creationId xmlns:a16="http://schemas.microsoft.com/office/drawing/2014/main" id="{78D68237-EE19-4119-A0CC-4A9C7EE32A0A}"/>
-              </a:ext>
-            </a:extLst>
-          </p:cNvPr>
-          <p:cNvPicPr>
-            <a:picLocks noChangeAspect="1"/>
-          </p:cNvPicPr>
-          <p:nvPr/>
-        </p:nvPicPr>
-        <p:blipFill>
-          <a:blip r:embed="rId2"/>
-          <a:stretch>
-            <a:fillRect/>
-          </a:stretch>
-        </p:blipFill>
-        <p:spPr>
-          <a:xfrm>
-            <a:off x="1010094" y="1169581"/>
-            <a:ext cx="5337544" cy="4883555"/>
-          </a:xfrm>
-          <a:prstGeom prst="rect">
-            <a:avLst/>
-          </a:prstGeom>
-        </p:spPr>
-      </p:pic>
     </p:spTree>
     <p:extLst>
       <p:ext uri="{BB962C8B-B14F-4D97-AF65-F5344CB8AC3E}">
-        <p14:creationId xmlns:p14="http://schemas.microsoft.com/office/powerpoint/2010/main" val="4101607575"/>
+        <p14:creationId xmlns:p14="http://schemas.microsoft.com/office/powerpoint/2010/main" val="1544302913"/>
       </p:ext>
     </p:extLst>
   </p:cSld>
@@ -10758,7 +11098,7 @@
       </p:grpSpPr>
       <p:sp>
         <p:nvSpPr>
-          <p:cNvPr id="3" name="Title 2"/>
+          <p:cNvPr id="2" name="Title 1"/>
           <p:cNvSpPr>
             <a:spLocks noGrp="1"/>
           </p:cNvSpPr>
@@ -10768,22 +11108,205 @@
         </p:nvSpPr>
         <p:spPr/>
         <p:txBody>
-          <a:bodyPr/>
+          <a:bodyPr>
+            <a:normAutofit/>
+          </a:bodyPr>
           <a:lstStyle/>
           <a:p>
             <a:r>
-              <a:rPr lang="en-US" dirty="0"/>
-              <a:t>Optimization</a:t>
-            </a:r>
+              <a:rPr lang="de-CH" sz="2800" b="0" dirty="0"/>
+              <a:t>Safe region algorithm: Construction</a:t>
+            </a:r>
+            <a:r>
+              <a:rPr lang="en-GB" sz="2800" b="0" dirty="0"/>
+              <a:t> 2/3</a:t>
+            </a:r>
+            <a:endParaRPr lang="en-GB" sz="2800" dirty="0"/>
           </a:p>
         </p:txBody>
       </p:sp>
+      <mc:AlternateContent xmlns:mc="http://schemas.openxmlformats.org/markup-compatibility/2006">
+        <mc:Choice xmlns:a14="http://schemas.microsoft.com/office/drawing/2010/main" Requires="a14">
+          <p:sp>
+            <p:nvSpPr>
+              <p:cNvPr id="10" name="Content Placeholder 9">
+                <a:extLst>
+                  <a:ext uri="{FF2B5EF4-FFF2-40B4-BE49-F238E27FC236}">
+                    <a16:creationId xmlns:a16="http://schemas.microsoft.com/office/drawing/2014/main" id="{B7BA4E20-7269-4349-8DE9-C9CF7B96214A}"/>
+                  </a:ext>
+                </a:extLst>
+              </p:cNvPr>
+              <p:cNvSpPr>
+                <a:spLocks noGrp="1"/>
+              </p:cNvSpPr>
+              <p:nvPr>
+                <p:ph idx="1"/>
+              </p:nvPr>
+            </p:nvSpPr>
+            <p:spPr/>
+            <p:txBody>
+              <a:bodyPr>
+                <a:normAutofit/>
+              </a:bodyPr>
+              <a:lstStyle/>
+              <a:p>
+                <a:pPr marL="0" indent="0">
+                  <a:buNone/>
+                </a:pPr>
+                <a:r>
+                  <a:rPr lang="en-GB" sz="2400" dirty="0"/>
+                  <a:t>Summary of the GSR algorithm</a:t>
+                </a:r>
+              </a:p>
+              <a:p>
+                <a:r>
+                  <a:rPr lang="en-GB" sz="1600" dirty="0"/>
+                  <a:t>After calculate the top-k using online algorithm, we store it in R.</a:t>
+                </a:r>
+              </a:p>
+              <a:p>
+                <a:r>
+                  <a:rPr lang="en-GB" sz="1600" dirty="0"/>
+                  <a:t>Pick up the most promising topics/dimensions.</a:t>
+                </a:r>
+              </a:p>
+              <a:p>
+                <a:r>
+                  <a:rPr lang="en-GB" sz="1600" dirty="0"/>
+                  <a:t>For each dimension we calculate the distance between the query vector and the safe region boundaries.</a:t>
+                </a:r>
+              </a:p>
+              <a:p>
+                <a:r>
+                  <a:rPr lang="en-GB" sz="1600" dirty="0"/>
+                  <a:t>select the dimension with the minimum distance to expand the safe region.</a:t>
+                </a:r>
+              </a:p>
+              <a:p>
+                <a:r>
+                  <a:rPr lang="en-GB" sz="1600" dirty="0"/>
+                  <a:t>For the selected dimension we check whether it is safe to expand to expand upwards and downwards by an expansion unit </a:t>
+                </a:r>
+                <a14:m>
+                  <m:oMath xmlns:m="http://schemas.openxmlformats.org/officeDocument/2006/math">
+                    <m:f>
+                      <m:fPr>
+                        <m:ctrlPr>
+                          <a:rPr lang="en-GB" sz="1600" i="1" smtClean="0">
+                            <a:latin typeface="Cambria Math" panose="02040503050406030204" pitchFamily="18" charset="0"/>
+                          </a:rPr>
+                        </m:ctrlPr>
+                      </m:fPr>
+                      <m:num>
+                        <m:r>
+                          <a:rPr lang="de-CH" sz="1600" b="0" i="1" smtClean="0">
+                            <a:latin typeface="Cambria Math" panose="02040503050406030204" pitchFamily="18" charset="0"/>
+                          </a:rPr>
+                          <m:t>1</m:t>
+                        </m:r>
+                        <m:r>
+                          <a:rPr lang="de-CH" sz="1600" b="0" i="1" smtClean="0">
+                            <a:latin typeface="Cambria Math" panose="02040503050406030204" pitchFamily="18" charset="0"/>
+                          </a:rPr>
+                          <m:t>−∝</m:t>
+                        </m:r>
+                      </m:num>
+                      <m:den>
+                        <m:r>
+                          <a:rPr lang="de-CH" sz="1600" b="0" i="1" smtClean="0">
+                            <a:latin typeface="Cambria Math" panose="02040503050406030204" pitchFamily="18" charset="0"/>
+                          </a:rPr>
+                          <m:t>𝑚</m:t>
+                        </m:r>
+                      </m:den>
+                    </m:f>
+                  </m:oMath>
+                </a14:m>
+                <a:r>
+                  <a:rPr lang="en-GB" sz="1600" dirty="0"/>
+                  <a:t> (the maximum possible change for Q</a:t>
+                </a:r>
+                <a:r>
+                  <a:rPr lang="en-GB" sz="1600" baseline="-25000" dirty="0"/>
+                  <a:t>u</a:t>
+                </a:r>
+                <a:r>
+                  <a:rPr lang="en-GB" sz="1600" dirty="0"/>
+                  <a:t>(w)).</a:t>
+                </a:r>
+              </a:p>
+              <a:p>
+                <a:r>
+                  <a:rPr lang="en-GB" sz="1600" dirty="0"/>
+                  <a:t>If its minimum relevance to the current top-k ads, denoted by Sl, is still larger than the maximum relevance to those not in R, denoted by Su. Then the expansion is safe.</a:t>
+                </a:r>
+              </a:p>
+              <a:p>
+                <a:r>
+                  <a:rPr lang="en-GB" sz="1600" dirty="0"/>
+                  <a:t>algorithm terminates and returns the safe region expanded in partial dimensions</a:t>
+                </a:r>
+                <a:r>
+                  <a:rPr lang="en-GB" dirty="0"/>
+                  <a:t>.</a:t>
+                </a:r>
+                <a:endParaRPr lang="en-GB" sz="1600" dirty="0"/>
+              </a:p>
+              <a:p>
+                <a:endParaRPr lang="en-GB" sz="1600" dirty="0"/>
+              </a:p>
+              <a:p>
+                <a:endParaRPr lang="en-GB" sz="1600" dirty="0"/>
+              </a:p>
+            </p:txBody>
+          </p:sp>
+        </mc:Choice>
+        <mc:Fallback>
+          <p:sp>
+            <p:nvSpPr>
+              <p:cNvPr id="10" name="Content Placeholder 9">
+                <a:extLst>
+                  <a:ext uri="{FF2B5EF4-FFF2-40B4-BE49-F238E27FC236}">
+                    <a16:creationId xmlns:a16="http://schemas.microsoft.com/office/drawing/2014/main" id="{B7BA4E20-7269-4349-8DE9-C9CF7B96214A}"/>
+                  </a:ext>
+                </a:extLst>
+              </p:cNvPr>
+              <p:cNvSpPr>
+                <a:spLocks noGrp="1" noRot="1" noChangeAspect="1" noMove="1" noResize="1" noEditPoints="1" noAdjustHandles="1" noChangeArrowheads="1" noChangeShapeType="1" noTextEdit="1"/>
+              </p:cNvSpPr>
+              <p:nvPr>
+                <p:ph idx="1"/>
+              </p:nvPr>
+            </p:nvSpPr>
+            <p:spPr>
+              <a:blipFill>
+                <a:blip r:embed="rId2"/>
+                <a:stretch>
+                  <a:fillRect l="-1471" t="-1387" r="-784"/>
+                </a:stretch>
+              </a:blipFill>
+            </p:spPr>
+            <p:txBody>
+              <a:bodyPr/>
+              <a:lstStyle/>
+              <a:p>
+                <a:r>
+                  <a:rPr lang="en-GB">
+                    <a:noFill/>
+                  </a:rPr>
+                  <a:t> </a:t>
+                </a:r>
+              </a:p>
+            </p:txBody>
+          </p:sp>
+        </mc:Fallback>
+      </mc:AlternateContent>
       <p:sp>
         <p:nvSpPr>
-          <p:cNvPr id="2" name="Content Placeholder 1">
+          <p:cNvPr id="8" name="Content Placeholder 7">
             <a:extLst>
               <a:ext uri="{FF2B5EF4-FFF2-40B4-BE49-F238E27FC236}">
-                <a16:creationId xmlns:a16="http://schemas.microsoft.com/office/drawing/2014/main" id="{B6D37DA5-591E-49EF-A9EF-F29570BBBDB2}"/>
+                <a16:creationId xmlns:a16="http://schemas.microsoft.com/office/drawing/2014/main" id="{0B4C45BF-2036-4EE5-8C97-1FE464027A8B}"/>
               </a:ext>
             </a:extLst>
           </p:cNvPr>
@@ -10791,95 +11314,140 @@
             <a:spLocks noGrp="1"/>
           </p:cNvSpPr>
           <p:nvPr>
-            <p:ph idx="1"/>
+            <p:ph type="body" sz="half" idx="2"/>
           </p:nvPr>
         </p:nvSpPr>
         <p:spPr/>
         <p:txBody>
-          <a:bodyPr>
-            <a:normAutofit fontScale="62500" lnSpcReduction="20000"/>
-          </a:bodyPr>
+          <a:bodyPr/>
           <a:lstStyle/>
           <a:p>
-            <a:pPr>
-              <a:lnSpc>
-                <a:spcPct val="160000"/>
-              </a:lnSpc>
-            </a:pPr>
+            <a:r>
+              <a:rPr lang="de-CH" dirty="0"/>
+              <a:t>Global immutable region vs greddy safe regoin</a:t>
+            </a:r>
+          </a:p>
+          <a:p>
+            <a:pPr lvl="1"/>
+            <a:r>
+              <a:rPr lang="en-GB" dirty="0">
+                <a:solidFill>
+                  <a:schemeClr val="bg1"/>
+                </a:solidFill>
+              </a:rPr>
+              <a:t>Computationally</a:t>
+            </a:r>
+            <a:r>
+              <a:rPr lang="de-CH" dirty="0">
+                <a:solidFill>
+                  <a:schemeClr val="bg1"/>
+                </a:solidFill>
+              </a:rPr>
+              <a:t> expensive, real time requirments</a:t>
+            </a:r>
+            <a:r>
+              <a:rPr lang="de-CH" dirty="0"/>
+              <a:t>.</a:t>
+            </a:r>
+          </a:p>
+          <a:p>
+            <a:pPr lvl="1"/>
+            <a:endParaRPr lang="de-CH" dirty="0"/>
+          </a:p>
+        </p:txBody>
+      </p:sp>
+      <p:sp>
+        <p:nvSpPr>
+          <p:cNvPr id="7" name="Footer Placeholder 6">
+            <a:extLst>
+              <a:ext uri="{FF2B5EF4-FFF2-40B4-BE49-F238E27FC236}">
+                <a16:creationId xmlns:a16="http://schemas.microsoft.com/office/drawing/2014/main" id="{2C07E372-698D-4439-B7B8-8B34CE081CE4}"/>
+              </a:ext>
+            </a:extLst>
+          </p:cNvPr>
+          <p:cNvSpPr>
+            <a:spLocks noGrp="1"/>
+          </p:cNvSpPr>
+          <p:nvPr>
+            <p:ph type="ftr" sz="quarter" idx="11"/>
+          </p:nvPr>
+        </p:nvSpPr>
+        <p:spPr/>
+        <p:txBody>
+          <a:bodyPr/>
+          <a:lstStyle/>
+          <a:p>
             <a:r>
               <a:rPr lang="en-GB" dirty="0"/>
-              <a:t>When the dynamic query vector Qu deviates out of the safe region of user u, we need to adopt the </a:t>
-            </a:r>
-            <a:r>
-              <a:rPr lang="en-GB" i="1" dirty="0"/>
-              <a:t>online retrieval </a:t>
-            </a:r>
-            <a:r>
-              <a:rPr lang="en-GB" dirty="0"/>
-              <a:t>to obtain top-k ads on the fly and construct a new safe region in the</a:t>
-            </a:r>
-          </a:p>
-          <a:p>
-            <a:pPr>
-              <a:lnSpc>
-                <a:spcPct val="160000"/>
-              </a:lnSpc>
-            </a:pPr>
-            <a:r>
-              <a:rPr lang="en-GB" dirty="0"/>
-              <a:t>meanwhile. Such computations are rather expensive. Thus for our second optimization, we propose a new idea to “salvage”</a:t>
-            </a:r>
-          </a:p>
-          <a:p>
-            <a:pPr>
-              <a:lnSpc>
-                <a:spcPct val="160000"/>
-              </a:lnSpc>
-            </a:pPr>
-            <a:r>
-              <a:rPr lang="en-GB" dirty="0"/>
-              <a:t>the maintained safe regions as well as the associated top-k ads from other users. This is because all the query vectors in</a:t>
-            </a:r>
-          </a:p>
-          <a:p>
-            <a:pPr>
-              <a:lnSpc>
-                <a:spcPct val="160000"/>
-              </a:lnSpc>
-            </a:pPr>
-            <a:r>
-              <a:rPr lang="en-GB" dirty="0"/>
-              <a:t>a safe region share the same top-k ads. When Qu moves out of the safe region, we can search all the safe regions of other</a:t>
-            </a:r>
-          </a:p>
-          <a:p>
-            <a:pPr>
-              <a:lnSpc>
-                <a:spcPct val="160000"/>
-              </a:lnSpc>
-            </a:pPr>
-            <a:r>
-              <a:rPr lang="en-GB" dirty="0"/>
-              <a:t>users. If we can find a safe region from user v that contains the new query vector Qu of user u, its top-k ads are exactly</a:t>
-            </a:r>
-          </a:p>
-          <a:p>
-            <a:pPr>
-              <a:lnSpc>
-                <a:spcPct val="160000"/>
-              </a:lnSpc>
-            </a:pPr>
-            <a:r>
-              <a:rPr lang="en-GB" dirty="0"/>
-              <a:t>the same as user u. Moreover, we can assign the safe region of v directly to user u. In this way, the cost of online retrieval and safe region computation can be saved.</a:t>
-            </a:r>
+              <a:t>Context-aware advertisement recommendation for high-speed social news feeding</a:t>
+            </a:r>
+            <a:endParaRPr lang="en-US" dirty="0"/>
+          </a:p>
+        </p:txBody>
+      </p:sp>
+      <p:sp>
+        <p:nvSpPr>
+          <p:cNvPr id="3" name="Date Placeholder 2">
+            <a:extLst>
+              <a:ext uri="{FF2B5EF4-FFF2-40B4-BE49-F238E27FC236}">
+                <a16:creationId xmlns:a16="http://schemas.microsoft.com/office/drawing/2014/main" id="{20A40581-55A6-4DEC-9EC9-584341AD1221}"/>
+              </a:ext>
+            </a:extLst>
+          </p:cNvPr>
+          <p:cNvSpPr>
+            <a:spLocks noGrp="1"/>
+          </p:cNvSpPr>
+          <p:nvPr>
+            <p:ph type="dt" sz="half" idx="10"/>
+          </p:nvPr>
+        </p:nvSpPr>
+        <p:spPr/>
+        <p:txBody>
+          <a:bodyPr/>
+          <a:lstStyle/>
+          <a:p>
+            <a:r>
+              <a:rPr lang="en-CH" dirty="0"/>
+              <a:t>13/12/2017</a:t>
+            </a:r>
+            <a:endParaRPr lang="en-US" dirty="0"/>
+          </a:p>
+        </p:txBody>
+      </p:sp>
+      <p:sp>
+        <p:nvSpPr>
+          <p:cNvPr id="4" name="Slide Number Placeholder 3">
+            <a:extLst>
+              <a:ext uri="{FF2B5EF4-FFF2-40B4-BE49-F238E27FC236}">
+                <a16:creationId xmlns:a16="http://schemas.microsoft.com/office/drawing/2014/main" id="{08E40308-9977-415C-9303-5117BFCA03DB}"/>
+              </a:ext>
+            </a:extLst>
+          </p:cNvPr>
+          <p:cNvSpPr>
+            <a:spLocks noGrp="1"/>
+          </p:cNvSpPr>
+          <p:nvPr>
+            <p:ph type="sldNum" sz="quarter" idx="12"/>
+          </p:nvPr>
+        </p:nvSpPr>
+        <p:spPr/>
+        <p:txBody>
+          <a:bodyPr/>
+          <a:lstStyle/>
+          <a:p>
+            <a:fld id="{E31375A4-56A4-47D6-9801-1991572033F7}" type="slidenum">
+              <a:rPr lang="en-US" smtClean="0"/>
+              <a:pPr/>
+              <a:t>12</a:t>
+            </a:fld>
+            <a:endParaRPr lang="en-US" dirty="0"/>
           </a:p>
         </p:txBody>
       </p:sp>
     </p:spTree>
     <p:extLst>
       <p:ext uri="{BB962C8B-B14F-4D97-AF65-F5344CB8AC3E}">
-        <p14:creationId xmlns:p14="http://schemas.microsoft.com/office/powerpoint/2010/main" val="2794409471"/>
+        <p14:creationId xmlns:p14="http://schemas.microsoft.com/office/powerpoint/2010/main" val="4101607575"/>
       </p:ext>
     </p:extLst>
   </p:cSld>
@@ -10920,6 +11488,162 @@
       </p:grpSpPr>
       <p:sp>
         <p:nvSpPr>
+          <p:cNvPr id="3" name="Title 2"/>
+          <p:cNvSpPr>
+            <a:spLocks noGrp="1"/>
+          </p:cNvSpPr>
+          <p:nvPr>
+            <p:ph type="title"/>
+          </p:nvPr>
+        </p:nvSpPr>
+        <p:spPr/>
+        <p:txBody>
+          <a:bodyPr>
+            <a:normAutofit/>
+          </a:bodyPr>
+          <a:lstStyle/>
+          <a:p>
+            <a:r>
+              <a:rPr lang="en-US" sz="2800" b="0" dirty="0"/>
+              <a:t>Safe region algorithm: Optimization 3/3</a:t>
+            </a:r>
+          </a:p>
+        </p:txBody>
+      </p:sp>
+      <p:sp>
+        <p:nvSpPr>
+          <p:cNvPr id="2" name="Content Placeholder 1">
+            <a:extLst>
+              <a:ext uri="{FF2B5EF4-FFF2-40B4-BE49-F238E27FC236}">
+                <a16:creationId xmlns:a16="http://schemas.microsoft.com/office/drawing/2014/main" id="{B6D37DA5-591E-49EF-A9EF-F29570BBBDB2}"/>
+              </a:ext>
+            </a:extLst>
+          </p:cNvPr>
+          <p:cNvSpPr>
+            <a:spLocks noGrp="1"/>
+          </p:cNvSpPr>
+          <p:nvPr>
+            <p:ph idx="1"/>
+          </p:nvPr>
+        </p:nvSpPr>
+        <p:spPr/>
+        <p:txBody>
+          <a:bodyPr>
+            <a:noAutofit/>
+          </a:bodyPr>
+          <a:lstStyle/>
+          <a:p>
+            <a:pPr>
+              <a:lnSpc>
+                <a:spcPct val="150000"/>
+              </a:lnSpc>
+              <a:spcBef>
+                <a:spcPts val="0"/>
+              </a:spcBef>
+            </a:pPr>
+            <a:r>
+              <a:rPr lang="en-GB" dirty="0"/>
+              <a:t>When the dynamic query vector Qu deviates out of the safe region of user u.</a:t>
+            </a:r>
+          </a:p>
+          <a:p>
+            <a:pPr lvl="1">
+              <a:lnSpc>
+                <a:spcPct val="150000"/>
+              </a:lnSpc>
+              <a:spcBef>
+                <a:spcPts val="0"/>
+              </a:spcBef>
+            </a:pPr>
+            <a:r>
+              <a:rPr lang="en-GB" sz="2000" dirty="0"/>
+              <a:t>adopt the </a:t>
+            </a:r>
+            <a:r>
+              <a:rPr lang="en-GB" sz="2000" i="1" dirty="0"/>
+              <a:t>online retrieval </a:t>
+            </a:r>
+            <a:r>
+              <a:rPr lang="en-GB" sz="2000" dirty="0"/>
+              <a:t>to obtain top-k ads on the fly and construct a new safe region in the meanwhile, expensive </a:t>
+            </a:r>
+          </a:p>
+          <a:p>
+            <a:pPr>
+              <a:lnSpc>
+                <a:spcPct val="150000"/>
+              </a:lnSpc>
+              <a:spcBef>
+                <a:spcPts val="0"/>
+              </a:spcBef>
+              <a:buFont typeface="Wingdings" panose="05000000000000000000" pitchFamily="2" charset="2"/>
+              <a:buChar char="§"/>
+            </a:pPr>
+            <a:r>
+              <a:rPr lang="en-GB" dirty="0"/>
+              <a:t>When Qu moves out of the safe region, we can search all the safe regions of other users. If we can find a safe region from user v that contains the new query vector Qu of user u, its top-k ads are exactly the same as user u.</a:t>
+            </a:r>
+          </a:p>
+          <a:p>
+            <a:pPr>
+              <a:lnSpc>
+                <a:spcPct val="150000"/>
+              </a:lnSpc>
+              <a:spcBef>
+                <a:spcPts val="0"/>
+              </a:spcBef>
+            </a:pPr>
+            <a:r>
+              <a:rPr lang="en-GB" dirty="0"/>
+              <a:t>Moreover, we can assign the safe region of v directly to user u. In this way, the cost of online retrieval and safe region computation can be saved.</a:t>
+            </a:r>
+          </a:p>
+        </p:txBody>
+      </p:sp>
+    </p:spTree>
+    <p:extLst>
+      <p:ext uri="{BB962C8B-B14F-4D97-AF65-F5344CB8AC3E}">
+        <p14:creationId xmlns:p14="http://schemas.microsoft.com/office/powerpoint/2010/main" val="2794409471"/>
+      </p:ext>
+    </p:extLst>
+  </p:cSld>
+  <p:clrMapOvr>
+    <a:masterClrMapping/>
+  </p:clrMapOvr>
+  <mc:AlternateContent xmlns:mc="http://schemas.openxmlformats.org/markup-compatibility/2006" xmlns:p14="http://schemas.microsoft.com/office/powerpoint/2010/main">
+    <mc:Choice Requires="p14">
+      <p:transition spd="med" p14:dur="700">
+        <p:fade/>
+      </p:transition>
+    </mc:Choice>
+    <mc:Fallback xmlns="">
+      <p:transition spd="med">
+        <p:fade/>
+      </p:transition>
+    </mc:Fallback>
+  </mc:AlternateContent>
+</p:sld>
+</file>
+
+<file path=ppt/slides/slide14.xml><?xml version="1.0" encoding="utf-8"?>
+<p:sld xmlns:a="http://schemas.openxmlformats.org/drawingml/2006/main" xmlns:r="http://schemas.openxmlformats.org/officeDocument/2006/relationships" xmlns:p="http://schemas.openxmlformats.org/presentationml/2006/main">
+  <p:cSld>
+    <p:spTree>
+      <p:nvGrpSpPr>
+        <p:cNvPr id="1" name=""/>
+        <p:cNvGrpSpPr/>
+        <p:nvPr/>
+      </p:nvGrpSpPr>
+      <p:grpSpPr>
+        <a:xfrm>
+          <a:off x="0" y="0"/>
+          <a:ext cx="0" cy="0"/>
+          <a:chOff x="0" y="0"/>
+          <a:chExt cx="0" cy="0"/>
+        </a:xfrm>
+      </p:grpSpPr>
+      <p:sp>
+        <p:nvSpPr>
           <p:cNvPr id="2" name="Title 1">
             <a:extLst>
               <a:ext uri="{FF2B5EF4-FFF2-40B4-BE49-F238E27FC236}">
@@ -10940,51 +11664,856 @@
           <a:lstStyle/>
           <a:p>
             <a:r>
-              <a:rPr lang="en-GB" b="0" dirty="0"/>
-              <a:t>HYBRID ALGORITHM</a:t>
-            </a:r>
-            <a:endParaRPr lang="en-GB" dirty="0"/>
+              <a:rPr lang="en-GB" dirty="0"/>
+              <a:t>4. Hybrid model 1/2</a:t>
+            </a:r>
           </a:p>
         </p:txBody>
       </p:sp>
-      <p:sp>
-        <p:nvSpPr>
-          <p:cNvPr id="3" name="Content Placeholder 2">
-            <a:extLst>
-              <a:ext uri="{FF2B5EF4-FFF2-40B4-BE49-F238E27FC236}">
-                <a16:creationId xmlns:a16="http://schemas.microsoft.com/office/drawing/2014/main" id="{0D28A200-2292-42CC-BEF7-54AAB2961DE9}"/>
-              </a:ext>
-            </a:extLst>
-          </p:cNvPr>
-          <p:cNvSpPr>
-            <a:spLocks noGrp="1"/>
-          </p:cNvSpPr>
-          <p:nvPr>
-            <p:ph idx="1"/>
-          </p:nvPr>
-        </p:nvSpPr>
-        <p:spPr/>
-        <p:txBody>
-          <a:bodyPr/>
-          <a:lstStyle/>
-          <a:p>
-            <a:r>
-              <a:rPr lang="en-GB" dirty="0"/>
-              <a:t>Combining the metrices of the online retrieval algorithm and GSR</a:t>
-            </a:r>
-          </a:p>
-          <a:p>
-            <a:pPr lvl="1"/>
-            <a:r>
-              <a:rPr lang="en-GB" dirty="0"/>
-              <a:t>New post flood, news feed vary dramatically, adopt online retrieval, stable GSR</a:t>
-            </a:r>
-          </a:p>
-          <a:p>
-            <a:endParaRPr lang="en-GB" dirty="0"/>
-          </a:p>
-        </p:txBody>
-      </p:sp>
+      <mc:AlternateContent xmlns:mc="http://schemas.openxmlformats.org/markup-compatibility/2006">
+        <mc:Choice xmlns:a14="http://schemas.microsoft.com/office/drawing/2010/main" Requires="a14">
+          <p:sp>
+            <p:nvSpPr>
+              <p:cNvPr id="3" name="Content Placeholder 2">
+                <a:extLst>
+                  <a:ext uri="{FF2B5EF4-FFF2-40B4-BE49-F238E27FC236}">
+                    <a16:creationId xmlns:a16="http://schemas.microsoft.com/office/drawing/2014/main" id="{0D28A200-2292-42CC-BEF7-54AAB2961DE9}"/>
+                  </a:ext>
+                </a:extLst>
+              </p:cNvPr>
+              <p:cNvSpPr>
+                <a:spLocks noGrp="1"/>
+              </p:cNvSpPr>
+              <p:nvPr>
+                <p:ph idx="1"/>
+              </p:nvPr>
+            </p:nvSpPr>
+            <p:spPr/>
+            <p:txBody>
+              <a:bodyPr>
+                <a:normAutofit lnSpcReduction="10000"/>
+              </a:bodyPr>
+              <a:lstStyle/>
+              <a:p>
+                <a:r>
+                  <a:rPr lang="en-GB" dirty="0"/>
+                  <a:t>Combining the metrices of the online retrieval algorithm and GSR</a:t>
+                </a:r>
+              </a:p>
+              <a:p>
+                <a:pPr lvl="1"/>
+                <a:r>
+                  <a:rPr lang="en-GB" dirty="0"/>
+                  <a:t>New post flood, news feed vary dramatically, adopt online retrieval, stable GSR</a:t>
+                </a:r>
+              </a:p>
+              <a:p>
+                <a:r>
+                  <a:rPr lang="en-GB" dirty="0"/>
+                  <a:t>The weightage of topic w appears in a user v’s sliding window</a:t>
+                </a:r>
+              </a:p>
+              <a:p>
+                <a:pPr lvl="1"/>
+                <a14:m>
+                  <m:oMath xmlns:m="http://schemas.openxmlformats.org/officeDocument/2006/math">
+                    <m:r>
+                      <a:rPr lang="en-GB" b="0" i="1" smtClean="0">
+                        <a:latin typeface="Cambria Math" panose="02040503050406030204" pitchFamily="18" charset="0"/>
+                      </a:rPr>
+                      <m:t>𝑋</m:t>
+                    </m:r>
+                    <m:r>
+                      <a:rPr lang="en-GB" b="0" i="1" baseline="-25000" smtClean="0">
+                        <a:latin typeface="Cambria Math" panose="02040503050406030204" pitchFamily="18" charset="0"/>
+                      </a:rPr>
+                      <m:t>𝑤</m:t>
+                    </m:r>
+                    <m:r>
+                      <a:rPr lang="en-GB" b="0" i="1" baseline="-25000" smtClean="0">
+                        <a:latin typeface="Cambria Math" panose="02040503050406030204" pitchFamily="18" charset="0"/>
+                      </a:rPr>
+                      <m:t>,</m:t>
+                    </m:r>
+                    <m:r>
+                      <a:rPr lang="en-GB" b="0" i="1" baseline="-25000" smtClean="0">
+                        <a:latin typeface="Cambria Math" panose="02040503050406030204" pitchFamily="18" charset="0"/>
+                      </a:rPr>
+                      <m:t>𝑣</m:t>
+                    </m:r>
+                    <m:r>
+                      <a:rPr lang="en-GB" b="0" i="1" smtClean="0">
+                        <a:latin typeface="Cambria Math" panose="02040503050406030204" pitchFamily="18" charset="0"/>
+                      </a:rPr>
+                      <m:t>=</m:t>
+                    </m:r>
+                    <m:nary>
+                      <m:naryPr>
+                        <m:chr m:val="∑"/>
+                        <m:supHide m:val="on"/>
+                        <m:ctrlPr>
+                          <a:rPr lang="en-GB" i="1" smtClean="0">
+                            <a:latin typeface="Cambria Math" panose="02040503050406030204" pitchFamily="18" charset="0"/>
+                          </a:rPr>
+                        </m:ctrlPr>
+                      </m:naryPr>
+                      <m:sub>
+                        <m:r>
+                          <m:rPr>
+                            <m:brk m:alnAt="7"/>
+                          </m:rPr>
+                          <a:rPr lang="en-GB" b="0" i="1" smtClean="0">
+                            <a:latin typeface="Cambria Math" panose="02040503050406030204" pitchFamily="18" charset="0"/>
+                          </a:rPr>
+                          <m:t>𝑛</m:t>
+                        </m:r>
+                        <m:r>
+                          <a:rPr lang="en-GB" b="0" i="1" smtClean="0">
+                            <a:latin typeface="Cambria Math" panose="02040503050406030204" pitchFamily="18" charset="0"/>
+                            <a:ea typeface="Cambria Math" panose="02040503050406030204" pitchFamily="18" charset="0"/>
+                          </a:rPr>
+                          <m:t>∈</m:t>
+                        </m:r>
+                        <m:r>
+                          <a:rPr lang="en-GB" b="0" i="1" smtClean="0">
+                            <a:latin typeface="Cambria Math" panose="02040503050406030204" pitchFamily="18" charset="0"/>
+                            <a:ea typeface="Cambria Math" panose="02040503050406030204" pitchFamily="18" charset="0"/>
+                          </a:rPr>
+                          <m:t>𝑁</m:t>
+                        </m:r>
+                        <m:r>
+                          <a:rPr lang="en-GB" b="0" i="1" smtClean="0">
+                            <a:latin typeface="Cambria Math" panose="02040503050406030204" pitchFamily="18" charset="0"/>
+                            <a:ea typeface="Cambria Math" panose="02040503050406030204" pitchFamily="18" charset="0"/>
+                          </a:rPr>
+                          <m:t>(</m:t>
+                        </m:r>
+                        <m:r>
+                          <a:rPr lang="en-GB" b="0" i="1" smtClean="0">
+                            <a:latin typeface="Cambria Math" panose="02040503050406030204" pitchFamily="18" charset="0"/>
+                            <a:ea typeface="Cambria Math" panose="02040503050406030204" pitchFamily="18" charset="0"/>
+                          </a:rPr>
+                          <m:t>𝑣</m:t>
+                        </m:r>
+                        <m:r>
+                          <a:rPr lang="en-GB" b="0" i="1" smtClean="0">
+                            <a:latin typeface="Cambria Math" panose="02040503050406030204" pitchFamily="18" charset="0"/>
+                            <a:ea typeface="Cambria Math" panose="02040503050406030204" pitchFamily="18" charset="0"/>
+                          </a:rPr>
+                          <m:t>)</m:t>
+                        </m:r>
+                      </m:sub>
+                      <m:sup/>
+                      <m:e>
+                        <m:nary>
+                          <m:naryPr>
+                            <m:chr m:val="∑"/>
+                            <m:supHide m:val="on"/>
+                            <m:ctrlPr>
+                              <a:rPr lang="en-GB" i="1" smtClean="0">
+                                <a:latin typeface="Cambria Math" panose="02040503050406030204" pitchFamily="18" charset="0"/>
+                              </a:rPr>
+                            </m:ctrlPr>
+                          </m:naryPr>
+                          <m:sub>
+                            <m:r>
+                              <m:rPr>
+                                <m:brk m:alnAt="7"/>
+                              </m:rPr>
+                              <a:rPr lang="en-GB" b="0" i="1" smtClean="0">
+                                <a:latin typeface="Cambria Math" panose="02040503050406030204" pitchFamily="18" charset="0"/>
+                              </a:rPr>
+                              <m:t>1</m:t>
+                            </m:r>
+                            <m:r>
+                              <a:rPr lang="en-GB" b="0" i="1" smtClean="0">
+                                <a:latin typeface="Cambria Math" panose="02040503050406030204" pitchFamily="18" charset="0"/>
+                                <a:ea typeface="Cambria Math" panose="02040503050406030204" pitchFamily="18" charset="0"/>
+                              </a:rPr>
+                              <m:t>≤</m:t>
+                            </m:r>
+                            <m:r>
+                              <a:rPr lang="en-GB" b="0" i="1" smtClean="0">
+                                <a:latin typeface="Cambria Math" panose="02040503050406030204" pitchFamily="18" charset="0"/>
+                                <a:ea typeface="Cambria Math" panose="02040503050406030204" pitchFamily="18" charset="0"/>
+                              </a:rPr>
+                              <m:t>𝑖</m:t>
+                            </m:r>
+                            <m:r>
+                              <a:rPr lang="en-GB" b="0" i="1" smtClean="0">
+                                <a:latin typeface="Cambria Math" panose="02040503050406030204" pitchFamily="18" charset="0"/>
+                                <a:ea typeface="Cambria Math" panose="02040503050406030204" pitchFamily="18" charset="0"/>
+                              </a:rPr>
+                              <m:t>≤</m:t>
+                            </m:r>
+                            <m:r>
+                              <a:rPr lang="en-GB" b="0" i="1" smtClean="0">
+                                <a:latin typeface="Cambria Math" panose="02040503050406030204" pitchFamily="18" charset="0"/>
+                                <a:ea typeface="Cambria Math" panose="02040503050406030204" pitchFamily="18" charset="0"/>
+                              </a:rPr>
+                              <m:t>𝑀𝑣</m:t>
+                            </m:r>
+                            <m:r>
+                              <a:rPr lang="en-GB" b="0" i="1" baseline="-25000" smtClean="0">
+                                <a:latin typeface="Cambria Math" panose="02040503050406030204" pitchFamily="18" charset="0"/>
+                                <a:ea typeface="Cambria Math" panose="02040503050406030204" pitchFamily="18" charset="0"/>
+                              </a:rPr>
+                              <m:t>,</m:t>
+                            </m:r>
+                            <m:r>
+                              <a:rPr lang="en-GB" b="0" i="1" baseline="-25000" smtClean="0">
+                                <a:latin typeface="Cambria Math" panose="02040503050406030204" pitchFamily="18" charset="0"/>
+                                <a:ea typeface="Cambria Math" panose="02040503050406030204" pitchFamily="18" charset="0"/>
+                              </a:rPr>
+                              <m:t>𝑛</m:t>
+                            </m:r>
+                          </m:sub>
+                          <m:sup/>
+                          <m:e>
+                            <m:r>
+                              <a:rPr lang="en-GB" b="0" i="1" smtClean="0">
+                                <a:latin typeface="Cambria Math" panose="02040503050406030204" pitchFamily="18" charset="0"/>
+                              </a:rPr>
+                              <m:t>𝐷</m:t>
+                            </m:r>
+                            <m:r>
+                              <a:rPr lang="en-GB" b="0" i="1" baseline="-25000" smtClean="0">
+                                <a:latin typeface="Cambria Math" panose="02040503050406030204" pitchFamily="18" charset="0"/>
+                              </a:rPr>
+                              <m:t>𝑤</m:t>
+                            </m:r>
+                            <m:r>
+                              <a:rPr lang="en-GB" b="0" i="1" baseline="-25000" smtClean="0">
+                                <a:latin typeface="Cambria Math" panose="02040503050406030204" pitchFamily="18" charset="0"/>
+                              </a:rPr>
+                              <m:t>,</m:t>
+                            </m:r>
+                            <m:r>
+                              <a:rPr lang="en-GB" b="0" i="1" baseline="-25000" smtClean="0">
+                                <a:latin typeface="Cambria Math" panose="02040503050406030204" pitchFamily="18" charset="0"/>
+                              </a:rPr>
+                              <m:t>𝑛</m:t>
+                            </m:r>
+                            <m:r>
+                              <a:rPr lang="en-GB" b="0" i="1" smtClean="0">
+                                <a:latin typeface="Cambria Math" panose="02040503050406030204" pitchFamily="18" charset="0"/>
+                              </a:rPr>
+                              <m:t>(</m:t>
+                            </m:r>
+                            <m:r>
+                              <a:rPr lang="en-GB" b="0" i="1" smtClean="0">
+                                <a:latin typeface="Cambria Math" panose="02040503050406030204" pitchFamily="18" charset="0"/>
+                              </a:rPr>
+                              <m:t>𝑓</m:t>
+                            </m:r>
+                            <m:r>
+                              <a:rPr lang="en-GB" b="0" i="1" smtClean="0">
+                                <a:latin typeface="Cambria Math" panose="02040503050406030204" pitchFamily="18" charset="0"/>
+                              </a:rPr>
+                              <m:t>,</m:t>
+                            </m:r>
+                            <m:r>
+                              <a:rPr lang="en-GB" b="0" i="1" smtClean="0">
+                                <a:latin typeface="Cambria Math" panose="02040503050406030204" pitchFamily="18" charset="0"/>
+                              </a:rPr>
+                              <m:t>𝑛</m:t>
+                            </m:r>
+                            <m:r>
+                              <a:rPr lang="en-GB" b="0" i="1" smtClean="0">
+                                <a:latin typeface="Cambria Math" panose="02040503050406030204" pitchFamily="18" charset="0"/>
+                              </a:rPr>
+                              <m:t>)</m:t>
+                            </m:r>
+                          </m:e>
+                        </m:nary>
+                      </m:e>
+                    </m:nary>
+                  </m:oMath>
+                </a14:m>
+                <a:endParaRPr lang="en-GB" dirty="0"/>
+              </a:p>
+              <a:p>
+                <a:r>
+                  <a:rPr lang="en-GB" dirty="0"/>
+                  <a:t>The variance of a topic w in a user v’s news feed</a:t>
+                </a:r>
+              </a:p>
+              <a:p>
+                <a:pPr lvl="1"/>
+                <a:r>
+                  <a:rPr lang="en-GB" dirty="0"/>
+                  <a:t>Var[X</a:t>
+                </a:r>
+                <a:r>
+                  <a:rPr lang="en-GB" baseline="-25000" dirty="0"/>
+                  <a:t>w,v</a:t>
+                </a:r>
+                <a:r>
+                  <a:rPr lang="en-GB" dirty="0"/>
+                  <a:t>]</a:t>
+                </a:r>
+                <a14:m>
+                  <m:oMath xmlns:m="http://schemas.openxmlformats.org/officeDocument/2006/math">
+                    <m:r>
+                      <a:rPr lang="en-GB" i="1">
+                        <a:latin typeface="Cambria Math" panose="02040503050406030204" pitchFamily="18" charset="0"/>
+                      </a:rPr>
+                      <m:t>=</m:t>
+                    </m:r>
+                    <m:r>
+                      <a:rPr lang="de-CH" b="0" i="1" smtClean="0">
+                        <a:latin typeface="Cambria Math" panose="02040503050406030204" pitchFamily="18" charset="0"/>
+                      </a:rPr>
+                      <m:t>𝑣𝑎𝑟</m:t>
+                    </m:r>
+                    <m:r>
+                      <a:rPr lang="de-CH" b="0" i="1" smtClean="0">
+                        <a:latin typeface="Cambria Math" panose="02040503050406030204" pitchFamily="18" charset="0"/>
+                      </a:rPr>
+                      <m:t>[ </m:t>
+                    </m:r>
+                    <m:nary>
+                      <m:naryPr>
+                        <m:chr m:val="∑"/>
+                        <m:supHide m:val="on"/>
+                        <m:ctrlPr>
+                          <a:rPr lang="en-GB" i="1">
+                            <a:latin typeface="Cambria Math" panose="02040503050406030204" pitchFamily="18" charset="0"/>
+                          </a:rPr>
+                        </m:ctrlPr>
+                      </m:naryPr>
+                      <m:sub>
+                        <m:r>
+                          <m:rPr>
+                            <m:brk m:alnAt="7"/>
+                          </m:rPr>
+                          <a:rPr lang="en-GB" i="1">
+                            <a:latin typeface="Cambria Math" panose="02040503050406030204" pitchFamily="18" charset="0"/>
+                          </a:rPr>
+                          <m:t>𝑛</m:t>
+                        </m:r>
+                        <m:r>
+                          <a:rPr lang="en-GB" i="1">
+                            <a:latin typeface="Cambria Math" panose="02040503050406030204" pitchFamily="18" charset="0"/>
+                            <a:ea typeface="Cambria Math" panose="02040503050406030204" pitchFamily="18" charset="0"/>
+                          </a:rPr>
+                          <m:t>∈</m:t>
+                        </m:r>
+                        <m:r>
+                          <a:rPr lang="en-GB" i="1">
+                            <a:latin typeface="Cambria Math" panose="02040503050406030204" pitchFamily="18" charset="0"/>
+                            <a:ea typeface="Cambria Math" panose="02040503050406030204" pitchFamily="18" charset="0"/>
+                          </a:rPr>
+                          <m:t>𝑁</m:t>
+                        </m:r>
+                        <m:r>
+                          <a:rPr lang="en-GB" i="1">
+                            <a:latin typeface="Cambria Math" panose="02040503050406030204" pitchFamily="18" charset="0"/>
+                            <a:ea typeface="Cambria Math" panose="02040503050406030204" pitchFamily="18" charset="0"/>
+                          </a:rPr>
+                          <m:t>(</m:t>
+                        </m:r>
+                        <m:r>
+                          <a:rPr lang="en-GB" i="1">
+                            <a:latin typeface="Cambria Math" panose="02040503050406030204" pitchFamily="18" charset="0"/>
+                            <a:ea typeface="Cambria Math" panose="02040503050406030204" pitchFamily="18" charset="0"/>
+                          </a:rPr>
+                          <m:t>𝑣</m:t>
+                        </m:r>
+                        <m:r>
+                          <a:rPr lang="en-GB" i="1">
+                            <a:latin typeface="Cambria Math" panose="02040503050406030204" pitchFamily="18" charset="0"/>
+                            <a:ea typeface="Cambria Math" panose="02040503050406030204" pitchFamily="18" charset="0"/>
+                          </a:rPr>
+                          <m:t>)</m:t>
+                        </m:r>
+                      </m:sub>
+                      <m:sup/>
+                      <m:e>
+                        <m:nary>
+                          <m:naryPr>
+                            <m:chr m:val="∑"/>
+                            <m:supHide m:val="on"/>
+                            <m:ctrlPr>
+                              <a:rPr lang="en-GB" i="1">
+                                <a:latin typeface="Cambria Math" panose="02040503050406030204" pitchFamily="18" charset="0"/>
+                              </a:rPr>
+                            </m:ctrlPr>
+                          </m:naryPr>
+                          <m:sub>
+                            <m:r>
+                              <m:rPr>
+                                <m:brk m:alnAt="7"/>
+                              </m:rPr>
+                              <a:rPr lang="en-GB" i="1">
+                                <a:latin typeface="Cambria Math" panose="02040503050406030204" pitchFamily="18" charset="0"/>
+                              </a:rPr>
+                              <m:t>1</m:t>
+                            </m:r>
+                            <m:r>
+                              <a:rPr lang="en-GB" i="1">
+                                <a:latin typeface="Cambria Math" panose="02040503050406030204" pitchFamily="18" charset="0"/>
+                                <a:ea typeface="Cambria Math" panose="02040503050406030204" pitchFamily="18" charset="0"/>
+                              </a:rPr>
+                              <m:t>≤</m:t>
+                            </m:r>
+                            <m:r>
+                              <a:rPr lang="en-GB" i="1">
+                                <a:latin typeface="Cambria Math" panose="02040503050406030204" pitchFamily="18" charset="0"/>
+                                <a:ea typeface="Cambria Math" panose="02040503050406030204" pitchFamily="18" charset="0"/>
+                              </a:rPr>
+                              <m:t>𝑖</m:t>
+                            </m:r>
+                            <m:r>
+                              <a:rPr lang="en-GB" i="1">
+                                <a:latin typeface="Cambria Math" panose="02040503050406030204" pitchFamily="18" charset="0"/>
+                                <a:ea typeface="Cambria Math" panose="02040503050406030204" pitchFamily="18" charset="0"/>
+                              </a:rPr>
+                              <m:t>≤</m:t>
+                            </m:r>
+                            <m:r>
+                              <a:rPr lang="en-GB" i="1">
+                                <a:latin typeface="Cambria Math" panose="02040503050406030204" pitchFamily="18" charset="0"/>
+                                <a:ea typeface="Cambria Math" panose="02040503050406030204" pitchFamily="18" charset="0"/>
+                              </a:rPr>
+                              <m:t>𝑀𝑣</m:t>
+                            </m:r>
+                            <m:r>
+                              <a:rPr lang="en-GB" i="1" baseline="-25000">
+                                <a:latin typeface="Cambria Math" panose="02040503050406030204" pitchFamily="18" charset="0"/>
+                                <a:ea typeface="Cambria Math" panose="02040503050406030204" pitchFamily="18" charset="0"/>
+                              </a:rPr>
+                              <m:t>,</m:t>
+                            </m:r>
+                            <m:r>
+                              <a:rPr lang="en-GB" i="1" baseline="-25000">
+                                <a:latin typeface="Cambria Math" panose="02040503050406030204" pitchFamily="18" charset="0"/>
+                                <a:ea typeface="Cambria Math" panose="02040503050406030204" pitchFamily="18" charset="0"/>
+                              </a:rPr>
+                              <m:t>𝑛</m:t>
+                            </m:r>
+                          </m:sub>
+                          <m:sup/>
+                          <m:e>
+                            <m:r>
+                              <a:rPr lang="en-GB" i="1">
+                                <a:latin typeface="Cambria Math" panose="02040503050406030204" pitchFamily="18" charset="0"/>
+                              </a:rPr>
+                              <m:t>𝐷</m:t>
+                            </m:r>
+                            <m:r>
+                              <a:rPr lang="en-GB" i="1" baseline="-25000">
+                                <a:latin typeface="Cambria Math" panose="02040503050406030204" pitchFamily="18" charset="0"/>
+                              </a:rPr>
+                              <m:t>𝑤</m:t>
+                            </m:r>
+                            <m:r>
+                              <a:rPr lang="en-GB" i="1" baseline="-25000">
+                                <a:latin typeface="Cambria Math" panose="02040503050406030204" pitchFamily="18" charset="0"/>
+                              </a:rPr>
+                              <m:t>,</m:t>
+                            </m:r>
+                            <m:r>
+                              <a:rPr lang="en-GB" i="1" baseline="-25000">
+                                <a:latin typeface="Cambria Math" panose="02040503050406030204" pitchFamily="18" charset="0"/>
+                              </a:rPr>
+                              <m:t>𝑛</m:t>
+                            </m:r>
+                            <m:r>
+                              <a:rPr lang="en-GB" i="1">
+                                <a:latin typeface="Cambria Math" panose="02040503050406030204" pitchFamily="18" charset="0"/>
+                              </a:rPr>
+                              <m:t>(</m:t>
+                            </m:r>
+                            <m:r>
+                              <a:rPr lang="en-GB" i="1">
+                                <a:latin typeface="Cambria Math" panose="02040503050406030204" pitchFamily="18" charset="0"/>
+                              </a:rPr>
+                              <m:t>𝑓</m:t>
+                            </m:r>
+                            <m:r>
+                              <a:rPr lang="en-GB" i="1">
+                                <a:latin typeface="Cambria Math" panose="02040503050406030204" pitchFamily="18" charset="0"/>
+                              </a:rPr>
+                              <m:t>,</m:t>
+                            </m:r>
+                            <m:r>
+                              <a:rPr lang="en-GB" i="1">
+                                <a:latin typeface="Cambria Math" panose="02040503050406030204" pitchFamily="18" charset="0"/>
+                              </a:rPr>
+                              <m:t>𝑛</m:t>
+                            </m:r>
+                            <m:r>
+                              <a:rPr lang="en-GB" i="1">
+                                <a:latin typeface="Cambria Math" panose="02040503050406030204" pitchFamily="18" charset="0"/>
+                              </a:rPr>
+                              <m:t>)]</m:t>
+                            </m:r>
+                          </m:e>
+                        </m:nary>
+                      </m:e>
+                    </m:nary>
+                  </m:oMath>
+                </a14:m>
+                <a:endParaRPr lang="en-GB" dirty="0"/>
+              </a:p>
+              <a:p>
+                <a:r>
+                  <a:rPr lang="de-CH" dirty="0"/>
+                  <a:t>C</a:t>
+                </a:r>
+                <a:r>
+                  <a:rPr lang="en-GB" dirty="0"/>
+                  <a:t>combine with static user interests</a:t>
+                </a:r>
+              </a:p>
+              <a:p>
+                <a:pPr lvl="1"/>
+                <a14:m>
+                  <m:oMath xmlns:m="http://schemas.openxmlformats.org/officeDocument/2006/math">
+                    <m:func>
+                      <m:funcPr>
+                        <m:ctrlPr>
+                          <a:rPr lang="en-GB" i="1" smtClean="0">
+                            <a:latin typeface="Cambria Math" panose="02040503050406030204" pitchFamily="18" charset="0"/>
+                          </a:rPr>
+                        </m:ctrlPr>
+                      </m:funcPr>
+                      <m:fName>
+                        <m:limLow>
+                          <m:limLowPr>
+                            <m:ctrlPr>
+                              <a:rPr lang="en-GB" i="1" smtClean="0">
+                                <a:latin typeface="Cambria Math" panose="02040503050406030204" pitchFamily="18" charset="0"/>
+                              </a:rPr>
+                            </m:ctrlPr>
+                          </m:limLowPr>
+                          <m:e>
+                            <m:r>
+                              <m:rPr>
+                                <m:sty m:val="p"/>
+                              </m:rPr>
+                              <a:rPr lang="en-GB" i="0" smtClean="0">
+                                <a:latin typeface="Cambria Math" panose="02040503050406030204" pitchFamily="18" charset="0"/>
+                              </a:rPr>
+                              <m:t>max</m:t>
+                            </m:r>
+                          </m:e>
+                          <m:lim>
+                            <m:r>
+                              <a:rPr lang="de-CH" b="0" i="1" smtClean="0">
+                                <a:latin typeface="Cambria Math" panose="02040503050406030204" pitchFamily="18" charset="0"/>
+                              </a:rPr>
+                              <m:t>𝑤</m:t>
+                            </m:r>
+                            <m:r>
+                              <a:rPr lang="de-CH" b="0" i="1" smtClean="0">
+                                <a:latin typeface="Cambria Math" panose="02040503050406030204" pitchFamily="18" charset="0"/>
+                                <a:ea typeface="Cambria Math" panose="02040503050406030204" pitchFamily="18" charset="0"/>
+                              </a:rPr>
+                              <m:t>∈</m:t>
+                            </m:r>
+                            <m:r>
+                              <a:rPr lang="de-CH" b="0" i="1" smtClean="0">
+                                <a:latin typeface="Cambria Math" panose="02040503050406030204" pitchFamily="18" charset="0"/>
+                                <a:ea typeface="Cambria Math" panose="02040503050406030204" pitchFamily="18" charset="0"/>
+                              </a:rPr>
+                              <m:t>𝑇</m:t>
+                            </m:r>
+                          </m:lim>
+                        </m:limLow>
+                      </m:fName>
+                      <m:e>
+                        <m:f>
+                          <m:fPr>
+                            <m:ctrlPr>
+                              <a:rPr lang="en-GB" i="1" smtClean="0">
+                                <a:latin typeface="Cambria Math" panose="02040503050406030204" pitchFamily="18" charset="0"/>
+                              </a:rPr>
+                            </m:ctrlPr>
+                          </m:fPr>
+                          <m:num>
+                            <m:f>
+                              <m:fPr>
+                                <m:ctrlPr>
+                                  <a:rPr lang="en-GB" i="1" smtClean="0">
+                                    <a:latin typeface="Cambria Math" panose="02040503050406030204" pitchFamily="18" charset="0"/>
+                                  </a:rPr>
+                                </m:ctrlPr>
+                              </m:fPr>
+                              <m:num>
+                                <m:r>
+                                  <a:rPr lang="de-CH" b="0" i="1" smtClean="0">
+                                    <a:latin typeface="Cambria Math" panose="02040503050406030204" pitchFamily="18" charset="0"/>
+                                  </a:rPr>
+                                  <m:t>1</m:t>
+                                </m:r>
+                                <m:r>
+                                  <a:rPr lang="de-CH" b="0" i="1" smtClean="0">
+                                    <a:latin typeface="Cambria Math" panose="02040503050406030204" pitchFamily="18" charset="0"/>
+                                  </a:rPr>
+                                  <m:t>−∝</m:t>
+                                </m:r>
+                              </m:num>
+                              <m:den>
+                                <m:r>
+                                  <a:rPr lang="de-CH" b="0" i="1" smtClean="0">
+                                    <a:latin typeface="Cambria Math" panose="02040503050406030204" pitchFamily="18" charset="0"/>
+                                  </a:rPr>
+                                  <m:t>𝑚</m:t>
+                                </m:r>
+                              </m:den>
+                            </m:f>
+                            <m:rad>
+                              <m:radPr>
+                                <m:degHide m:val="on"/>
+                                <m:ctrlPr>
+                                  <a:rPr lang="en-GB" i="1" smtClean="0">
+                                    <a:latin typeface="Cambria Math" panose="02040503050406030204" pitchFamily="18" charset="0"/>
+                                  </a:rPr>
+                                </m:ctrlPr>
+                              </m:radPr>
+                              <m:deg/>
+                              <m:e>
+                                <m:r>
+                                  <a:rPr lang="de-CH" b="0" i="1" smtClean="0">
+                                    <a:latin typeface="Cambria Math" panose="02040503050406030204" pitchFamily="18" charset="0"/>
+                                  </a:rPr>
+                                  <m:t>𝑣𝑎𝑟</m:t>
+                                </m:r>
+                                <m:r>
+                                  <a:rPr lang="de-CH" b="0" i="1" smtClean="0">
+                                    <a:latin typeface="Cambria Math" panose="02040503050406030204" pitchFamily="18" charset="0"/>
+                                  </a:rPr>
+                                  <m:t>[</m:t>
+                                </m:r>
+                                <m:r>
+                                  <a:rPr lang="de-CH" b="0" i="1" smtClean="0">
+                                    <a:latin typeface="Cambria Math" panose="02040503050406030204" pitchFamily="18" charset="0"/>
+                                  </a:rPr>
+                                  <m:t>𝑋𝑤</m:t>
+                                </m:r>
+                                <m:r>
+                                  <a:rPr lang="de-CH" b="0" i="1" baseline="-25000" smtClean="0">
+                                    <a:latin typeface="Cambria Math" panose="02040503050406030204" pitchFamily="18" charset="0"/>
+                                  </a:rPr>
+                                  <m:t>,</m:t>
+                                </m:r>
+                                <m:r>
+                                  <a:rPr lang="de-CH" b="0" i="1" baseline="-25000" smtClean="0">
+                                    <a:latin typeface="Cambria Math" panose="02040503050406030204" pitchFamily="18" charset="0"/>
+                                  </a:rPr>
+                                  <m:t>𝑣</m:t>
+                                </m:r>
+                                <m:r>
+                                  <a:rPr lang="de-CH" b="0" i="1" smtClean="0">
+                                    <a:latin typeface="Cambria Math" panose="02040503050406030204" pitchFamily="18" charset="0"/>
+                                  </a:rPr>
+                                  <m:t>]</m:t>
+                                </m:r>
+                              </m:e>
+                            </m:rad>
+                          </m:num>
+                          <m:den>
+                            <m:r>
+                              <a:rPr lang="en-GB" i="1" smtClean="0">
+                                <a:latin typeface="Cambria Math" panose="02040503050406030204" pitchFamily="18" charset="0"/>
+                                <a:ea typeface="Cambria Math" panose="02040503050406030204" pitchFamily="18" charset="0"/>
+                              </a:rPr>
+                              <m:t>∝</m:t>
+                            </m:r>
+                            <m:r>
+                              <a:rPr lang="de-CH" b="0" i="1" smtClean="0">
+                                <a:latin typeface="Cambria Math" panose="02040503050406030204" pitchFamily="18" charset="0"/>
+                                <a:ea typeface="Cambria Math" panose="02040503050406030204" pitchFamily="18" charset="0"/>
+                              </a:rPr>
+                              <m:t>.</m:t>
+                            </m:r>
+                            <m:r>
+                              <a:rPr lang="de-CH" b="0" i="1" smtClean="0">
+                                <a:latin typeface="Cambria Math" panose="02040503050406030204" pitchFamily="18" charset="0"/>
+                                <a:ea typeface="Cambria Math" panose="02040503050406030204" pitchFamily="18" charset="0"/>
+                              </a:rPr>
+                              <m:t>𝑟𝑒𝑙</m:t>
+                            </m:r>
+                            <m:d>
+                              <m:dPr>
+                                <m:ctrlPr>
+                                  <a:rPr lang="de-CH" b="0" i="1" smtClean="0">
+                                    <a:latin typeface="Cambria Math" panose="02040503050406030204" pitchFamily="18" charset="0"/>
+                                    <a:ea typeface="Cambria Math" panose="02040503050406030204" pitchFamily="18" charset="0"/>
+                                  </a:rPr>
+                                </m:ctrlPr>
+                              </m:dPr>
+                              <m:e>
+                                <m:r>
+                                  <a:rPr lang="de-CH" b="0" i="1" smtClean="0">
+                                    <a:latin typeface="Cambria Math" panose="02040503050406030204" pitchFamily="18" charset="0"/>
+                                    <a:ea typeface="Cambria Math" panose="02040503050406030204" pitchFamily="18" charset="0"/>
+                                  </a:rPr>
+                                  <m:t>𝑢</m:t>
+                                </m:r>
+                                <m:r>
+                                  <a:rPr lang="de-CH" b="0" i="1" smtClean="0">
+                                    <a:latin typeface="Cambria Math" panose="02040503050406030204" pitchFamily="18" charset="0"/>
+                                    <a:ea typeface="Cambria Math" panose="02040503050406030204" pitchFamily="18" charset="0"/>
+                                  </a:rPr>
+                                  <m:t>,</m:t>
+                                </m:r>
+                                <m:r>
+                                  <a:rPr lang="de-CH" b="0" i="1" smtClean="0">
+                                    <a:latin typeface="Cambria Math" panose="02040503050406030204" pitchFamily="18" charset="0"/>
+                                    <a:ea typeface="Cambria Math" panose="02040503050406030204" pitchFamily="18" charset="0"/>
+                                  </a:rPr>
+                                  <m:t>𝑤</m:t>
+                                </m:r>
+                              </m:e>
+                            </m:d>
+                            <m:r>
+                              <a:rPr lang="de-CH" b="0" i="1" smtClean="0">
+                                <a:latin typeface="Cambria Math" panose="02040503050406030204" pitchFamily="18" charset="0"/>
+                                <a:ea typeface="Cambria Math" panose="02040503050406030204" pitchFamily="18" charset="0"/>
+                              </a:rPr>
+                              <m:t>+</m:t>
+                            </m:r>
+                            <m:f>
+                              <m:fPr>
+                                <m:ctrlPr>
+                                  <a:rPr lang="de-CH" b="0" i="1" smtClean="0">
+                                    <a:latin typeface="Cambria Math" panose="02040503050406030204" pitchFamily="18" charset="0"/>
+                                    <a:ea typeface="Cambria Math" panose="02040503050406030204" pitchFamily="18" charset="0"/>
+                                  </a:rPr>
+                                </m:ctrlPr>
+                              </m:fPr>
+                              <m:num>
+                                <m:r>
+                                  <a:rPr lang="de-CH" b="0" i="1" smtClean="0">
+                                    <a:latin typeface="Cambria Math" panose="02040503050406030204" pitchFamily="18" charset="0"/>
+                                    <a:ea typeface="Cambria Math" panose="02040503050406030204" pitchFamily="18" charset="0"/>
+                                  </a:rPr>
+                                  <m:t>1</m:t>
+                                </m:r>
+                                <m:r>
+                                  <a:rPr lang="de-CH" b="0" i="1" smtClean="0">
+                                    <a:latin typeface="Cambria Math" panose="02040503050406030204" pitchFamily="18" charset="0"/>
+                                    <a:ea typeface="Cambria Math" panose="02040503050406030204" pitchFamily="18" charset="0"/>
+                                  </a:rPr>
+                                  <m:t>−∝</m:t>
+                                </m:r>
+                              </m:num>
+                              <m:den>
+                                <m:r>
+                                  <a:rPr lang="de-CH" b="0" i="1" smtClean="0">
+                                    <a:latin typeface="Cambria Math" panose="02040503050406030204" pitchFamily="18" charset="0"/>
+                                    <a:ea typeface="Cambria Math" panose="02040503050406030204" pitchFamily="18" charset="0"/>
+                                  </a:rPr>
+                                  <m:t>𝑚</m:t>
+                                </m:r>
+                              </m:den>
+                            </m:f>
+                            <m:r>
+                              <a:rPr lang="de-CH" b="0" i="1" smtClean="0">
+                                <a:latin typeface="Cambria Math" panose="02040503050406030204" pitchFamily="18" charset="0"/>
+                                <a:ea typeface="Cambria Math" panose="02040503050406030204" pitchFamily="18" charset="0"/>
+                              </a:rPr>
+                              <m:t>.</m:t>
+                            </m:r>
+                            <m:r>
+                              <a:rPr lang="de-CH" b="0" i="1" smtClean="0">
+                                <a:latin typeface="Cambria Math" panose="02040503050406030204" pitchFamily="18" charset="0"/>
+                                <a:ea typeface="Cambria Math" panose="02040503050406030204" pitchFamily="18" charset="0"/>
+                              </a:rPr>
+                              <m:t>𝐸</m:t>
+                            </m:r>
+                            <m:r>
+                              <a:rPr lang="de-CH" b="0" i="1" smtClean="0">
+                                <a:latin typeface="Cambria Math" panose="02040503050406030204" pitchFamily="18" charset="0"/>
+                                <a:ea typeface="Cambria Math" panose="02040503050406030204" pitchFamily="18" charset="0"/>
+                              </a:rPr>
+                              <m:t>[</m:t>
+                            </m:r>
+                            <m:r>
+                              <a:rPr lang="de-CH" b="0" i="1" smtClean="0">
+                                <a:latin typeface="Cambria Math" panose="02040503050406030204" pitchFamily="18" charset="0"/>
+                                <a:ea typeface="Cambria Math" panose="02040503050406030204" pitchFamily="18" charset="0"/>
+                              </a:rPr>
+                              <m:t>𝑋𝑣</m:t>
+                            </m:r>
+                            <m:r>
+                              <a:rPr lang="de-CH" b="0" i="1" baseline="-25000" smtClean="0">
+                                <a:latin typeface="Cambria Math" panose="02040503050406030204" pitchFamily="18" charset="0"/>
+                                <a:ea typeface="Cambria Math" panose="02040503050406030204" pitchFamily="18" charset="0"/>
+                              </a:rPr>
+                              <m:t>,</m:t>
+                            </m:r>
+                            <m:r>
+                              <a:rPr lang="de-CH" b="0" i="1" baseline="-25000" smtClean="0">
+                                <a:latin typeface="Cambria Math" panose="02040503050406030204" pitchFamily="18" charset="0"/>
+                                <a:ea typeface="Cambria Math" panose="02040503050406030204" pitchFamily="18" charset="0"/>
+                              </a:rPr>
+                              <m:t>𝑤</m:t>
+                            </m:r>
+                            <m:r>
+                              <a:rPr lang="de-CH" b="0" i="1" smtClean="0">
+                                <a:latin typeface="Cambria Math" panose="02040503050406030204" pitchFamily="18" charset="0"/>
+                                <a:ea typeface="Cambria Math" panose="02040503050406030204" pitchFamily="18" charset="0"/>
+                              </a:rPr>
+                              <m:t>]</m:t>
+                            </m:r>
+                          </m:den>
+                        </m:f>
+                      </m:e>
+                    </m:func>
+                  </m:oMath>
+                </a14:m>
+                <a:endParaRPr lang="en-GB" dirty="0"/>
+              </a:p>
+              <a:p>
+                <a:endParaRPr lang="en-GB" dirty="0"/>
+              </a:p>
+            </p:txBody>
+          </p:sp>
+        </mc:Choice>
+        <mc:Fallback>
+          <p:sp>
+            <p:nvSpPr>
+              <p:cNvPr id="3" name="Content Placeholder 2">
+                <a:extLst>
+                  <a:ext uri="{FF2B5EF4-FFF2-40B4-BE49-F238E27FC236}">
+                    <a16:creationId xmlns:a16="http://schemas.microsoft.com/office/drawing/2014/main" id="{0D28A200-2292-42CC-BEF7-54AAB2961DE9}"/>
+                  </a:ext>
+                </a:extLst>
+              </p:cNvPr>
+              <p:cNvSpPr>
+                <a:spLocks noGrp="1" noRot="1" noChangeAspect="1" noMove="1" noResize="1" noEditPoints="1" noAdjustHandles="1" noChangeArrowheads="1" noChangeShapeType="1" noTextEdit="1"/>
+              </p:cNvSpPr>
+              <p:nvPr>
+                <p:ph idx="1"/>
+              </p:nvPr>
+            </p:nvSpPr>
+            <p:spPr>
+              <a:blipFill>
+                <a:blip r:embed="rId2"/>
+                <a:stretch>
+                  <a:fillRect l="-571" t="-2240"/>
+                </a:stretch>
+              </a:blipFill>
+            </p:spPr>
+            <p:txBody>
+              <a:bodyPr/>
+              <a:lstStyle/>
+              <a:p>
+                <a:r>
+                  <a:rPr lang="en-GB">
+                    <a:noFill/>
+                  </a:rPr>
+                  <a:t> </a:t>
+                </a:r>
+              </a:p>
+            </p:txBody>
+          </p:sp>
+        </mc:Fallback>
+      </mc:AlternateContent>
       <p:sp>
         <p:nvSpPr>
           <p:cNvPr id="4" name="Footer Placeholder 3">
@@ -11007,7 +12536,7 @@
           <a:lstStyle/>
           <a:p>
             <a:r>
-              <a:rPr lang="en-GB"/>
+              <a:rPr lang="en-GB" dirty="0"/>
               <a:t>Context-aware advertisement recommendation for high-speed social news feeding</a:t>
             </a:r>
             <a:endParaRPr lang="en-US" dirty="0"/>
@@ -11036,7 +12565,7 @@
           <a:lstStyle/>
           <a:p>
             <a:r>
-              <a:rPr lang="en-CH"/>
+              <a:rPr lang="en-CH" dirty="0"/>
               <a:t>13/12/2017</a:t>
             </a:r>
             <a:endParaRPr lang="en-US" dirty="0"/>
@@ -11066,7 +12595,7 @@
           <a:p>
             <a:fld id="{E31375A4-56A4-47D6-9801-1991572033F7}" type="slidenum">
               <a:rPr lang="en-US" smtClean="0"/>
-              <a:t>13</a:t>
+              <a:t>14</a:t>
             </a:fld>
             <a:endParaRPr lang="en-US" dirty="0"/>
           </a:p>
@@ -11076,6 +12605,746 @@
     <p:extLst>
       <p:ext uri="{BB962C8B-B14F-4D97-AF65-F5344CB8AC3E}">
         <p14:creationId xmlns:p14="http://schemas.microsoft.com/office/powerpoint/2010/main" val="4237350263"/>
+      </p:ext>
+    </p:extLst>
+  </p:cSld>
+  <p:clrMapOvr>
+    <a:masterClrMapping/>
+  </p:clrMapOvr>
+  <mc:AlternateContent xmlns:mc="http://schemas.openxmlformats.org/markup-compatibility/2006" xmlns:p14="http://schemas.microsoft.com/office/powerpoint/2010/main">
+    <mc:Choice Requires="p14">
+      <p:transition spd="med" p14:dur="700">
+        <p:fade/>
+      </p:transition>
+    </mc:Choice>
+    <mc:Fallback xmlns="">
+      <p:transition spd="med">
+        <p:fade/>
+      </p:transition>
+    </mc:Fallback>
+  </mc:AlternateContent>
+</p:sld>
+</file>
+
+<file path=ppt/slides/slide15.xml><?xml version="1.0" encoding="utf-8"?>
+<p:sld xmlns:a="http://schemas.openxmlformats.org/drawingml/2006/main" xmlns:r="http://schemas.openxmlformats.org/officeDocument/2006/relationships" xmlns:p="http://schemas.openxmlformats.org/presentationml/2006/main">
+  <p:cSld>
+    <p:spTree>
+      <p:nvGrpSpPr>
+        <p:cNvPr id="1" name=""/>
+        <p:cNvGrpSpPr/>
+        <p:nvPr/>
+      </p:nvGrpSpPr>
+      <p:grpSpPr>
+        <a:xfrm>
+          <a:off x="0" y="0"/>
+          <a:ext cx="0" cy="0"/>
+          <a:chOff x="0" y="0"/>
+          <a:chExt cx="0" cy="0"/>
+        </a:xfrm>
+      </p:grpSpPr>
+      <p:sp>
+        <p:nvSpPr>
+          <p:cNvPr id="2" name="Title 1">
+            <a:extLst>
+              <a:ext uri="{FF2B5EF4-FFF2-40B4-BE49-F238E27FC236}">
+                <a16:creationId xmlns:a16="http://schemas.microsoft.com/office/drawing/2014/main" id="{709467A9-544F-4814-9C4E-22B36D7D4C56}"/>
+              </a:ext>
+            </a:extLst>
+          </p:cNvPr>
+          <p:cNvSpPr>
+            <a:spLocks noGrp="1"/>
+          </p:cNvSpPr>
+          <p:nvPr>
+            <p:ph type="title"/>
+          </p:nvPr>
+        </p:nvSpPr>
+        <p:spPr/>
+        <p:txBody>
+          <a:bodyPr/>
+          <a:lstStyle/>
+          <a:p>
+            <a:r>
+              <a:rPr lang="de-CH" dirty="0"/>
+              <a:t>4. Hybrid model 2/2</a:t>
+            </a:r>
+            <a:endParaRPr lang="en-GB" dirty="0"/>
+          </a:p>
+        </p:txBody>
+      </p:sp>
+      <mc:AlternateContent xmlns:mc="http://schemas.openxmlformats.org/markup-compatibility/2006">
+        <mc:Choice xmlns:a14="http://schemas.microsoft.com/office/drawing/2010/main" Requires="a14">
+          <p:sp>
+            <p:nvSpPr>
+              <p:cNvPr id="3" name="Content Placeholder 2">
+                <a:extLst>
+                  <a:ext uri="{FF2B5EF4-FFF2-40B4-BE49-F238E27FC236}">
+                    <a16:creationId xmlns:a16="http://schemas.microsoft.com/office/drawing/2014/main" id="{5A9FE4AE-1FA6-4134-9ACF-79A929F4FEA6}"/>
+                  </a:ext>
+                </a:extLst>
+              </p:cNvPr>
+              <p:cNvSpPr>
+                <a:spLocks noGrp="1"/>
+              </p:cNvSpPr>
+              <p:nvPr>
+                <p:ph idx="1"/>
+              </p:nvPr>
+            </p:nvSpPr>
+            <p:spPr/>
+            <p:txBody>
+              <a:bodyPr>
+                <a:noAutofit/>
+              </a:bodyPr>
+              <a:lstStyle/>
+              <a:p>
+                <a:pPr>
+                  <a:lnSpc>
+                    <a:spcPct val="150000"/>
+                  </a:lnSpc>
+                  <a:spcBef>
+                    <a:spcPts val="0"/>
+                  </a:spcBef>
+                </a:pPr>
+                <a:r>
+                  <a:rPr lang="en-GB" dirty="0"/>
+                  <a:t>The ratio of the read frequency of user v to the write frequency of v’s neighbours will also affect the retrieval strategy selection and is ignored in the above model.</a:t>
+                </a:r>
+              </a:p>
+              <a:p>
+                <a:pPr>
+                  <a:lnSpc>
+                    <a:spcPct val="150000"/>
+                  </a:lnSpc>
+                  <a:spcBef>
+                    <a:spcPts val="0"/>
+                  </a:spcBef>
+                </a:pPr>
+                <a14:m>
+                  <m:oMath xmlns:m="http://schemas.openxmlformats.org/officeDocument/2006/math">
+                    <m:r>
+                      <m:rPr>
+                        <m:sty m:val="p"/>
+                      </m:rPr>
+                      <a:rPr lang="de-CH" b="0" i="0" smtClean="0">
+                        <a:latin typeface="Cambria Math" panose="02040503050406030204" pitchFamily="18" charset="0"/>
+                      </a:rPr>
+                      <m:t>p</m:t>
+                    </m:r>
+                    <m:r>
+                      <a:rPr lang="de-CH" b="0" i="0" baseline="20000" smtClean="0">
+                        <a:latin typeface="Cambria Math" panose="02040503050406030204" pitchFamily="18" charset="0"/>
+                      </a:rPr>
+                      <m:t>∗</m:t>
+                    </m:r>
+                    <m:d>
+                      <m:dPr>
+                        <m:ctrlPr>
+                          <a:rPr lang="de-CH" b="0" i="1" smtClean="0">
+                            <a:latin typeface="Cambria Math" panose="02040503050406030204" pitchFamily="18" charset="0"/>
+                          </a:rPr>
+                        </m:ctrlPr>
+                      </m:dPr>
+                      <m:e>
+                        <m:r>
+                          <m:rPr>
+                            <m:sty m:val="p"/>
+                          </m:rPr>
+                          <a:rPr lang="de-CH" b="0" i="0" smtClean="0">
+                            <a:latin typeface="Cambria Math" panose="02040503050406030204" pitchFamily="18" charset="0"/>
+                          </a:rPr>
+                          <m:t>v</m:t>
+                        </m:r>
+                      </m:e>
+                    </m:d>
+                    <m:r>
+                      <a:rPr lang="de-CH" b="0" i="0" smtClean="0">
+                        <a:latin typeface="Cambria Math" panose="02040503050406030204" pitchFamily="18" charset="0"/>
+                      </a:rPr>
+                      <m:t>=</m:t>
+                    </m:r>
+                    <m:f>
+                      <m:fPr>
+                        <m:ctrlPr>
+                          <a:rPr lang="en-GB" i="1">
+                            <a:latin typeface="Cambria Math" panose="02040503050406030204" pitchFamily="18" charset="0"/>
+                          </a:rPr>
+                        </m:ctrlPr>
+                      </m:fPr>
+                      <m:num>
+                        <m:nary>
+                          <m:naryPr>
+                            <m:chr m:val="∑"/>
+                            <m:supHide m:val="on"/>
+                            <m:ctrlPr>
+                              <a:rPr lang="en-GB" i="1">
+                                <a:latin typeface="Cambria Math" panose="02040503050406030204" pitchFamily="18" charset="0"/>
+                              </a:rPr>
+                            </m:ctrlPr>
+                          </m:naryPr>
+                          <m:sub>
+                            <m:r>
+                              <m:rPr>
+                                <m:sty m:val="p"/>
+                                <m:brk m:alnAt="7"/>
+                              </m:rPr>
+                              <a:rPr lang="de-CH" i="0" smtClean="0">
+                                <a:latin typeface="Cambria Math" panose="02040503050406030204" pitchFamily="18" charset="0"/>
+                              </a:rPr>
+                              <m:t>n</m:t>
+                            </m:r>
+                            <m:r>
+                              <a:rPr lang="de-CH" i="0">
+                                <a:latin typeface="Cambria Math" panose="02040503050406030204" pitchFamily="18" charset="0"/>
+                              </a:rPr>
+                              <m:t>∈</m:t>
+                            </m:r>
+                            <m:r>
+                              <m:rPr>
+                                <m:sty m:val="p"/>
+                              </m:rPr>
+                              <a:rPr lang="de-CH" i="0">
+                                <a:latin typeface="Cambria Math" panose="02040503050406030204" pitchFamily="18" charset="0"/>
+                              </a:rPr>
+                              <m:t>N</m:t>
+                            </m:r>
+                            <m:r>
+                              <a:rPr lang="de-CH" i="0">
+                                <a:latin typeface="Cambria Math" panose="02040503050406030204" pitchFamily="18" charset="0"/>
+                              </a:rPr>
+                              <m:t>(</m:t>
+                            </m:r>
+                            <m:r>
+                              <m:rPr>
+                                <m:sty m:val="p"/>
+                              </m:rPr>
+                              <a:rPr lang="de-CH" i="0">
+                                <a:latin typeface="Cambria Math" panose="02040503050406030204" pitchFamily="18" charset="0"/>
+                              </a:rPr>
+                              <m:t>v</m:t>
+                            </m:r>
+                            <m:r>
+                              <a:rPr lang="de-CH" i="0">
+                                <a:latin typeface="Cambria Math" panose="02040503050406030204" pitchFamily="18" charset="0"/>
+                              </a:rPr>
+                              <m:t>)</m:t>
+                            </m:r>
+                          </m:sub>
+                          <m:sup/>
+                          <m:e>
+                            <m:r>
+                              <m:rPr>
+                                <m:nor/>
+                              </m:rPr>
+                              <a:rPr lang="el-GR">
+                                <a:latin typeface="Cambria Math" panose="02040503050406030204" pitchFamily="18" charset="0"/>
+                              </a:rPr>
+                              <m:t>λ</m:t>
+                            </m:r>
+                            <m:r>
+                              <m:rPr>
+                                <m:nor/>
+                              </m:rPr>
+                              <a:rPr lang="en-GB">
+                                <a:latin typeface="Cambria Math" panose="02040503050406030204" pitchFamily="18" charset="0"/>
+                              </a:rPr>
+                              <m:t>n</m:t>
+                            </m:r>
+                          </m:e>
+                        </m:nary>
+                      </m:num>
+                      <m:den>
+                        <m:r>
+                          <m:rPr>
+                            <m:nor/>
+                          </m:rPr>
+                          <a:rPr lang="el-GR">
+                            <a:latin typeface="Cambria Math" panose="02040503050406030204" pitchFamily="18" charset="0"/>
+                          </a:rPr>
+                          <m:t>η</m:t>
+                        </m:r>
+                        <m:r>
+                          <m:rPr>
+                            <m:nor/>
+                          </m:rPr>
+                          <a:rPr lang="en-GB">
+                            <a:latin typeface="Cambria Math" panose="02040503050406030204" pitchFamily="18" charset="0"/>
+                          </a:rPr>
+                          <m:t>v</m:t>
+                        </m:r>
+                      </m:den>
+                    </m:f>
+                  </m:oMath>
+                </a14:m>
+                <a:r>
+                  <a:rPr lang="en-GB" dirty="0">
+                    <a:latin typeface="Cambria Math" panose="02040503050406030204" pitchFamily="18" charset="0"/>
+                  </a:rPr>
+                  <a:t>.p(v)</a:t>
+                </a:r>
+              </a:p>
+              <a:p>
+                <a:pPr>
+                  <a:lnSpc>
+                    <a:spcPct val="150000"/>
+                  </a:lnSpc>
+                  <a:spcBef>
+                    <a:spcPts val="0"/>
+                  </a:spcBef>
+                </a:pPr>
+                <a:r>
+                  <a:rPr lang="en-GB" dirty="0"/>
+                  <a:t>We can use ρ</a:t>
+                </a:r>
+                <a:r>
+                  <a:rPr lang="en-GB" baseline="30000" dirty="0"/>
+                  <a:t>∗</a:t>
+                </a:r>
+                <a:r>
+                  <a:rPr lang="en-GB" dirty="0"/>
+                  <a:t>(v) to determine the retrieval strategy</a:t>
+                </a:r>
+                <a:r>
+                  <a:rPr lang="ar-SY" dirty="0"/>
+                  <a:t> </a:t>
+                </a:r>
+                <a:r>
+                  <a:rPr lang="en-GB" dirty="0"/>
+                  <a:t>for user v. </a:t>
+                </a:r>
+              </a:p>
+              <a:p>
+                <a:pPr lvl="1">
+                  <a:lnSpc>
+                    <a:spcPct val="150000"/>
+                  </a:lnSpc>
+                  <a:spcBef>
+                    <a:spcPts val="0"/>
+                  </a:spcBef>
+                </a:pPr>
+                <a:r>
+                  <a:rPr lang="en-GB" dirty="0"/>
+                  <a:t>If ρ</a:t>
+                </a:r>
+                <a:r>
+                  <a:rPr lang="en-GB" baseline="30000" dirty="0"/>
+                  <a:t>∗</a:t>
+                </a:r>
+                <a:r>
+                  <a:rPr lang="en-GB" dirty="0"/>
+                  <a:t>(v) &lt; ρ</a:t>
+                </a:r>
+                <a:r>
+                  <a:rPr lang="en-GB" baseline="-25000" dirty="0"/>
+                  <a:t>max</a:t>
+                </a:r>
+                <a:r>
+                  <a:rPr lang="en-GB" dirty="0"/>
+                  <a:t>, we adopt the </a:t>
+                </a:r>
+                <a:r>
+                  <a:rPr lang="en-GB" i="1" dirty="0"/>
+                  <a:t>safe region </a:t>
+                </a:r>
+                <a:r>
+                  <a:rPr lang="en-GB" dirty="0"/>
+                  <a:t>strategy for user v</a:t>
+                </a:r>
+              </a:p>
+              <a:p>
+                <a:pPr lvl="1">
+                  <a:lnSpc>
+                    <a:spcPct val="150000"/>
+                  </a:lnSpc>
+                  <a:spcBef>
+                    <a:spcPts val="0"/>
+                  </a:spcBef>
+                </a:pPr>
+                <a:r>
+                  <a:rPr lang="en-GB" dirty="0"/>
+                  <a:t>Otherwise </a:t>
+                </a:r>
+                <a:r>
+                  <a:rPr lang="en-GB" i="1" dirty="0"/>
+                  <a:t>online retrieval </a:t>
+                </a:r>
+                <a:r>
+                  <a:rPr lang="en-GB" dirty="0"/>
+                  <a:t>is used when v logins/refreshes its personal social page.</a:t>
+                </a:r>
+              </a:p>
+              <a:p>
+                <a:pPr>
+                  <a:lnSpc>
+                    <a:spcPct val="150000"/>
+                  </a:lnSpc>
+                  <a:spcBef>
+                    <a:spcPts val="0"/>
+                  </a:spcBef>
+                </a:pPr>
+                <a:r>
+                  <a:rPr lang="en-GB" dirty="0"/>
+                  <a:t>According to some experiments the hybrid model has outperform the GSR by 30x and the online retrieval by 11x. </a:t>
+                </a:r>
+              </a:p>
+              <a:p>
+                <a:pPr>
+                  <a:lnSpc>
+                    <a:spcPct val="150000"/>
+                  </a:lnSpc>
+                  <a:spcBef>
+                    <a:spcPts val="0"/>
+                  </a:spcBef>
+                </a:pPr>
+                <a:endParaRPr lang="en-GB" dirty="0">
+                  <a:latin typeface="Cambria Math" panose="02040503050406030204" pitchFamily="18" charset="0"/>
+                </a:endParaRPr>
+              </a:p>
+            </p:txBody>
+          </p:sp>
+        </mc:Choice>
+        <mc:Fallback>
+          <p:sp>
+            <p:nvSpPr>
+              <p:cNvPr id="3" name="Content Placeholder 2">
+                <a:extLst>
+                  <a:ext uri="{FF2B5EF4-FFF2-40B4-BE49-F238E27FC236}">
+                    <a16:creationId xmlns:a16="http://schemas.microsoft.com/office/drawing/2014/main" id="{5A9FE4AE-1FA6-4134-9ACF-79A929F4FEA6}"/>
+                  </a:ext>
+                </a:extLst>
+              </p:cNvPr>
+              <p:cNvSpPr>
+                <a:spLocks noGrp="1" noRot="1" noChangeAspect="1" noMove="1" noResize="1" noEditPoints="1" noAdjustHandles="1" noChangeArrowheads="1" noChangeShapeType="1" noTextEdit="1"/>
+              </p:cNvSpPr>
+              <p:nvPr>
+                <p:ph idx="1"/>
+              </p:nvPr>
+            </p:nvSpPr>
+            <p:spPr>
+              <a:blipFill>
+                <a:blip r:embed="rId2"/>
+                <a:stretch>
+                  <a:fillRect l="-571" r="-825" b="-8320"/>
+                </a:stretch>
+              </a:blipFill>
+            </p:spPr>
+            <p:txBody>
+              <a:bodyPr/>
+              <a:lstStyle/>
+              <a:p>
+                <a:r>
+                  <a:rPr lang="en-GB">
+                    <a:noFill/>
+                  </a:rPr>
+                  <a:t> </a:t>
+                </a:r>
+              </a:p>
+            </p:txBody>
+          </p:sp>
+        </mc:Fallback>
+      </mc:AlternateContent>
+      <p:sp>
+        <p:nvSpPr>
+          <p:cNvPr id="4" name="Footer Placeholder 3">
+            <a:extLst>
+              <a:ext uri="{FF2B5EF4-FFF2-40B4-BE49-F238E27FC236}">
+                <a16:creationId xmlns:a16="http://schemas.microsoft.com/office/drawing/2014/main" id="{CD7AB38B-AC1D-4EA8-80B2-A46893D34343}"/>
+              </a:ext>
+            </a:extLst>
+          </p:cNvPr>
+          <p:cNvSpPr>
+            <a:spLocks noGrp="1"/>
+          </p:cNvSpPr>
+          <p:nvPr>
+            <p:ph type="ftr" sz="quarter" idx="11"/>
+          </p:nvPr>
+        </p:nvSpPr>
+        <p:spPr/>
+        <p:txBody>
+          <a:bodyPr/>
+          <a:lstStyle/>
+          <a:p>
+            <a:r>
+              <a:rPr lang="en-GB" dirty="0"/>
+              <a:t>Context-aware advertisement recommendation for high-speed social news feeding</a:t>
+            </a:r>
+            <a:endParaRPr lang="en-US" dirty="0"/>
+          </a:p>
+        </p:txBody>
+      </p:sp>
+      <p:sp>
+        <p:nvSpPr>
+          <p:cNvPr id="5" name="Date Placeholder 4">
+            <a:extLst>
+              <a:ext uri="{FF2B5EF4-FFF2-40B4-BE49-F238E27FC236}">
+                <a16:creationId xmlns:a16="http://schemas.microsoft.com/office/drawing/2014/main" id="{F1EA45F3-47A0-45E6-BE91-2733537B0438}"/>
+              </a:ext>
+            </a:extLst>
+          </p:cNvPr>
+          <p:cNvSpPr>
+            <a:spLocks noGrp="1"/>
+          </p:cNvSpPr>
+          <p:nvPr>
+            <p:ph type="dt" sz="half" idx="10"/>
+          </p:nvPr>
+        </p:nvSpPr>
+        <p:spPr/>
+        <p:txBody>
+          <a:bodyPr/>
+          <a:lstStyle/>
+          <a:p>
+            <a:r>
+              <a:rPr lang="en-CH" dirty="0"/>
+              <a:t>13/12/2017</a:t>
+            </a:r>
+            <a:endParaRPr lang="en-US" dirty="0"/>
+          </a:p>
+        </p:txBody>
+      </p:sp>
+      <p:sp>
+        <p:nvSpPr>
+          <p:cNvPr id="6" name="Slide Number Placeholder 5">
+            <a:extLst>
+              <a:ext uri="{FF2B5EF4-FFF2-40B4-BE49-F238E27FC236}">
+                <a16:creationId xmlns:a16="http://schemas.microsoft.com/office/drawing/2014/main" id="{A767AFAA-FF82-40EA-BA8B-206F5F008995}"/>
+              </a:ext>
+            </a:extLst>
+          </p:cNvPr>
+          <p:cNvSpPr>
+            <a:spLocks noGrp="1"/>
+          </p:cNvSpPr>
+          <p:nvPr>
+            <p:ph type="sldNum" sz="quarter" idx="12"/>
+          </p:nvPr>
+        </p:nvSpPr>
+        <p:spPr/>
+        <p:txBody>
+          <a:bodyPr/>
+          <a:lstStyle/>
+          <a:p>
+            <a:fld id="{E31375A4-56A4-47D6-9801-1991572033F7}" type="slidenum">
+              <a:rPr lang="en-US" smtClean="0"/>
+              <a:t>15</a:t>
+            </a:fld>
+            <a:endParaRPr lang="en-US" dirty="0"/>
+          </a:p>
+        </p:txBody>
+      </p:sp>
+    </p:spTree>
+    <p:extLst>
+      <p:ext uri="{BB962C8B-B14F-4D97-AF65-F5344CB8AC3E}">
+        <p14:creationId xmlns:p14="http://schemas.microsoft.com/office/powerpoint/2010/main" val="804328084"/>
+      </p:ext>
+    </p:extLst>
+  </p:cSld>
+  <p:clrMapOvr>
+    <a:masterClrMapping/>
+  </p:clrMapOvr>
+  <mc:AlternateContent xmlns:mc="http://schemas.openxmlformats.org/markup-compatibility/2006" xmlns:p14="http://schemas.microsoft.com/office/powerpoint/2010/main">
+    <mc:Choice Requires="p14">
+      <p:transition spd="med" p14:dur="700">
+        <p:fade/>
+      </p:transition>
+    </mc:Choice>
+    <mc:Fallback xmlns="">
+      <p:transition spd="med">
+        <p:fade/>
+      </p:transition>
+    </mc:Fallback>
+  </mc:AlternateContent>
+</p:sld>
+</file>
+
+<file path=ppt/slides/slide16.xml><?xml version="1.0" encoding="utf-8"?>
+<p:sld xmlns:a="http://schemas.openxmlformats.org/drawingml/2006/main" xmlns:r="http://schemas.openxmlformats.org/officeDocument/2006/relationships" xmlns:p="http://schemas.openxmlformats.org/presentationml/2006/main">
+  <p:cSld>
+    <p:spTree>
+      <p:nvGrpSpPr>
+        <p:cNvPr id="1" name=""/>
+        <p:cNvGrpSpPr/>
+        <p:nvPr/>
+      </p:nvGrpSpPr>
+      <p:grpSpPr>
+        <a:xfrm>
+          <a:off x="0" y="0"/>
+          <a:ext cx="0" cy="0"/>
+          <a:chOff x="0" y="0"/>
+          <a:chExt cx="0" cy="0"/>
+        </a:xfrm>
+      </p:grpSpPr>
+      <p:sp>
+        <p:nvSpPr>
+          <p:cNvPr id="2" name="Title 1">
+            <a:extLst>
+              <a:ext uri="{FF2B5EF4-FFF2-40B4-BE49-F238E27FC236}">
+                <a16:creationId xmlns:a16="http://schemas.microsoft.com/office/drawing/2014/main" id="{DDDF5C60-22B7-4D3A-9DBE-4DC8F9FD9380}"/>
+              </a:ext>
+            </a:extLst>
+          </p:cNvPr>
+          <p:cNvSpPr>
+            <a:spLocks noGrp="1"/>
+          </p:cNvSpPr>
+          <p:nvPr>
+            <p:ph type="title"/>
+          </p:nvPr>
+        </p:nvSpPr>
+        <p:spPr/>
+        <p:txBody>
+          <a:bodyPr/>
+          <a:lstStyle/>
+          <a:p>
+            <a:r>
+              <a:rPr lang="en-GB" dirty="0"/>
+              <a:t>5. Conclusion</a:t>
+            </a:r>
+          </a:p>
+        </p:txBody>
+      </p:sp>
+      <p:sp>
+        <p:nvSpPr>
+          <p:cNvPr id="3" name="Content Placeholder 2">
+            <a:extLst>
+              <a:ext uri="{FF2B5EF4-FFF2-40B4-BE49-F238E27FC236}">
+                <a16:creationId xmlns:a16="http://schemas.microsoft.com/office/drawing/2014/main" id="{A191865A-A87B-4201-99A3-D3C6583EDC1D}"/>
+              </a:ext>
+            </a:extLst>
+          </p:cNvPr>
+          <p:cNvSpPr>
+            <a:spLocks noGrp="1"/>
+          </p:cNvSpPr>
+          <p:nvPr>
+            <p:ph idx="1"/>
+          </p:nvPr>
+        </p:nvSpPr>
+        <p:spPr/>
+        <p:txBody>
+          <a:bodyPr/>
+          <a:lstStyle/>
+          <a:p>
+            <a:pPr>
+              <a:lnSpc>
+                <a:spcPct val="150000"/>
+              </a:lnSpc>
+            </a:pPr>
+            <a:r>
+              <a:rPr lang="en-GB" dirty="0"/>
+              <a:t>As we have seen the hybrid model has combined, the metrices of both GSR and the online, as well as provide a mechanism to choose the proper one, when the user asks for his news feed.</a:t>
+            </a:r>
+          </a:p>
+          <a:p>
+            <a:pPr>
+              <a:lnSpc>
+                <a:spcPct val="150000"/>
+              </a:lnSpc>
+            </a:pPr>
+            <a:r>
+              <a:rPr lang="en-GB" dirty="0"/>
+              <a:t>As we have seen before it out performs both of the two algorithms.</a:t>
+            </a:r>
+          </a:p>
+          <a:p>
+            <a:pPr>
+              <a:lnSpc>
+                <a:spcPct val="150000"/>
+              </a:lnSpc>
+            </a:pPr>
+            <a:r>
+              <a:rPr lang="en-GB" dirty="0"/>
+              <a:t>According to many experiments on huge datasets, the hybrid model has proved to be efficient and robust. </a:t>
+            </a:r>
+          </a:p>
+        </p:txBody>
+      </p:sp>
+      <p:sp>
+        <p:nvSpPr>
+          <p:cNvPr id="4" name="Footer Placeholder 3">
+            <a:extLst>
+              <a:ext uri="{FF2B5EF4-FFF2-40B4-BE49-F238E27FC236}">
+                <a16:creationId xmlns:a16="http://schemas.microsoft.com/office/drawing/2014/main" id="{B8E7FF01-F34C-4FF1-91C5-332566F918A7}"/>
+              </a:ext>
+            </a:extLst>
+          </p:cNvPr>
+          <p:cNvSpPr>
+            <a:spLocks noGrp="1"/>
+          </p:cNvSpPr>
+          <p:nvPr>
+            <p:ph type="ftr" sz="quarter" idx="11"/>
+          </p:nvPr>
+        </p:nvSpPr>
+        <p:spPr/>
+        <p:txBody>
+          <a:bodyPr/>
+          <a:lstStyle/>
+          <a:p>
+            <a:r>
+              <a:rPr lang="en-GB" dirty="0"/>
+              <a:t>Context-aware advertisement recommendation for high-speed social news feeding</a:t>
+            </a:r>
+            <a:endParaRPr lang="en-US" dirty="0"/>
+          </a:p>
+        </p:txBody>
+      </p:sp>
+      <p:sp>
+        <p:nvSpPr>
+          <p:cNvPr id="5" name="Date Placeholder 4">
+            <a:extLst>
+              <a:ext uri="{FF2B5EF4-FFF2-40B4-BE49-F238E27FC236}">
+                <a16:creationId xmlns:a16="http://schemas.microsoft.com/office/drawing/2014/main" id="{BFD9169D-BC82-4EF3-9238-5C854F44D282}"/>
+              </a:ext>
+            </a:extLst>
+          </p:cNvPr>
+          <p:cNvSpPr>
+            <a:spLocks noGrp="1"/>
+          </p:cNvSpPr>
+          <p:nvPr>
+            <p:ph type="dt" sz="half" idx="10"/>
+          </p:nvPr>
+        </p:nvSpPr>
+        <p:spPr/>
+        <p:txBody>
+          <a:bodyPr/>
+          <a:lstStyle/>
+          <a:p>
+            <a:r>
+              <a:rPr lang="en-CH" dirty="0"/>
+              <a:t>13/12/2017</a:t>
+            </a:r>
+            <a:endParaRPr lang="en-US" dirty="0"/>
+          </a:p>
+        </p:txBody>
+      </p:sp>
+      <p:sp>
+        <p:nvSpPr>
+          <p:cNvPr id="6" name="Slide Number Placeholder 5">
+            <a:extLst>
+              <a:ext uri="{FF2B5EF4-FFF2-40B4-BE49-F238E27FC236}">
+                <a16:creationId xmlns:a16="http://schemas.microsoft.com/office/drawing/2014/main" id="{4FAA4052-AF11-49F8-AF8D-35BA27CC5A28}"/>
+              </a:ext>
+            </a:extLst>
+          </p:cNvPr>
+          <p:cNvSpPr>
+            <a:spLocks noGrp="1"/>
+          </p:cNvSpPr>
+          <p:nvPr>
+            <p:ph type="sldNum" sz="quarter" idx="12"/>
+          </p:nvPr>
+        </p:nvSpPr>
+        <p:spPr/>
+        <p:txBody>
+          <a:bodyPr/>
+          <a:lstStyle/>
+          <a:p>
+            <a:fld id="{E31375A4-56A4-47D6-9801-1991572033F7}" type="slidenum">
+              <a:rPr lang="en-US" smtClean="0"/>
+              <a:t>16</a:t>
+            </a:fld>
+            <a:endParaRPr lang="en-US" dirty="0"/>
+          </a:p>
+        </p:txBody>
+      </p:sp>
+    </p:spTree>
+    <p:extLst>
+      <p:ext uri="{BB962C8B-B14F-4D97-AF65-F5344CB8AC3E}">
+        <p14:creationId xmlns:p14="http://schemas.microsoft.com/office/powerpoint/2010/main" val="3239404203"/>
       </p:ext>
     </p:extLst>
   </p:cSld>
@@ -11156,7 +13425,7 @@
               <a:buAutoNum type="arabicPeriod"/>
             </a:pPr>
             <a:r>
-              <a:rPr lang="de-CH"/>
+              <a:rPr lang="de-CH" dirty="0"/>
               <a:t>Introduction </a:t>
             </a:r>
           </a:p>
@@ -11166,7 +13435,7 @@
               <a:buAutoNum type="arabicPeriod"/>
             </a:pPr>
             <a:r>
-              <a:rPr lang="de-CH"/>
+              <a:rPr lang="de-CH" dirty="0"/>
               <a:t>Related work</a:t>
             </a:r>
             <a:r>
@@ -11377,8 +13646,8 @@
           <a:lstStyle/>
           <a:p>
             <a:r>
-              <a:rPr lang="de-CH"/>
-              <a:t>introduction</a:t>
+              <a:rPr lang="de-CH" dirty="0"/>
+              <a:t>1. Introduction</a:t>
             </a:r>
             <a:endParaRPr lang="en-CH" dirty="0"/>
           </a:p>
@@ -11407,92 +13676,60 @@
           </a:bodyPr>
           <a:lstStyle/>
           <a:p>
-            <a:pPr marL="457200" indent="-457200">
-              <a:buFont typeface="+mj-lt"/>
-              <a:buAutoNum type="arabicPeriod"/>
-            </a:pPr>
-            <a:r>
-              <a:rPr lang="de-CH"/>
-              <a:t>Soicial media Advertisements</a:t>
-            </a:r>
-          </a:p>
-          <a:p>
-            <a:pPr marL="457200" indent="-457200">
-              <a:buFont typeface="+mj-lt"/>
-              <a:buAutoNum type="arabicPeriod"/>
-            </a:pPr>
-            <a:r>
-              <a:rPr lang="de-CH"/>
+            <a:r>
+              <a:rPr lang="de-CH" dirty="0"/>
+              <a:t>Social media advertisements</a:t>
+            </a:r>
+          </a:p>
+          <a:p>
+            <a:r>
+              <a:rPr lang="de-CH" dirty="0"/>
               <a:t>Facebook or Twitter</a:t>
             </a:r>
           </a:p>
           <a:p>
-            <a:pPr marL="685800" lvl="1" indent="-457200">
-              <a:buFont typeface="+mj-lt"/>
-              <a:buAutoNum type="arabicPeriod"/>
-            </a:pPr>
-            <a:r>
-              <a:rPr lang="de-CH"/>
+            <a:pPr marL="685800" lvl="1" indent="-457200"/>
+            <a:r>
+              <a:rPr lang="de-CH" dirty="0"/>
               <a:t>Major revenue</a:t>
             </a:r>
           </a:p>
           <a:p>
-            <a:pPr marL="457200" indent="-457200">
-              <a:buFont typeface="+mj-lt"/>
-              <a:buAutoNum type="arabicPeriod"/>
-            </a:pPr>
             <a:r>
               <a:rPr lang="en-GB" dirty="0"/>
               <a:t>the National University of Singapore.</a:t>
             </a:r>
           </a:p>
           <a:p>
-            <a:pPr marL="685800" lvl="1" indent="-457200">
-              <a:buFont typeface="+mj-lt"/>
-              <a:buAutoNum type="arabicPeriod"/>
-            </a:pPr>
-            <a:r>
-              <a:rPr lang="de-CH"/>
+            <a:pPr marL="685800" lvl="1" indent="-457200"/>
+            <a:r>
+              <a:rPr lang="de-CH" dirty="0"/>
               <a:t>Static and dynamic user interests.</a:t>
             </a:r>
             <a:endParaRPr lang="en-GB" dirty="0"/>
           </a:p>
           <a:p>
-            <a:pPr marL="685800" lvl="1" indent="-457200">
-              <a:buFont typeface="+mj-lt"/>
-              <a:buAutoNum type="arabicPeriod"/>
-            </a:pPr>
+            <a:pPr marL="685800" lvl="1" indent="-457200"/>
             <a:r>
               <a:rPr lang="en-GB" dirty="0"/>
               <a:t>Hybrid model</a:t>
             </a:r>
-            <a:endParaRPr lang="de-CH"/>
-          </a:p>
-          <a:p>
-            <a:pPr marL="457200" indent="-457200">
-              <a:buFont typeface="+mj-lt"/>
-              <a:buAutoNum type="arabicPeriod"/>
-            </a:pPr>
-            <a:r>
-              <a:rPr lang="de-CH"/>
+            <a:endParaRPr lang="de-CH" dirty="0"/>
+          </a:p>
+          <a:p>
+            <a:r>
+              <a:rPr lang="de-CH" dirty="0"/>
               <a:t>Challenges</a:t>
             </a:r>
           </a:p>
           <a:p>
-            <a:pPr marL="685800" lvl="1" indent="-457200">
-              <a:buFont typeface="+mj-lt"/>
-              <a:buAutoNum type="arabicPeriod"/>
-            </a:pPr>
+            <a:pPr marL="685800" lvl="1" indent="-457200"/>
             <a:r>
               <a:rPr lang="en-GB" dirty="0"/>
               <a:t>efficient, real time, less annoying, drive growth  </a:t>
             </a:r>
           </a:p>
           <a:p>
-            <a:pPr marL="457200" indent="-457200">
-              <a:buFont typeface="+mj-lt"/>
-              <a:buAutoNum type="arabicPeriod"/>
-            </a:pPr>
             <a:endParaRPr lang="en-GB" dirty="0"/>
           </a:p>
         </p:txBody>
@@ -11643,7 +13880,7 @@
           <a:p>
             <a:r>
               <a:rPr lang="en-US" dirty="0"/>
-              <a:t>Related work:</a:t>
+              <a:t>2. Related work</a:t>
             </a:r>
           </a:p>
         </p:txBody>
@@ -11756,45 +13993,29 @@
           <a:bodyPr/>
           <a:lstStyle/>
           <a:p>
-            <a:pPr marL="457200" indent="-457200">
-              <a:buFont typeface="+mj-lt"/>
-              <a:buAutoNum type="arabicPeriod"/>
-            </a:pPr>
-            <a:r>
-              <a:rPr lang="de-CH"/>
+            <a:r>
+              <a:rPr lang="de-CH" dirty="0"/>
               <a:t>Pub/Sub System</a:t>
             </a:r>
           </a:p>
           <a:p>
-            <a:pPr marL="457200" indent="-457200">
-              <a:buFont typeface="+mj-lt"/>
-              <a:buAutoNum type="arabicPeriod"/>
-            </a:pPr>
-            <a:r>
-              <a:rPr lang="de-CH"/>
+            <a:r>
+              <a:rPr lang="de-CH" dirty="0"/>
               <a:t>Top-K Aggregation Query </a:t>
             </a:r>
           </a:p>
           <a:p>
-            <a:pPr marL="457200" indent="-457200">
-              <a:buFont typeface="+mj-lt"/>
-              <a:buAutoNum type="arabicPeriod"/>
-            </a:pPr>
-            <a:r>
-              <a:rPr lang="de-CH"/>
+            <a:r>
+              <a:rPr lang="de-CH" dirty="0"/>
               <a:t>Local immutable region </a:t>
             </a:r>
           </a:p>
           <a:p>
-            <a:pPr marL="457200" indent="-457200">
-              <a:buFont typeface="+mj-lt"/>
-              <a:buAutoNum type="arabicPeriod"/>
-            </a:pPr>
-            <a:r>
-              <a:rPr lang="de-CH"/>
+            <a:r>
+              <a:rPr lang="de-CH" dirty="0"/>
               <a:t>Global immutable region</a:t>
             </a:r>
-            <a:endParaRPr lang="de-CH" b="1"/>
+            <a:endParaRPr lang="de-CH" b="1" dirty="0"/>
           </a:p>
           <a:p>
             <a:endParaRPr lang="en-CH" dirty="0"/>
@@ -11888,19 +14109,15 @@
           <a:bodyPr/>
           <a:lstStyle/>
           <a:p>
-            <a:pPr marL="457200" indent="-457200">
-              <a:buFont typeface="+mj-lt"/>
-              <a:buAutoNum type="arabicPeriod"/>
-            </a:pPr>
             <a:r>
               <a:rPr lang="en-US" dirty="0"/>
-              <a:t>Hybrid model construction</a:t>
+              <a:t>3. Hybrid model construction</a:t>
             </a:r>
           </a:p>
         </p:txBody>
       </p:sp>
-      <mc:AlternateContent xmlns:mc="http://schemas.openxmlformats.org/markup-compatibility/2006" xmlns:a14="http://schemas.microsoft.com/office/drawing/2010/main">
-        <mc:Choice Requires="a14">
+      <mc:AlternateContent xmlns:mc="http://schemas.openxmlformats.org/markup-compatibility/2006">
+        <mc:Choice xmlns:a14="http://schemas.microsoft.com/office/drawing/2010/main" Requires="a14">
           <p:sp>
             <p:nvSpPr>
               <p:cNvPr id="3" name="Content Placeholder 2"/>
@@ -11911,27 +14128,54 @@
                 <p:ph idx="1"/>
               </p:nvPr>
             </p:nvSpPr>
-            <p:spPr/>
+            <p:spPr>
+              <a:xfrm>
+                <a:off x="1295400" y="1981201"/>
+                <a:ext cx="9601200" cy="3809999"/>
+              </a:xfrm>
+            </p:spPr>
             <p:txBody>
               <a:bodyPr>
-                <a:normAutofit fontScale="85000" lnSpcReduction="10000"/>
+                <a:noAutofit/>
               </a:bodyPr>
               <a:lstStyle/>
               <a:p>
+                <a:pPr>
+                  <a:lnSpc>
+                    <a:spcPct val="150000"/>
+                  </a:lnSpc>
+                  <a:spcBef>
+                    <a:spcPts val="0"/>
+                  </a:spcBef>
+                </a:pPr>
                 <a:r>
-                  <a:rPr lang="de-CH"/>
+                  <a:rPr lang="de-CH" sz="1800" dirty="0"/>
                   <a:t>Static user interest</a:t>
                 </a:r>
               </a:p>
               <a:p>
-                <a:pPr lvl="1"/>
+                <a:pPr lvl="1">
+                  <a:lnSpc>
+                    <a:spcPct val="150000"/>
+                  </a:lnSpc>
+                  <a:spcBef>
+                    <a:spcPts val="0"/>
+                  </a:spcBef>
+                </a:pPr>
                 <a:r>
-                  <a:rPr lang="de-CH"/>
+                  <a:rPr lang="de-CH" dirty="0"/>
                   <a:t>Many resarches (static interest, ads)</a:t>
                 </a:r>
               </a:p>
               <a:p>
-                <a:pPr lvl="1"/>
+                <a:pPr lvl="1">
+                  <a:lnSpc>
+                    <a:spcPct val="150000"/>
+                  </a:lnSpc>
+                  <a:spcBef>
+                    <a:spcPts val="0"/>
+                  </a:spcBef>
+                </a:pPr>
                 <a14:m>
                   <m:oMath xmlns:m="http://schemas.openxmlformats.org/officeDocument/2006/math">
                     <m:r>
@@ -12113,77 +14357,99 @@
                     </m:nary>
                   </m:oMath>
                 </a14:m>
-                <a:endParaRPr lang="de-CH"/>
+                <a:endParaRPr lang="de-CH" dirty="0"/>
               </a:p>
               <a:p>
+                <a:pPr>
+                  <a:lnSpc>
+                    <a:spcPct val="150000"/>
+                  </a:lnSpc>
+                  <a:spcBef>
+                    <a:spcPts val="0"/>
+                  </a:spcBef>
+                </a:pPr>
                 <a:r>
-                  <a:rPr lang="de-CH"/>
+                  <a:rPr lang="de-CH" sz="1800" dirty="0"/>
                   <a:t>Dynamic user interest </a:t>
                 </a:r>
               </a:p>
               <a:p>
-                <a:pPr lvl="1"/>
+                <a:pPr lvl="1">
+                  <a:lnSpc>
+                    <a:spcPct val="150000"/>
+                  </a:lnSpc>
+                  <a:spcBef>
+                    <a:spcPts val="0"/>
+                  </a:spcBef>
+                </a:pPr>
                 <a:r>
                   <a:rPr lang="en-GB" dirty="0"/>
                   <a:t>sliding window to store m most recent posts, to serve as a dynamic context for ad recommendation </a:t>
                 </a:r>
-                <a:endParaRPr lang="de-CH"/>
+                <a:endParaRPr lang="de-CH" dirty="0"/>
               </a:p>
               <a:p>
-                <a:pPr lvl="1"/>
+                <a:pPr lvl="1">
+                  <a:lnSpc>
+                    <a:spcPct val="150000"/>
+                  </a:lnSpc>
+                  <a:spcBef>
+                    <a:spcPts val="0"/>
+                  </a:spcBef>
+                </a:pPr>
                 <a14:m>
                   <m:oMath xmlns:m="http://schemas.openxmlformats.org/officeDocument/2006/math">
                     <m:r>
                       <m:rPr>
                         <m:nor/>
                       </m:rPr>
-                      <a:rPr lang="de-CH" sz="1600"/>
+                      <a:rPr lang="de-CH"/>
                       <m:t>Ø</m:t>
                     </m:r>
                     <m:r>
                       <m:rPr>
                         <m:nor/>
                       </m:rPr>
-                      <a:rPr lang="de-CH" sz="1600" baseline="-25000"/>
+                      <a:rPr lang="de-CH" baseline="-25000"/>
                       <m:t>d</m:t>
                     </m:r>
                     <m:r>
                       <m:rPr>
                         <m:nor/>
                       </m:rPr>
-                      <a:rPr lang="de-CH" sz="1600"/>
+                      <a:rPr lang="de-CH"/>
                       <m:t>(</m:t>
                     </m:r>
                     <m:r>
                       <m:rPr>
                         <m:nor/>
                       </m:rPr>
-                      <a:rPr lang="de-CH" sz="1600"/>
+                      <a:rPr lang="de-CH"/>
                       <m:t>u</m:t>
                     </m:r>
                     <m:r>
                       <m:rPr>
                         <m:nor/>
                       </m:rPr>
-                      <a:rPr lang="de-CH" sz="1600"/>
+                      <a:rPr lang="de-CH"/>
                       <m:t>,</m:t>
                     </m:r>
                     <m:r>
                       <m:rPr>
                         <m:nor/>
                       </m:rPr>
-                      <a:rPr lang="de-CH" sz="1600"/>
+                      <a:rPr lang="de-CH"/>
                       <m:t>a</m:t>
                     </m:r>
                     <m:r>
                       <m:rPr>
                         <m:nor/>
                       </m:rPr>
-                      <a:rPr lang="de-CH" sz="1600"/>
+                      <a:rPr lang="de-CH"/>
                       <m:t>)	</m:t>
                     </m:r>
                     <m:r>
-                      <a:rPr lang="pt-BR" sz="1600" i="1" smtClean="0">
+                      <a:rPr lang="pt-BR" i="1" smtClean="0">
                         <a:latin typeface="Cambria Math" panose="02040503050406030204" pitchFamily="18" charset="0"/>
                       </a:rPr>
                       <m:t>=</m:t>
@@ -12191,14 +14457,14 @@
                     <m:f>
                       <m:fPr>
                         <m:ctrlPr>
-                          <a:rPr lang="pt-BR" sz="1600" i="1" smtClean="0">
+                          <a:rPr lang="pt-BR" i="1" smtClean="0">
                             <a:latin typeface="Cambria Math" panose="02040503050406030204" pitchFamily="18" charset="0"/>
                           </a:rPr>
                         </m:ctrlPr>
                       </m:fPr>
                       <m:num>
                         <m:r>
-                          <a:rPr lang="de-CH" sz="1600" b="0" i="1" smtClean="0">
+                          <a:rPr lang="de-CH" b="0" i="1" smtClean="0">
                             <a:latin typeface="Cambria Math" panose="02040503050406030204" pitchFamily="18" charset="0"/>
                           </a:rPr>
                           <m:t>1</m:t>
@@ -12206,7 +14472,7 @@
                       </m:num>
                       <m:den>
                         <m:r>
-                          <a:rPr lang="de-CH" sz="1600" b="0" i="1" smtClean="0">
+                          <a:rPr lang="de-CH" b="0" i="1" smtClean="0">
                             <a:latin typeface="Cambria Math" panose="02040503050406030204" pitchFamily="18" charset="0"/>
                           </a:rPr>
                           <m:t>𝑚</m:t>
@@ -12218,7 +14484,7 @@
                         <m:chr m:val="∑"/>
                         <m:supHide m:val="on"/>
                         <m:ctrlPr>
-                          <a:rPr lang="pt-BR" sz="1600" i="1" smtClean="0">
+                          <a:rPr lang="pt-BR" i="1" smtClean="0">
                             <a:latin typeface="Cambria Math" panose="02040503050406030204" pitchFamily="18" charset="0"/>
                           </a:rPr>
                         </m:ctrlPr>
@@ -12228,20 +14494,20 @@
                           <m:rPr>
                             <m:nor/>
                           </m:rPr>
-                          <a:rPr lang="de-CH" sz="1600" b="0" i="0" smtClean="0">
+                          <a:rPr lang="de-CH" b="0" i="0" smtClean="0">
                             <a:latin typeface="Cambria Math" panose="02040503050406030204" pitchFamily="18" charset="0"/>
                           </a:rPr>
                           <m:t>d</m:t>
                         </m:r>
                         <m:r>
-                          <a:rPr lang="de-CH" sz="1600" b="0" i="1" smtClean="0">
+                          <a:rPr lang="de-CH" b="0" i="1" smtClean="0">
                             <a:latin typeface="Cambria Math" panose="02040503050406030204" pitchFamily="18" charset="0"/>
                             <a:ea typeface="Cambria Math" panose="02040503050406030204" pitchFamily="18" charset="0"/>
                           </a:rPr>
                           <m:t>∈</m:t>
                         </m:r>
                         <m:r>
-                          <a:rPr lang="de-CH" sz="1600" b="0" i="1" smtClean="0">
+                          <a:rPr lang="de-CH" b="0" i="1" smtClean="0">
                             <a:latin typeface="Cambria Math" panose="02040503050406030204" pitchFamily="18" charset="0"/>
                             <a:ea typeface="Cambria Math" panose="02040503050406030204" pitchFamily="18" charset="0"/>
                           </a:rPr>
@@ -12251,7 +14517,7 @@
                           <m:rPr>
                             <m:nor/>
                           </m:rPr>
-                          <a:rPr lang="de-CH" sz="1600"/>
+                          <a:rPr lang="de-CH"/>
                           <m:t>	 </m:t>
                         </m:r>
                       </m:sub>
@@ -12262,7 +14528,7 @@
                             <m:chr m:val="∑"/>
                             <m:supHide m:val="on"/>
                             <m:ctrlPr>
-                              <a:rPr lang="pt-BR" sz="1600" i="1" smtClean="0">
+                              <a:rPr lang="pt-BR" i="1" smtClean="0">
                                 <a:latin typeface="Cambria Math" panose="02040503050406030204" pitchFamily="18" charset="0"/>
                               </a:rPr>
                             </m:ctrlPr>
@@ -12272,20 +14538,20 @@
                               <m:rPr>
                                 <m:brk m:alnAt="7"/>
                               </m:rPr>
-                              <a:rPr lang="de-CH" sz="1600" b="0" i="1" smtClean="0">
+                              <a:rPr lang="de-CH" b="0" i="1" smtClean="0">
                                 <a:latin typeface="Cambria Math" panose="02040503050406030204" pitchFamily="18" charset="0"/>
                               </a:rPr>
                               <m:t>𝑊</m:t>
                             </m:r>
                             <m:r>
-                              <a:rPr lang="de-CH" sz="1600" b="0" i="1" smtClean="0">
+                              <a:rPr lang="de-CH" b="0" i="1" smtClean="0">
                                 <a:latin typeface="Cambria Math" panose="02040503050406030204" pitchFamily="18" charset="0"/>
                                 <a:ea typeface="Cambria Math" panose="02040503050406030204" pitchFamily="18" charset="0"/>
                               </a:rPr>
                               <m:t>∈</m:t>
                             </m:r>
                             <m:r>
-                              <a:rPr lang="de-CH" sz="1600" b="0" i="1" smtClean="0">
+                              <a:rPr lang="de-CH" b="0" i="1" smtClean="0">
                                 <a:latin typeface="Cambria Math" panose="02040503050406030204" pitchFamily="18" charset="0"/>
                                 <a:ea typeface="Cambria Math" panose="02040503050406030204" pitchFamily="18" charset="0"/>
                               </a:rPr>
@@ -12295,7 +14561,7 @@
                           <m:sup/>
                           <m:e>
                             <m:r>
-                              <a:rPr lang="de-CH" sz="1600" b="0" i="1" smtClean="0">
+                              <a:rPr lang="de-CH" b="0" i="1" smtClean="0">
                                 <a:latin typeface="Cambria Math" panose="02040503050406030204" pitchFamily="18" charset="0"/>
                               </a:rPr>
                               <m:t>𝑟𝑒𝑙</m:t>
@@ -12303,26 +14569,26 @@
                             <m:d>
                               <m:dPr>
                                 <m:ctrlPr>
-                                  <a:rPr lang="de-CH" sz="1600" b="0" i="1" smtClean="0">
+                                  <a:rPr lang="de-CH" b="0" i="1" smtClean="0">
                                     <a:latin typeface="Cambria Math" panose="02040503050406030204" pitchFamily="18" charset="0"/>
                                   </a:rPr>
                                 </m:ctrlPr>
                               </m:dPr>
                               <m:e>
                                 <m:r>
-                                  <a:rPr lang="de-CH" sz="1600" b="0" i="1" smtClean="0">
+                                  <a:rPr lang="de-CH" b="0" i="1" smtClean="0">
                                     <a:latin typeface="Cambria Math" panose="02040503050406030204" pitchFamily="18" charset="0"/>
                                   </a:rPr>
                                   <m:t>𝑑</m:t>
                                 </m:r>
                                 <m:r>
-                                  <a:rPr lang="de-CH" sz="1600" b="0" i="1" smtClean="0">
+                                  <a:rPr lang="de-CH" b="0" i="1" smtClean="0">
                                     <a:latin typeface="Cambria Math" panose="02040503050406030204" pitchFamily="18" charset="0"/>
                                   </a:rPr>
                                   <m:t>,</m:t>
                                 </m:r>
                                 <m:r>
-                                  <a:rPr lang="de-CH" sz="1600" b="0" i="1" smtClean="0">
+                                  <a:rPr lang="de-CH" b="0" i="1" smtClean="0">
                                     <a:latin typeface="Cambria Math" panose="02040503050406030204" pitchFamily="18" charset="0"/>
                                   </a:rPr>
                                   <m:t>𝑤</m:t>
@@ -12330,43 +14596,43 @@
                               </m:e>
                             </m:d>
                             <m:r>
-                              <a:rPr lang="de-CH" sz="1600" b="0" i="1" smtClean="0">
+                              <a:rPr lang="de-CH" b="0" i="1" smtClean="0">
                                 <a:latin typeface="Cambria Math" panose="02040503050406030204" pitchFamily="18" charset="0"/>
                               </a:rPr>
                               <m:t>.</m:t>
                             </m:r>
                             <m:r>
-                              <a:rPr lang="de-CH" sz="1600" b="0" i="1" smtClean="0">
+                              <a:rPr lang="de-CH" b="0" i="1" smtClean="0">
                                 <a:latin typeface="Cambria Math" panose="02040503050406030204" pitchFamily="18" charset="0"/>
                               </a:rPr>
                               <m:t>𝑟𝑒𝑙</m:t>
                             </m:r>
                             <m:r>
-                              <a:rPr lang="de-CH" sz="1600" b="0" i="1" smtClean="0">
+                              <a:rPr lang="de-CH" b="0" i="1" smtClean="0">
                                 <a:latin typeface="Cambria Math" panose="02040503050406030204" pitchFamily="18" charset="0"/>
                               </a:rPr>
                               <m:t>(</m:t>
                             </m:r>
                             <m:r>
-                              <a:rPr lang="de-CH" sz="1600" b="0" i="1" smtClean="0">
+                              <a:rPr lang="de-CH" b="0" i="1" smtClean="0">
                                 <a:latin typeface="Cambria Math" panose="02040503050406030204" pitchFamily="18" charset="0"/>
                               </a:rPr>
                               <m:t>𝑎</m:t>
                             </m:r>
                             <m:r>
-                              <a:rPr lang="de-CH" sz="1600" b="0" i="1" smtClean="0">
+                              <a:rPr lang="de-CH" b="0" i="1" smtClean="0">
                                 <a:latin typeface="Cambria Math" panose="02040503050406030204" pitchFamily="18" charset="0"/>
                               </a:rPr>
                               <m:t>,</m:t>
                             </m:r>
                             <m:r>
-                              <a:rPr lang="de-CH" sz="1600" b="0" i="1" smtClean="0">
+                              <a:rPr lang="de-CH" b="0" i="1" smtClean="0">
                                 <a:latin typeface="Cambria Math" panose="02040503050406030204" pitchFamily="18" charset="0"/>
                               </a:rPr>
                               <m:t>𝑤</m:t>
                             </m:r>
                             <m:r>
-                              <a:rPr lang="de-CH" sz="1600" b="0" i="1" smtClean="0">
+                              <a:rPr lang="de-CH" b="0" i="1" smtClean="0">
                                 <a:latin typeface="Cambria Math" panose="02040503050406030204" pitchFamily="18" charset="0"/>
                               </a:rPr>
                               <m:t>)</m:t>
@@ -12378,48 +14644,47 @@
                   </m:oMath>
                 </a14:m>
                 <a:r>
-                  <a:rPr lang="pl-PL"/>
+                  <a:rPr lang="pl-PL" dirty="0"/>
                   <a:t>	</a:t>
                 </a:r>
               </a:p>
               <a:p>
+                <a:pPr>
+                  <a:lnSpc>
+                    <a:spcPct val="150000"/>
+                  </a:lnSpc>
+                  <a:spcBef>
+                    <a:spcPts val="0"/>
+                  </a:spcBef>
+                </a:pPr>
                 <a:r>
-                  <a:rPr lang="de-CH"/>
-                  <a:t>Publisher</a:t>
+                  <a:rPr lang="de-CH" sz="1800" dirty="0"/>
+                  <a:t>Publisher, subscriber</a:t>
                 </a:r>
               </a:p>
               <a:p>
-                <a:pPr lvl="1"/>
-                <a:r>
-                  <a:rPr lang="en-GB" dirty="0"/>
-                  <a:t>composes, shares or likes a post </a:t>
-                </a:r>
-              </a:p>
-              <a:p>
-                <a:r>
-                  <a:rPr lang="de-CH"/>
-                  <a:t>Subscriber</a:t>
-                </a:r>
-              </a:p>
-              <a:p>
-                <a:pPr lvl="1"/>
-                <a:r>
-                  <a:rPr lang="de-CH"/>
-                  <a:t>login or refresh </a:t>
-                </a:r>
+                <a:pPr marL="0" indent="0">
+                  <a:lnSpc>
+                    <a:spcPct val="150000"/>
+                  </a:lnSpc>
+                  <a:spcBef>
+                    <a:spcPts val="0"/>
+                  </a:spcBef>
+                  <a:buNone/>
+                </a:pPr>
                 <a:r>
                   <a:rPr lang="en-GB" dirty="0"/>
                   <a:t>	</a:t>
                 </a:r>
                 <a:r>
-                  <a:rPr lang="pl-PL"/>
+                  <a:rPr lang="pl-PL" dirty="0"/>
                   <a:t>	</a:t>
                 </a:r>
               </a:p>
             </p:txBody>
           </p:sp>
         </mc:Choice>
-        <mc:Fallback xmlns="">
+        <mc:Fallback>
           <p:sp>
             <p:nvSpPr>
               <p:cNvPr id="3" name="Content Placeholder 2"/>
@@ -12431,10 +14696,14 @@
               </p:nvPr>
             </p:nvSpPr>
             <p:spPr>
+              <a:xfrm>
+                <a:off x="1295400" y="1981201"/>
+                <a:ext cx="9601200" cy="3809999"/>
+              </a:xfrm>
               <a:blipFill>
                 <a:blip r:embed="rId2"/>
                 <a:stretch>
-                  <a:fillRect l="-317" t="-1760"/>
+                  <a:fillRect l="-444"/>
                 </a:stretch>
               </a:blipFill>
             </p:spPr>
@@ -12443,7 +14712,7 @@
               <a:lstStyle/>
               <a:p>
                 <a:r>
-                  <a:rPr lang="en-CH">
+                  <a:rPr lang="en-GB">
                     <a:noFill/>
                   </a:rPr>
                   <a:t> </a:t>
@@ -12582,6 +14851,36 @@
           <a:chExt cx="0" cy="0"/>
         </a:xfrm>
       </p:grpSpPr>
+      <p:pic>
+        <p:nvPicPr>
+          <p:cNvPr id="8" name="Picture 7" descr="A close up of a map&#10;&#10;Description generated with high confidence">
+            <a:extLst>
+              <a:ext uri="{FF2B5EF4-FFF2-40B4-BE49-F238E27FC236}">
+                <a16:creationId xmlns:a16="http://schemas.microsoft.com/office/drawing/2014/main" id="{C2E464F4-8211-44F7-B11B-F54B07355BD7}"/>
+              </a:ext>
+            </a:extLst>
+          </p:cNvPr>
+          <p:cNvPicPr>
+            <a:picLocks noChangeAspect="1"/>
+          </p:cNvPicPr>
+          <p:nvPr/>
+        </p:nvPicPr>
+        <p:blipFill>
+          <a:blip r:embed="rId2"/>
+          <a:stretch>
+            <a:fillRect/>
+          </a:stretch>
+        </p:blipFill>
+        <p:spPr>
+          <a:xfrm>
+            <a:off x="4973843" y="709612"/>
+            <a:ext cx="6610350" cy="5438775"/>
+          </a:xfrm>
+          <a:prstGeom prst="rect">
+            <a:avLst/>
+          </a:prstGeom>
+        </p:spPr>
+      </p:pic>
       <p:sp>
         <p:nvSpPr>
           <p:cNvPr id="2" name="Title 1"/>
@@ -12592,7 +14891,12 @@
             <p:ph type="title"/>
           </p:nvPr>
         </p:nvSpPr>
-        <p:spPr/>
+        <p:spPr>
+          <a:xfrm>
+            <a:off x="1295400" y="503853"/>
+            <a:ext cx="9601200" cy="1477347"/>
+          </a:xfrm>
+        </p:spPr>
         <p:txBody>
           <a:bodyPr>
             <a:normAutofit/>
@@ -12600,14 +14904,24 @@
           <a:lstStyle/>
           <a:p>
             <a:r>
-              <a:rPr lang="en-GB" b="0" dirty="0"/>
-              <a:t>System Overview of Context-Aware Advertisement Recommendation </a:t>
-            </a:r>
-            <a:r>
-              <a:rPr lang="de-CH" b="0"/>
+              <a:rPr lang="en-GB" sz="2800" b="0" dirty="0"/>
+              <a:t>System Overview of Context-Aware</a:t>
+            </a:r>
+            <a:br>
+              <a:rPr lang="en-GB" sz="2800" b="0" dirty="0"/>
+            </a:br>
+            <a:r>
+              <a:rPr lang="en-GB" sz="2800" b="0" dirty="0"/>
+              <a:t>Advertisement Recommendation </a:t>
+            </a:r>
+            <a:br>
+              <a:rPr lang="en-GB" sz="2800" b="0" dirty="0"/>
+            </a:br>
+            <a:r>
+              <a:rPr lang="de-CH" sz="2800" b="0" dirty="0"/>
               <a:t>in Social Networks</a:t>
             </a:r>
-            <a:endParaRPr lang="en-US" dirty="0"/>
+            <a:endParaRPr lang="en-US" sz="2800" dirty="0"/>
           </a:p>
         </p:txBody>
       </p:sp>
@@ -12632,7 +14946,7 @@
         </p:xfrm>
         <a:graphic>
           <a:graphicData uri="http://schemas.openxmlformats.org/drawingml/2006/diagram">
-            <dgm:relIds xmlns:dgm="http://schemas.openxmlformats.org/drawingml/2006/diagram" xmlns:r="http://schemas.openxmlformats.org/officeDocument/2006/relationships" r:dm="rId2" r:lo="rId3" r:qs="rId4" r:cs="rId5"/>
+            <dgm:relIds xmlns:dgm="http://schemas.openxmlformats.org/drawingml/2006/diagram" xmlns:r="http://schemas.openxmlformats.org/officeDocument/2006/relationships" r:dm="rId3" r:lo="rId4" r:qs="rId5" r:cs="rId6"/>
           </a:graphicData>
         </a:graphic>
       </p:graphicFrame>
@@ -12723,36 +15037,6 @@
           </a:p>
         </p:txBody>
       </p:sp>
-      <p:pic>
-        <p:nvPicPr>
-          <p:cNvPr id="8" name="Picture 7" descr="A close up of a map&#10;&#10;Description generated with very high confidence">
-            <a:extLst>
-              <a:ext uri="{FF2B5EF4-FFF2-40B4-BE49-F238E27FC236}">
-                <a16:creationId xmlns:a16="http://schemas.microsoft.com/office/drawing/2014/main" id="{7ABE9D26-B552-4FC4-8620-B158ADD6FBEF}"/>
-              </a:ext>
-            </a:extLst>
-          </p:cNvPr>
-          <p:cNvPicPr>
-            <a:picLocks noChangeAspect="1"/>
-          </p:cNvPicPr>
-          <p:nvPr/>
-        </p:nvPicPr>
-        <p:blipFill>
-          <a:blip r:embed="rId7"/>
-          <a:stretch>
-            <a:fillRect/>
-          </a:stretch>
-        </p:blipFill>
-        <p:spPr>
-          <a:xfrm>
-            <a:off x="1382234" y="1657302"/>
-            <a:ext cx="9005776" cy="4476797"/>
-          </a:xfrm>
-          <a:prstGeom prst="rect">
-            <a:avLst/>
-          </a:prstGeom>
-        </p:spPr>
-      </p:pic>
     </p:spTree>
     <p:extLst>
       <p:ext uri="{BB962C8B-B14F-4D97-AF65-F5344CB8AC3E}">
@@ -12807,11 +15091,13 @@
         </p:nvSpPr>
         <p:spPr/>
         <p:txBody>
-          <a:bodyPr/>
+          <a:bodyPr>
+            <a:normAutofit/>
+          </a:bodyPr>
           <a:lstStyle/>
           <a:p>
             <a:r>
-              <a:rPr lang="en-US" dirty="0"/>
+              <a:rPr lang="en-US" sz="2800" b="0" dirty="0"/>
               <a:t>Combining the two equations </a:t>
             </a:r>
           </a:p>
@@ -12836,103 +15122,94 @@
         <p:spPr/>
         <p:txBody>
           <a:bodyPr>
-            <a:normAutofit lnSpcReduction="10000"/>
+            <a:normAutofit/>
           </a:bodyPr>
           <a:lstStyle/>
           <a:p>
             <a:r>
-              <a:rPr lang="de-CH"/>
-              <a:t>Finally the total relevance between a user u and an ad a is given by the following</a:t>
-            </a:r>
-          </a:p>
-          <a:p>
-            <a:pPr marL="0" indent="0">
-              <a:buNone/>
-            </a:pPr>
-            <a:r>
-              <a:rPr lang="de-CH"/>
-              <a:t>Equation which combains the user static interests and dynamic news feed from his friends.</a:t>
-            </a:r>
-          </a:p>
-          <a:p>
-            <a:r>
-              <a:rPr lang="el-GR"/>
+              <a:rPr lang="de-CH" dirty="0"/>
+              <a:t>The total relevance between a user u and an ad a is given by the following equation which combains the user static interests and dynamic news feed from his friends.</a:t>
+            </a:r>
+          </a:p>
+          <a:p>
+            <a:r>
+              <a:rPr lang="el-GR" dirty="0"/>
               <a:t>φ(</a:t>
             </a:r>
             <a:r>
-              <a:rPr lang="de-CH"/>
+              <a:rPr lang="de-CH" dirty="0"/>
               <a:t>u, a) = </a:t>
             </a:r>
             <a:r>
-              <a:rPr lang="el-GR"/>
+              <a:rPr lang="el-GR" dirty="0"/>
               <a:t>α · φ</a:t>
             </a:r>
             <a:r>
-              <a:rPr lang="de-CH" baseline="-25000"/>
+              <a:rPr lang="de-CH" baseline="-25000" dirty="0"/>
               <a:t>s</a:t>
             </a:r>
             <a:r>
-              <a:rPr lang="de-CH"/>
+              <a:rPr lang="de-CH" dirty="0"/>
               <a:t>(u, a) + (1 − </a:t>
             </a:r>
             <a:r>
-              <a:rPr lang="el-GR"/>
+              <a:rPr lang="el-GR" dirty="0"/>
               <a:t>α) · φ</a:t>
             </a:r>
             <a:r>
-              <a:rPr lang="de-CH" baseline="-25000"/>
+              <a:rPr lang="de-CH" baseline="-25000" dirty="0"/>
               <a:t>d</a:t>
             </a:r>
             <a:r>
-              <a:rPr lang="de-CH"/>
+              <a:rPr lang="de-CH" dirty="0"/>
               <a:t>(u, a).</a:t>
             </a:r>
           </a:p>
           <a:p>
             <a:r>
-              <a:rPr lang="de-CH"/>
+              <a:rPr lang="de-CH" dirty="0"/>
               <a:t>Where </a:t>
             </a:r>
             <a:r>
-              <a:rPr lang="el-GR"/>
+              <a:rPr lang="el-GR" dirty="0"/>
               <a:t>α</a:t>
             </a:r>
             <a:r>
-              <a:rPr lang="de-CH"/>
+              <a:rPr lang="de-CH" dirty="0"/>
               <a:t> is a system parameter can set according to the application requriment.</a:t>
             </a:r>
           </a:p>
           <a:p>
             <a:r>
-              <a:rPr lang="de-CH"/>
+              <a:rPr lang="de-CH" dirty="0"/>
               <a:t>When </a:t>
             </a:r>
             <a:r>
-              <a:rPr lang="el-GR"/>
+              <a:rPr lang="el-GR" dirty="0"/>
               <a:t>α</a:t>
             </a:r>
             <a:r>
-              <a:rPr lang="de-CH"/>
+              <a:rPr lang="de-CH" dirty="0"/>
               <a:t> close to 1</a:t>
             </a:r>
           </a:p>
           <a:p>
             <a:pPr lvl="1"/>
             <a:r>
-              <a:rPr lang="de-CH"/>
+              <a:rPr lang="de-CH" dirty="0"/>
               <a:t>Static, easy to maintain, less effort</a:t>
             </a:r>
           </a:p>
           <a:p>
             <a:r>
-              <a:rPr lang="de-CH"/>
+              <a:rPr lang="de-CH" dirty="0"/>
               <a:t>When close to  0</a:t>
             </a:r>
           </a:p>
           <a:p>
             <a:pPr lvl="1"/>
             <a:r>
-              <a:rPr lang="de-CH"/>
+              <a:rPr lang="de-CH" dirty="0"/>
               <a:t>Dynamic, real time, efficient.</a:t>
             </a:r>
             <a:endParaRPr lang="en-CH" dirty="0"/>
@@ -12993,14 +15270,16 @@
         </p:nvSpPr>
         <p:spPr/>
         <p:txBody>
-          <a:bodyPr/>
+          <a:bodyPr>
+            <a:normAutofit/>
+          </a:bodyPr>
           <a:lstStyle/>
           <a:p>
             <a:r>
-              <a:rPr lang="de-CH" b="0"/>
-              <a:t>Online retrieval algorithm</a:t>
-            </a:r>
-            <a:endParaRPr lang="en-US" dirty="0"/>
+              <a:rPr lang="de-CH" sz="2800" b="0" dirty="0"/>
+              <a:t>3.1 Online retrieval algorithm 1/3</a:t>
+            </a:r>
+            <a:endParaRPr lang="en-US" sz="2800" dirty="0"/>
           </a:p>
         </p:txBody>
       </p:sp>
@@ -13022,10 +15301,15 @@
                 <p:ph idx="1"/>
               </p:nvPr>
             </p:nvSpPr>
-            <p:spPr/>
+            <p:spPr>
+              <a:xfrm>
+                <a:off x="1295400" y="1981201"/>
+                <a:ext cx="9601200" cy="3809999"/>
+              </a:xfrm>
+            </p:spPr>
             <p:txBody>
               <a:bodyPr>
-                <a:normAutofit fontScale="62500" lnSpcReduction="20000"/>
+                <a:normAutofit lnSpcReduction="10000"/>
               </a:bodyPr>
               <a:lstStyle/>
               <a:p>
@@ -13034,225 +15318,98 @@
                   <a:t>Existing social ad recommendation systems learn a model </a:t>
                 </a:r>
                 <a:r>
-                  <a:rPr lang="de-CH"/>
+                  <a:rPr lang="de-CH" dirty="0"/>
                   <a:t>for personal interests offline</a:t>
                 </a:r>
               </a:p>
               <a:p>
                 <a:pPr lvl="1"/>
                 <a:r>
-                  <a:rPr lang="de-CH"/>
+                  <a:rPr lang="de-CH" dirty="0"/>
                   <a:t>Static model, Offilne computed, returns with the user news feed. </a:t>
                 </a:r>
               </a:p>
               <a:p>
                 <a:r>
-                  <a:rPr lang="de-CH"/>
+                  <a:rPr lang="de-CH" dirty="0"/>
                   <a:t>These models don’t work in the  context aware </a:t>
                 </a:r>
               </a:p>
               <a:p>
                 <a:pPr lvl="1"/>
                 <a:r>
-                  <a:rPr lang="de-CH"/>
+                  <a:rPr lang="de-CH" dirty="0"/>
                   <a:t>Dynamaic context, write operations, news feed variations.</a:t>
                 </a:r>
               </a:p>
               <a:p>
                 <a:r>
-                  <a:rPr lang="de-CH"/>
+                  <a:rPr lang="de-CH" dirty="0"/>
                   <a:t>User triggers read operation.</a:t>
                 </a:r>
               </a:p>
               <a:p>
                 <a:pPr lvl="1"/>
                 <a:r>
-                  <a:rPr lang="de-CH"/>
+                  <a:rPr lang="de-CH" dirty="0"/>
                   <a:t>Scan all ads database without prober index, very high cost. </a:t>
                 </a:r>
               </a:p>
               <a:p>
                 <a:r>
-                  <a:rPr lang="de-CH"/>
+                  <a:rPr lang="de-CH" dirty="0"/>
                   <a:t>Rewrite the ranking functions in aggregation way</a:t>
                 </a:r>
               </a:p>
               <a:p>
+                <a:pPr lvl="1">
+                  <a:spcAft>
+                    <a:spcPts val="1200"/>
+                  </a:spcAft>
+                </a:pPr>
                 <a14:m>
                   <m:oMath xmlns:m="http://schemas.openxmlformats.org/officeDocument/2006/math">
                     <m:r>
                       <m:rPr>
                         <m:nor/>
                       </m:rPr>
-                      <a:rPr lang="el-GR"/>
+                      <a:rPr lang="el-GR" smtClean="0"/>
                       <m:t>φ</m:t>
                     </m:r>
                     <m:r>
                       <m:rPr>
                         <m:nor/>
                       </m:rPr>
-                      <a:rPr lang="el-GR"/>
+                      <a:rPr lang="el-GR" smtClean="0"/>
                       <m:t>(</m:t>
                     </m:r>
                     <m:r>
                       <m:rPr>
                         <m:nor/>
                       </m:rPr>
-                      <a:rPr lang="de-CH"/>
+                      <a:rPr lang="de-CH" smtClean="0"/>
                       <m:t>u</m:t>
                     </m:r>
                     <m:r>
                       <m:rPr>
                         <m:nor/>
                       </m:rPr>
-                      <a:rPr lang="de-CH"/>
+                      <a:rPr lang="de-CH" smtClean="0"/>
                       <m:t>, </m:t>
                     </m:r>
                     <m:r>
                       <m:rPr>
                         <m:nor/>
                       </m:rPr>
-                      <a:rPr lang="de-CH"/>
+                      <a:rPr lang="de-CH" smtClean="0"/>
                       <m:t>a</m:t>
                     </m:r>
                     <m:r>
                       <m:rPr>
                         <m:nor/>
                       </m:rPr>
-                      <a:rPr lang="de-CH"/>
+                      <a:rPr lang="de-CH" smtClean="0"/>
                       <m:t>) = </m:t>
-                    </m:r>
-                    <m:r>
-                      <m:rPr>
-                        <m:nor/>
-                      </m:rPr>
-                      <a:rPr lang="el-GR"/>
-                      <m:t>α</m:t>
-                    </m:r>
-                    <m:r>
-                      <m:rPr>
-                        <m:nor/>
-                      </m:rPr>
-                      <a:rPr lang="el-GR"/>
-                      <m:t> · </m:t>
-                    </m:r>
-                    <m:r>
-                      <m:rPr>
-                        <m:nor/>
-                      </m:rPr>
-                      <a:rPr lang="el-GR"/>
-                      <m:t>φ</m:t>
-                    </m:r>
-                    <m:r>
-                      <m:rPr>
-                        <m:nor/>
-                      </m:rPr>
-                      <a:rPr lang="de-CH"/>
-                      <m:t>s</m:t>
-                    </m:r>
-                    <m:r>
-                      <m:rPr>
-                        <m:nor/>
-                      </m:rPr>
-                      <a:rPr lang="de-CH"/>
-                      <m:t>(</m:t>
-                    </m:r>
-                    <m:r>
-                      <m:rPr>
-                        <m:nor/>
-                      </m:rPr>
-                      <a:rPr lang="de-CH"/>
-                      <m:t>u</m:t>
-                    </m:r>
-                    <m:r>
-                      <m:rPr>
-                        <m:nor/>
-                      </m:rPr>
-                      <a:rPr lang="de-CH"/>
-                      <m:t>, </m:t>
-                    </m:r>
-                    <m:r>
-                      <m:rPr>
-                        <m:nor/>
-                      </m:rPr>
-                      <a:rPr lang="de-CH"/>
-                      <m:t>a</m:t>
-                    </m:r>
-                    <m:r>
-                      <m:rPr>
-                        <m:nor/>
-                      </m:rPr>
-                      <a:rPr lang="de-CH"/>
-                      <m:t>) + (1 − </m:t>
-                    </m:r>
-                    <m:r>
-                      <m:rPr>
-                        <m:nor/>
-                      </m:rPr>
-                      <a:rPr lang="el-GR"/>
-                      <m:t>α</m:t>
-                    </m:r>
-                    <m:r>
-                      <m:rPr>
-                        <m:nor/>
-                      </m:rPr>
-                      <a:rPr lang="el-GR"/>
-                      <m:t>) · </m:t>
-                    </m:r>
-                    <m:r>
-                      <m:rPr>
-                        <m:nor/>
-                      </m:rPr>
-                      <a:rPr lang="el-GR"/>
-                      <m:t>φ</m:t>
-                    </m:r>
-                    <m:r>
-                      <m:rPr>
-                        <m:nor/>
-                      </m:rPr>
-                      <a:rPr lang="de-CH"/>
-                      <m:t>d</m:t>
-                    </m:r>
-                    <m:r>
-                      <m:rPr>
-                        <m:nor/>
-                      </m:rPr>
-                      <a:rPr lang="de-CH"/>
-                      <m:t>(</m:t>
-                    </m:r>
-                    <m:r>
-                      <m:rPr>
-                        <m:nor/>
-                      </m:rPr>
-                      <a:rPr lang="de-CH"/>
-                      <m:t>u</m:t>
-                    </m:r>
-                    <m:r>
-                      <m:rPr>
-                        <m:nor/>
-                      </m:rPr>
-                      <a:rPr lang="de-CH"/>
-                      <m:t>, </m:t>
-                    </m:r>
-                    <m:r>
-                      <m:rPr>
-                        <m:nor/>
-                      </m:rPr>
-                      <a:rPr lang="de-CH"/>
-                      <m:t>a</m:t>
-                    </m:r>
-                    <m:r>
-                      <m:rPr>
-                        <m:nor/>
-                      </m:rPr>
-                      <a:rPr lang="de-CH"/>
-                      <m:t>)</m:t>
-                    </m:r>
-                    <m:r>
-                      <a:rPr lang="de-CH" b="0" i="1" smtClean="0">
-                        <a:latin typeface="Cambria Math" panose="02040503050406030204" pitchFamily="18" charset="0"/>
-                      </a:rPr>
-                      <m:t>=</m:t>
                     </m:r>
                     <m:nary>
                       <m:naryPr>
@@ -13379,7 +15536,14 @@
                                     <a:latin typeface="Cambria Math" panose="02040503050406030204" pitchFamily="18" charset="0"/>
                                     <a:ea typeface="Cambria Math" panose="02040503050406030204" pitchFamily="18" charset="0"/>
                                   </a:rPr>
-                                  <m:t>1−</m:t>
+                                  <m:t>1</m:t>
+                                </m:r>
+                                <m:r>
+                                  <a:rPr lang="de-CH" b="0" i="1" smtClean="0">
+                                    <a:latin typeface="Cambria Math" panose="02040503050406030204" pitchFamily="18" charset="0"/>
+                                    <a:ea typeface="Cambria Math" panose="02040503050406030204" pitchFamily="18" charset="0"/>
+                                  </a:rPr>
+                                  <m:t>−</m:t>
                                 </m:r>
                                 <m:r>
                                   <a:rPr lang="de-CH" b="0" i="1" smtClean="0">
@@ -13528,40 +15692,7 @@
                     </m:nary>
                   </m:oMath>
                 </a14:m>
-                <a:endParaRPr lang="de-CH"/>
-              </a:p>
-              <a:p>
-                <a:r>
-                  <a:rPr lang="de-CH"/>
-                  <a:t>Rel(a,w) independent of the dynamic context.                            Q</a:t>
-                </a:r>
-                <a:r>
-                  <a:rPr lang="de-CH" baseline="-25000"/>
-                  <a:t> u</a:t>
-                </a:r>
-                <a:r>
-                  <a:rPr lang="de-CH"/>
-                  <a:t>(w)</a:t>
-                </a:r>
-                <a:endParaRPr lang="de-CH" baseline="-25000"/>
-              </a:p>
-              <a:p>
-                <a:pPr lvl="1"/>
-                <a:r>
-                  <a:rPr lang="de-CH"/>
-                  <a:t>Offline calculation and sorting.</a:t>
-                </a:r>
-              </a:p>
-              <a:p>
-                <a:pPr lvl="1"/>
-                <a:r>
-                  <a:rPr lang="de-CH"/>
-                  <a:t>T inverted lists sorted by rel(a,w)</a:t>
-                </a:r>
-                <a:br>
-                  <a:rPr lang="de-CH"/>
-                </a:br>
-                <a:endParaRPr lang="de-CH"/>
+                <a:endParaRPr lang="de-CH" dirty="0"/>
               </a:p>
             </p:txBody>
           </p:sp>
@@ -13584,10 +15715,14 @@
               </p:nvPr>
             </p:nvSpPr>
             <p:spPr>
+              <a:xfrm>
+                <a:off x="1295400" y="1981201"/>
+                <a:ext cx="9601200" cy="3809999"/>
+              </a:xfrm>
               <a:blipFill>
                 <a:blip r:embed="rId2"/>
                 <a:stretch>
-                  <a:fillRect l="-63" t="-1600"/>
+                  <a:fillRect l="-571" t="-2240" b="-12000"/>
                 </a:stretch>
               </a:blipFill>
             </p:spPr>
@@ -13596,7 +15731,7 @@
               <a:lstStyle/>
               <a:p>
                 <a:r>
-                  <a:rPr lang="en-CH">
+                  <a:rPr lang="en-GB">
                     <a:noFill/>
                   </a:rPr>
                   <a:t> </a:t>
@@ -13707,8 +15842,8 @@
         </p:nvSpPr>
         <p:spPr>
           <a:xfrm rot="5400000">
-            <a:off x="6253716" y="3531783"/>
-            <a:ext cx="297711" cy="2378150"/>
+            <a:off x="5044033" y="4030216"/>
+            <a:ext cx="297711" cy="3318934"/>
           </a:xfrm>
           <a:prstGeom prst="rightBrace">
             <a:avLst/>
@@ -13734,6 +15869,45 @@
           <a:p>
             <a:pPr algn="ctr"/>
             <a:endParaRPr lang="en-CH" dirty="0"/>
+          </a:p>
+        </p:txBody>
+      </p:sp>
+      <p:sp>
+        <p:nvSpPr>
+          <p:cNvPr id="26" name="TextBox 25">
+            <a:extLst>
+              <a:ext uri="{FF2B5EF4-FFF2-40B4-BE49-F238E27FC236}">
+                <a16:creationId xmlns:a16="http://schemas.microsoft.com/office/drawing/2014/main" id="{C5FE3DE3-B6B7-42D0-828F-B3F1E4F1715B}"/>
+              </a:ext>
+            </a:extLst>
+          </p:cNvPr>
+          <p:cNvSpPr txBox="1"/>
+          <p:nvPr/>
+        </p:nvSpPr>
+        <p:spPr>
+          <a:xfrm>
+            <a:off x="4369850" y="5655125"/>
+            <a:ext cx="542260" cy="338554"/>
+          </a:xfrm>
+          <a:prstGeom prst="rect">
+            <a:avLst/>
+          </a:prstGeom>
+          <a:noFill/>
+        </p:spPr>
+        <p:txBody>
+          <a:bodyPr wrap="square" rtlCol="0">
+            <a:spAutoFit/>
+          </a:bodyPr>
+          <a:lstStyle/>
+          <a:p>
+            <a:r>
+              <a:rPr lang="en-GB" sz="1600" dirty="0"/>
+              <a:t>Q</a:t>
+            </a:r>
+            <a:r>
+              <a:rPr lang="en-GB" sz="1600" baseline="-25000" dirty="0"/>
+              <a:t>u</a:t>
+            </a:r>
           </a:p>
         </p:txBody>
       </p:sp>
@@ -13781,7 +15955,13 @@
       </p:grpSpPr>
       <p:sp>
         <p:nvSpPr>
-          <p:cNvPr id="2" name="Title 1"/>
+          <p:cNvPr id="2" name="Title 1">
+            <a:extLst>
+              <a:ext uri="{FF2B5EF4-FFF2-40B4-BE49-F238E27FC236}">
+                <a16:creationId xmlns:a16="http://schemas.microsoft.com/office/drawing/2014/main" id="{BFC7C3D8-E7CF-4A47-9206-25B069B6A0A3}"/>
+              </a:ext>
+            </a:extLst>
+          </p:cNvPr>
           <p:cNvSpPr>
             <a:spLocks noGrp="1"/>
           </p:cNvSpPr>
@@ -13795,19 +15975,19 @@
           <a:lstStyle/>
           <a:p>
             <a:r>
-              <a:rPr lang="de-CH" b="0"/>
-              <a:t>Online retrieval algorithm</a:t>
-            </a:r>
-            <a:endParaRPr lang="en-US" dirty="0"/>
+              <a:rPr lang="de-CH" b="0" dirty="0"/>
+              <a:t>3.1 Online retrieval algorithm 2/3</a:t>
+            </a:r>
+            <a:endParaRPr lang="en-GB" dirty="0"/>
           </a:p>
         </p:txBody>
       </p:sp>
       <p:sp>
         <p:nvSpPr>
-          <p:cNvPr id="6" name="Content Placeholder 5">
+          <p:cNvPr id="3" name="Content Placeholder 2">
             <a:extLst>
               <a:ext uri="{FF2B5EF4-FFF2-40B4-BE49-F238E27FC236}">
-                <a16:creationId xmlns:a16="http://schemas.microsoft.com/office/drawing/2014/main" id="{0B50FADC-4257-4D3A-BB1A-6BC0E0D9B12A}"/>
+                <a16:creationId xmlns:a16="http://schemas.microsoft.com/office/drawing/2014/main" id="{573899AE-1346-4F83-8E7B-403C1C8D7E09}"/>
               </a:ext>
             </a:extLst>
           </p:cNvPr>
@@ -13821,33 +16001,81 @@
         <p:spPr/>
         <p:txBody>
           <a:bodyPr>
-            <a:normAutofit fontScale="85000" lnSpcReduction="10000"/>
+            <a:noAutofit/>
           </a:bodyPr>
           <a:lstStyle/>
           <a:p>
-            <a:pPr>
+            <a:r>
+              <a:rPr lang="en-GB" dirty="0"/>
+              <a:t>After rewriting the ranking function in aggregation way we can simplify the online </a:t>
+            </a:r>
+          </a:p>
+          <a:p>
+            <a:pPr marL="0" indent="0">
+              <a:buNone/>
+            </a:pPr>
+            <a:r>
+              <a:rPr lang="en-GB" dirty="0"/>
+              <a:t>Retrieval algorithm as follows:</a:t>
+            </a:r>
+          </a:p>
+          <a:p>
+            <a:pPr marL="457200" indent="-457200">
               <a:lnSpc>
-                <a:spcPct val="150000"/>
+                <a:spcPct val="160000"/>
               </a:lnSpc>
+              <a:spcBef>
+                <a:spcPts val="600"/>
+              </a:spcBef>
+              <a:buFont typeface="+mj-lt"/>
+              <a:buAutoNum type="arabicPeriod"/>
             </a:pPr>
             <a:r>
-              <a:rPr lang="en-GB" b="1" dirty="0"/>
-              <a:t>Example 1</a:t>
-            </a:r>
+              <a:rPr lang="de-CH" dirty="0"/>
+              <a:t>Rel(a,w) independent of the dynamic context so it could be offiline calcultaed and sorted </a:t>
+            </a:r>
+          </a:p>
+          <a:p>
+            <a:pPr marL="457200" indent="-457200">
+              <a:lnSpc>
+                <a:spcPct val="160000"/>
+              </a:lnSpc>
+              <a:spcBef>
+                <a:spcPts val="0"/>
+              </a:spcBef>
+              <a:buFont typeface="+mj-lt"/>
+              <a:buAutoNum type="arabicPeriod"/>
+            </a:pPr>
             <a:r>
               <a:rPr lang="en-GB" dirty="0"/>
-              <a:t>: Let the window size m = 3, the weighting parameter α = 0.25 and the number of topics |T| = 2. Given a user u, let Hu = (0.4, 0.6) be the topic distributions of his static interests. Suppose the topic distributions of the three posts in the window are (0.2, 0.8), (0.1, 0.9) and (1.0, 0) respectively. When u triggers a read operation, the context-aware query vector Qu is calculated as Qu = 0.25 · (0.4, 0.6) + 1−0.25/3 [(0.2, 0.8) + (0.1, 0.9) + (1.0, 0)] = (0.55, 0.45) = (0.425, 0.575). Suppose Qu is used to query an ad database with four tuples {a1 = (0.3, 0.9), a2 = (0.4, 0.7), a3 = (0.5, 0.8) and a4 = (1.0, 0)}. To support top-k aggregation, we pre-compute two inverted lists lw1 and lw2 for the topics and get lw1 = {(a4, 1.0), (a3, 0.5), (a2, 0.4), (a1, 0.3)} and lw2 = {(a1, 0.9), (a3, 0.8), (a2, 0.7), (a1, 0.0)}. By calling the TA algorithm presented above, a3 will be returned as the most relevant ad if k is set to 1. </a:t>
-            </a:r>
-            <a:endParaRPr lang="en-CH" sz="1100" dirty="0"/>
+              <a:t>Therefore, we can maintain |T| inverted lists for each user, each sorted by rel(a,w).</a:t>
+            </a:r>
+          </a:p>
+          <a:p>
+            <a:pPr marL="457200" indent="-457200">
+              <a:lnSpc>
+                <a:spcPct val="160000"/>
+              </a:lnSpc>
+              <a:spcBef>
+                <a:spcPts val="0"/>
+              </a:spcBef>
+              <a:buFont typeface="+mj-lt"/>
+              <a:buAutoNum type="arabicPeriod"/>
+            </a:pPr>
+            <a:r>
+              <a:rPr lang="de-CH" dirty="0"/>
+              <a:t>Appliny the threshold algorithm.</a:t>
+            </a:r>
+            <a:endParaRPr lang="en-GB" dirty="0"/>
           </a:p>
         </p:txBody>
       </p:sp>
       <p:sp>
         <p:nvSpPr>
-          <p:cNvPr id="5" name="Footer Placeholder 4">
+          <p:cNvPr id="4" name="Footer Placeholder 3">
             <a:extLst>
               <a:ext uri="{FF2B5EF4-FFF2-40B4-BE49-F238E27FC236}">
-                <a16:creationId xmlns:a16="http://schemas.microsoft.com/office/drawing/2014/main" id="{C2479748-29C0-4D50-87A3-0B7C2077EA7D}"/>
+                <a16:creationId xmlns:a16="http://schemas.microsoft.com/office/drawing/2014/main" id="{BA83B4D1-6AED-42E0-93E2-95B735731A00}"/>
               </a:ext>
             </a:extLst>
           </p:cNvPr>
@@ -13873,10 +16101,10 @@
       </p:sp>
       <p:sp>
         <p:nvSpPr>
-          <p:cNvPr id="3" name="Date Placeholder 2">
+          <p:cNvPr id="5" name="Date Placeholder 4">
             <a:extLst>
               <a:ext uri="{FF2B5EF4-FFF2-40B4-BE49-F238E27FC236}">
-                <a16:creationId xmlns:a16="http://schemas.microsoft.com/office/drawing/2014/main" id="{5547C414-8CCC-4DF7-962A-F24EE5D03687}"/>
+                <a16:creationId xmlns:a16="http://schemas.microsoft.com/office/drawing/2014/main" id="{7AC70657-9265-4A22-BA3E-FE58A1180778}"/>
               </a:ext>
             </a:extLst>
           </p:cNvPr>
@@ -13902,10 +16130,10 @@
       </p:sp>
       <p:sp>
         <p:nvSpPr>
-          <p:cNvPr id="4" name="Slide Number Placeholder 3">
+          <p:cNvPr id="6" name="Slide Number Placeholder 5">
             <a:extLst>
               <a:ext uri="{FF2B5EF4-FFF2-40B4-BE49-F238E27FC236}">
-                <a16:creationId xmlns:a16="http://schemas.microsoft.com/office/drawing/2014/main" id="{92322ACC-1E38-4B58-905B-790D57E1CD7A}"/>
+                <a16:creationId xmlns:a16="http://schemas.microsoft.com/office/drawing/2014/main" id="{8F59A7E5-ABEA-4B8E-BF27-4384031F5B9C}"/>
               </a:ext>
             </a:extLst>
           </p:cNvPr>
@@ -13932,7 +16160,7 @@
     </p:spTree>
     <p:extLst>
       <p:ext uri="{BB962C8B-B14F-4D97-AF65-F5344CB8AC3E}">
-        <p14:creationId xmlns:p14="http://schemas.microsoft.com/office/powerpoint/2010/main" val="452733939"/>
+        <p14:creationId xmlns:p14="http://schemas.microsoft.com/office/powerpoint/2010/main" val="3695444278"/>
       </p:ext>
     </p:extLst>
   </p:cSld>

--- a/SeminarPresentation.pptx
+++ b/SeminarPresentation.pptx
@@ -11125,8 +11125,8 @@
           </a:p>
         </p:txBody>
       </p:sp>
-      <mc:AlternateContent xmlns:mc="http://schemas.openxmlformats.org/markup-compatibility/2006">
-        <mc:Choice xmlns:a14="http://schemas.microsoft.com/office/drawing/2010/main" Requires="a14">
+      <mc:AlternateContent xmlns:mc="http://schemas.openxmlformats.org/markup-compatibility/2006" xmlns:a14="http://schemas.microsoft.com/office/drawing/2010/main">
+        <mc:Choice Requires="a14">
           <p:sp>
             <p:nvSpPr>
               <p:cNvPr id="10" name="Content Placeholder 9">
@@ -11261,7 +11261,7 @@
             </p:txBody>
           </p:sp>
         </mc:Choice>
-        <mc:Fallback>
+        <mc:Fallback xmlns="">
           <p:sp>
             <p:nvSpPr>
               <p:cNvPr id="10" name="Content Placeholder 9">
@@ -11670,8 +11670,8 @@
           </a:p>
         </p:txBody>
       </p:sp>
-      <mc:AlternateContent xmlns:mc="http://schemas.openxmlformats.org/markup-compatibility/2006">
-        <mc:Choice xmlns:a14="http://schemas.microsoft.com/office/drawing/2010/main" Requires="a14">
+      <mc:AlternateContent xmlns:mc="http://schemas.openxmlformats.org/markup-compatibility/2006" xmlns:a14="http://schemas.microsoft.com/office/drawing/2010/main">
+        <mc:Choice Requires="a14">
           <p:sp>
             <p:nvSpPr>
               <p:cNvPr id="3" name="Content Placeholder 2">
@@ -12246,13 +12246,7 @@
                                   <a:rPr lang="de-CH" b="0" i="1" smtClean="0">
                                     <a:latin typeface="Cambria Math" panose="02040503050406030204" pitchFamily="18" charset="0"/>
                                   </a:rPr>
-                                  <m:t>1</m:t>
-                                </m:r>
-                                <m:r>
-                                  <a:rPr lang="de-CH" b="0" i="1" smtClean="0">
-                                    <a:latin typeface="Cambria Math" panose="02040503050406030204" pitchFamily="18" charset="0"/>
-                                  </a:rPr>
-                                  <m:t>−∝</m:t>
+                                  <m:t>1−∝</m:t>
                                 </m:r>
                               </m:num>
                               <m:den>
@@ -12391,14 +12385,7 @@
                                     <a:latin typeface="Cambria Math" panose="02040503050406030204" pitchFamily="18" charset="0"/>
                                     <a:ea typeface="Cambria Math" panose="02040503050406030204" pitchFamily="18" charset="0"/>
                                   </a:rPr>
-                                  <m:t>1</m:t>
-                                </m:r>
-                                <m:r>
-                                  <a:rPr lang="de-CH" b="0" i="1" smtClean="0">
-                                    <a:latin typeface="Cambria Math" panose="02040503050406030204" pitchFamily="18" charset="0"/>
-                                    <a:ea typeface="Cambria Math" panose="02040503050406030204" pitchFamily="18" charset="0"/>
-                                  </a:rPr>
-                                  <m:t>−∝</m:t>
+                                  <m:t>1−∝</m:t>
                                 </m:r>
                               </m:num>
                               <m:den>
@@ -12474,7 +12461,7 @@
             </p:txBody>
           </p:sp>
         </mc:Choice>
-        <mc:Fallback>
+        <mc:Fallback xmlns="">
           <p:sp>
             <p:nvSpPr>
               <p:cNvPr id="3" name="Content Placeholder 2">
@@ -12672,8 +12659,8 @@
           </a:p>
         </p:txBody>
       </p:sp>
-      <mc:AlternateContent xmlns:mc="http://schemas.openxmlformats.org/markup-compatibility/2006">
-        <mc:Choice xmlns:a14="http://schemas.microsoft.com/office/drawing/2010/main" Requires="a14">
+      <mc:AlternateContent xmlns:mc="http://schemas.openxmlformats.org/markup-compatibility/2006" xmlns:a14="http://schemas.microsoft.com/office/drawing/2010/main">
+        <mc:Choice Requires="a14">
           <p:sp>
             <p:nvSpPr>
               <p:cNvPr id="3" name="Content Placeholder 2">
@@ -13002,7 +12989,7 @@
             </p:txBody>
           </p:sp>
         </mc:Choice>
-        <mc:Fallback>
+        <mc:Fallback xmlns="">
           <p:sp>
             <p:nvSpPr>
               <p:cNvPr id="3" name="Content Placeholder 2">
@@ -14116,8 +14103,8 @@
           </a:p>
         </p:txBody>
       </p:sp>
-      <mc:AlternateContent xmlns:mc="http://schemas.openxmlformats.org/markup-compatibility/2006">
-        <mc:Choice xmlns:a14="http://schemas.microsoft.com/office/drawing/2010/main" Requires="a14">
+      <mc:AlternateContent xmlns:mc="http://schemas.openxmlformats.org/markup-compatibility/2006" xmlns:a14="http://schemas.microsoft.com/office/drawing/2010/main">
+        <mc:Choice Requires="a14">
           <p:sp>
             <p:nvSpPr>
               <p:cNvPr id="3" name="Content Placeholder 2"/>
@@ -14225,7 +14212,14 @@
                         <m:nor/>
                       </m:rPr>
                       <a:rPr lang="de-CH"/>
-                      <m:t>)=	</m:t>
+                      <m:t>)=</m:t>
+                    </m:r>
+                    <m:r>
+                      <m:rPr>
+                        <m:nor/>
+                      </m:rPr>
+                      <a:rPr lang="de-CH"/>
+                      <m:t>	</m:t>
                     </m:r>
                     <m:nary>
                       <m:naryPr>
@@ -14351,7 +14345,21 @@
                             <m:nor/>
                           </m:rPr>
                           <a:rPr lang="pl-PL"/>
-                          <m:t>)	 </m:t>
+                          <m:t>)</m:t>
+                        </m:r>
+                        <m:r>
+                          <m:rPr>
+                            <m:nor/>
+                          </m:rPr>
+                          <a:rPr lang="pl-PL"/>
+                          <m:t>	</m:t>
+                        </m:r>
+                        <m:r>
+                          <m:rPr>
+                            <m:nor/>
+                          </m:rPr>
+                          <a:rPr lang="pl-PL"/>
+                          <m:t> </m:t>
                         </m:r>
                       </m:e>
                     </m:nary>
@@ -14446,7 +14454,14 @@
                         <m:nor/>
                       </m:rPr>
                       <a:rPr lang="de-CH"/>
-                      <m:t>)	</m:t>
+                      <m:t>)</m:t>
+                    </m:r>
+                    <m:r>
+                      <m:rPr>
+                        <m:nor/>
+                      </m:rPr>
+                      <a:rPr lang="de-CH"/>
+                      <m:t>	</m:t>
                     </m:r>
                     <m:r>
                       <a:rPr lang="pt-BR" i="1" smtClean="0">
@@ -14518,7 +14533,14 @@
                             <m:nor/>
                           </m:rPr>
                           <a:rPr lang="de-CH"/>
-                          <m:t>	 </m:t>
+                          <m:t>	</m:t>
+                        </m:r>
+                        <m:r>
+                          <m:rPr>
+                            <m:nor/>
+                          </m:rPr>
+                          <a:rPr lang="de-CH"/>
+                          <m:t> </m:t>
                         </m:r>
                       </m:sub>
                       <m:sup/>
@@ -14684,7 +14706,7 @@
             </p:txBody>
           </p:sp>
         </mc:Choice>
-        <mc:Fallback>
+        <mc:Fallback xmlns="">
           <p:sp>
             <p:nvSpPr>
               <p:cNvPr id="3" name="Content Placeholder 2"/>
@@ -15536,14 +15558,7 @@
                                     <a:latin typeface="Cambria Math" panose="02040503050406030204" pitchFamily="18" charset="0"/>
                                     <a:ea typeface="Cambria Math" panose="02040503050406030204" pitchFamily="18" charset="0"/>
                                   </a:rPr>
-                                  <m:t>1</m:t>
-                                </m:r>
-                                <m:r>
-                                  <a:rPr lang="de-CH" b="0" i="1" smtClean="0">
-                                    <a:latin typeface="Cambria Math" panose="02040503050406030204" pitchFamily="18" charset="0"/>
-                                    <a:ea typeface="Cambria Math" panose="02040503050406030204" pitchFamily="18" charset="0"/>
-                                  </a:rPr>
-                                  <m:t>−</m:t>
+                                  <m:t>1−</m:t>
                                 </m:r>
                                 <m:r>
                                   <a:rPr lang="de-CH" b="0" i="1" smtClean="0">

--- a/SeminarPresentation.pptx
+++ b/SeminarPresentation.pptx
@@ -2470,7 +2470,7 @@
           <a:p>
             <a:fld id="{59041DB8-B66F-4DC8-A96E-33677E0F90FF}" type="datetimeFigureOut">
               <a:rPr lang="en-US" smtClean="0"/>
-              <a:t>12/9/2017</a:t>
+              <a:t>12/10/2017</a:t>
             </a:fld>
             <a:endParaRPr lang="en-US" dirty="0"/>
           </a:p>
@@ -2635,7 +2635,7 @@
           <a:p>
             <a:fld id="{DEB49C4A-65AC-492D-9701-81B46C3AD0E4}" type="datetimeFigureOut">
               <a:rPr lang="en-US" smtClean="0"/>
-              <a:t>12/9/2017</a:t>
+              <a:t>12/10/2017</a:t>
             </a:fld>
             <a:endParaRPr lang="en-US" dirty="0"/>
           </a:p>
@@ -10565,8 +10565,8 @@
               <a:buAutoNum type="arabicPeriod"/>
             </a:pPr>
             <a:r>
-              <a:rPr lang="en-GB" sz="1800" dirty="0"/>
-              <a:t>Let the window size m = 3, the weighting parameter α = 0.25 and the number of topics |T| = 2. </a:t>
+              <a:rPr lang="en-GB" dirty="0"/>
+              <a:t>m = 3, α = 0.25,|T| = 2. </a:t>
             </a:r>
           </a:p>
           <a:p>
@@ -10581,8 +10581,16 @@
               <a:buAutoNum type="arabicPeriod"/>
             </a:pPr>
             <a:r>
-              <a:rPr lang="en-GB" sz="1800" dirty="0"/>
-              <a:t>Given a user u, let Hu = (0.4, 0.6) be the topic distributions of his static interests. </a:t>
+              <a:rPr lang="en-GB" dirty="0"/>
+              <a:t>let H</a:t>
+            </a:r>
+            <a:r>
+              <a:rPr lang="en-GB" baseline="-25000" dirty="0"/>
+              <a:t>u</a:t>
+            </a:r>
+            <a:r>
+              <a:rPr lang="en-GB" dirty="0"/>
+              <a:t> = (0.4, 0.6)  static interests </a:t>
             </a:r>
           </a:p>
           <a:p>
@@ -10597,8 +10605,8 @@
               <a:buAutoNum type="arabicPeriod"/>
             </a:pPr>
             <a:r>
-              <a:rPr lang="en-GB" sz="1800" dirty="0"/>
-              <a:t>Topic distributions of the 3 posts in the window are (0.2, 0.8), (0.1, 0.9) and (1.0, 0).</a:t>
+              <a:rPr lang="en-GB" dirty="0"/>
+              <a:t>(0.2, 0.8), (0.1, 0.9) and (1.0, 0) topic distribution</a:t>
             </a:r>
           </a:p>
           <a:p>
@@ -10613,8 +10621,16 @@
               <a:buAutoNum type="arabicPeriod"/>
             </a:pPr>
             <a:r>
-              <a:rPr lang="en-GB" sz="1800" dirty="0"/>
-              <a:t>When u triggers a read operation, Qu is calculated as Qu = (0.425, 0.575). </a:t>
+              <a:rPr lang="en-GB" dirty="0"/>
+              <a:t>Q</a:t>
+            </a:r>
+            <a:r>
+              <a:rPr lang="en-GB" baseline="-25000" dirty="0"/>
+              <a:t>u</a:t>
+            </a:r>
+            <a:r>
+              <a:rPr lang="en-GB" dirty="0"/>
+              <a:t> = (0.425, 0.575). </a:t>
             </a:r>
           </a:p>
           <a:p>
@@ -10629,8 +10645,8 @@
               <a:buAutoNum type="arabicPeriod"/>
             </a:pPr>
             <a:r>
-              <a:rPr lang="en-GB" sz="1800" dirty="0"/>
-              <a:t>Qu is used to query an ad database with four tuples {a1 = (0.3, 0.9), a2 = (0.4, 0.7), a3 = (0.5, 0.8) and a4 = (1.0, 0)}. </a:t>
+              <a:rPr lang="en-GB" dirty="0"/>
+              <a:t>{a1 = (0.3, 0.9), a2 = (0.4, 0.7), a3 = (0.5, 0.8) and a4 = (1.0, 0)} </a:t>
             </a:r>
           </a:p>
           <a:p>
@@ -10645,8 +10661,8 @@
               <a:buAutoNum type="arabicPeriod"/>
             </a:pPr>
             <a:r>
-              <a:rPr lang="en-GB" sz="1800" dirty="0"/>
-              <a:t>We pre-compute two inverted lists lw1 and lw2 for the topics and get lw1 = {(a4, 1.0), (a3, 0.5), (a2, 0.4), (a1, 0.3)} and lw2 = {(a1, 0.9), (a3, 0.8), (a2, 0.7), (a1, 0.0)}. </a:t>
+              <a:rPr lang="en-GB" dirty="0"/>
+              <a:t>lw1 and lw2 for the topics and get lw1 = {(a4, 1.0), (a3, 0.5), (a2, 0.4), (a1, 0.3)} and lw2 = {(a1, 0.9), (a3, 0.8), (a2, 0.7), (a1, 0.0)} </a:t>
             </a:r>
           </a:p>
           <a:p>
@@ -10661,10 +10677,10 @@
               <a:buAutoNum type="arabicPeriod"/>
             </a:pPr>
             <a:r>
-              <a:rPr lang="en-GB" sz="1800" dirty="0"/>
-              <a:t>By calling the TA algorithm presented above, a3 will be returned as the most relevant ad if k is set to 1. </a:t>
-            </a:r>
-            <a:endParaRPr lang="en-CH" sz="1800" dirty="0"/>
+              <a:rPr lang="en-GB" dirty="0"/>
+              <a:t>By calling the TA algorithm, a3 will be returned as the most relevant ad if k is set to 1 </a:t>
+            </a:r>
+            <a:endParaRPr lang="en-CH" dirty="0"/>
           </a:p>
         </p:txBody>
       </p:sp>
@@ -11125,8 +11141,8 @@
           </a:p>
         </p:txBody>
       </p:sp>
-      <mc:AlternateContent xmlns:mc="http://schemas.openxmlformats.org/markup-compatibility/2006" xmlns:a14="http://schemas.microsoft.com/office/drawing/2010/main">
-        <mc:Choice Requires="a14">
+      <mc:AlternateContent xmlns:mc="http://schemas.openxmlformats.org/markup-compatibility/2006">
+        <mc:Choice xmlns:a14="http://schemas.microsoft.com/office/drawing/2010/main" Requires="a14">
           <p:sp>
             <p:nvSpPr>
               <p:cNvPr id="10" name="Content Placeholder 9">
@@ -11154,58 +11170,105 @@
                   <a:buNone/>
                 </a:pPr>
                 <a:r>
-                  <a:rPr lang="en-GB" sz="2400" dirty="0"/>
+                  <a:rPr lang="en-GB" dirty="0"/>
                   <a:t>Summary of the GSR algorithm</a:t>
                 </a:r>
               </a:p>
               <a:p>
+                <a:pPr marL="457200" indent="-457200">
+                  <a:spcBef>
+                    <a:spcPts val="1200"/>
+                  </a:spcBef>
+                  <a:spcAft>
+                    <a:spcPts val="1200"/>
+                  </a:spcAft>
+                  <a:buFont typeface="+mj-lt"/>
+                  <a:buAutoNum type="arabicPeriod"/>
+                </a:pPr>
                 <a:r>
-                  <a:rPr lang="en-GB" sz="1600" dirty="0"/>
-                  <a:t>After calculate the top-k using online algorithm, we store it in R.</a:t>
+                  <a:rPr lang="en-GB" dirty="0"/>
+                  <a:t>Calculate the top-k, store it in R.</a:t>
                 </a:r>
               </a:p>
               <a:p>
+                <a:pPr marL="457200" indent="-457200">
+                  <a:spcBef>
+                    <a:spcPts val="1200"/>
+                  </a:spcBef>
+                  <a:spcAft>
+                    <a:spcPts val="1200"/>
+                  </a:spcAft>
+                  <a:buFont typeface="+mj-lt"/>
+                  <a:buAutoNum type="arabicPeriod"/>
+                </a:pPr>
                 <a:r>
-                  <a:rPr lang="en-GB" sz="1600" dirty="0"/>
+                  <a:rPr lang="en-GB" dirty="0"/>
                   <a:t>Pick up the most promising topics/dimensions.</a:t>
                 </a:r>
               </a:p>
               <a:p>
+                <a:pPr marL="457200" indent="-457200">
+                  <a:spcBef>
+                    <a:spcPts val="1200"/>
+                  </a:spcBef>
+                  <a:spcAft>
+                    <a:spcPts val="1200"/>
+                  </a:spcAft>
+                  <a:buFont typeface="+mj-lt"/>
+                  <a:buAutoNum type="arabicPeriod"/>
+                </a:pPr>
                 <a:r>
-                  <a:rPr lang="en-GB" sz="1600" dirty="0"/>
-                  <a:t>For each dimension we calculate the distance between the query vector and the safe region boundaries.</a:t>
+                  <a:rPr lang="en-GB" dirty="0"/>
+                  <a:t>Calculate the distance between the query vector and the safe region boundaries.</a:t>
                 </a:r>
               </a:p>
               <a:p>
+                <a:pPr marL="457200" indent="-457200">
+                  <a:spcBef>
+                    <a:spcPts val="1200"/>
+                  </a:spcBef>
+                  <a:spcAft>
+                    <a:spcPts val="1200"/>
+                  </a:spcAft>
+                  <a:buFont typeface="+mj-lt"/>
+                  <a:buAutoNum type="arabicPeriod"/>
+                </a:pPr>
                 <a:r>
-                  <a:rPr lang="en-GB" sz="1600" dirty="0"/>
-                  <a:t>select the dimension with the minimum distance to expand the safe region.</a:t>
+                  <a:rPr lang="en-GB" dirty="0"/>
+                  <a:t>Select the dimension with the minimum distance. </a:t>
                 </a:r>
               </a:p>
               <a:p>
+                <a:pPr marL="457200" indent="-457200">
+                  <a:spcAft>
+                    <a:spcPts val="1200"/>
+                  </a:spcAft>
+                  <a:buFont typeface="+mj-lt"/>
+                  <a:buAutoNum type="arabicPeriod"/>
+                </a:pPr>
                 <a:r>
-                  <a:rPr lang="en-GB" sz="1600" dirty="0"/>
-                  <a:t>For the selected dimension we check whether it is safe to expand to expand upwards and downwards by an expansion unit </a:t>
+                  <a:rPr lang="en-GB" dirty="0"/>
+                  <a:t>Check whether it is safe to expand upwards and downwards by an expansion unit </a:t>
                 </a:r>
                 <a14:m>
                   <m:oMath xmlns:m="http://schemas.openxmlformats.org/officeDocument/2006/math">
                     <m:f>
                       <m:fPr>
                         <m:ctrlPr>
-                          <a:rPr lang="en-GB" sz="1600" i="1" smtClean="0">
+                          <a:rPr lang="en-GB" i="1" smtClean="0">
                             <a:latin typeface="Cambria Math" panose="02040503050406030204" pitchFamily="18" charset="0"/>
                           </a:rPr>
                         </m:ctrlPr>
                       </m:fPr>
                       <m:num>
                         <m:r>
-                          <a:rPr lang="de-CH" sz="1600" b="0" i="1" smtClean="0">
+                          <a:rPr lang="de-CH" b="0" i="1" smtClean="0">
                             <a:latin typeface="Cambria Math" panose="02040503050406030204" pitchFamily="18" charset="0"/>
                           </a:rPr>
                           <m:t>1</m:t>
                         </m:r>
                         <m:r>
-                          <a:rPr lang="de-CH" sz="1600" b="0" i="1" smtClean="0">
+                          <a:rPr lang="de-CH" b="0" i="1" smtClean="0">
                             <a:latin typeface="Cambria Math" panose="02040503050406030204" pitchFamily="18" charset="0"/>
                           </a:rPr>
                           <m:t>−∝</m:t>
@@ -11213,7 +11276,7 @@
                       </m:num>
                       <m:den>
                         <m:r>
-                          <a:rPr lang="de-CH" sz="1600" b="0" i="1" smtClean="0">
+                          <a:rPr lang="de-CH" b="0" i="1" smtClean="0">
                             <a:latin typeface="Cambria Math" panose="02040503050406030204" pitchFamily="18" charset="0"/>
                           </a:rPr>
                           <m:t>𝑚</m:t>
@@ -11223,45 +11286,39 @@
                   </m:oMath>
                 </a14:m>
                 <a:r>
-                  <a:rPr lang="en-GB" sz="1600" dirty="0"/>
-                  <a:t> (the maximum possible change for Q</a:t>
-                </a:r>
-                <a:r>
-                  <a:rPr lang="en-GB" sz="1600" baseline="-25000" dirty="0"/>
-                  <a:t>u</a:t>
-                </a:r>
-                <a:r>
-                  <a:rPr lang="en-GB" sz="1600" dirty="0"/>
-                  <a:t>(w)).</a:t>
+                  <a:rPr lang="en-GB" dirty="0"/>
+                  <a:t>.</a:t>
                 </a:r>
               </a:p>
               <a:p>
+                <a:pPr marL="457200" indent="-457200">
+                  <a:spcBef>
+                    <a:spcPts val="1200"/>
+                  </a:spcBef>
+                  <a:spcAft>
+                    <a:spcPts val="1200"/>
+                  </a:spcAft>
+                  <a:buFont typeface="+mj-lt"/>
+                  <a:buAutoNum type="arabicPeriod"/>
+                </a:pPr>
                 <a:r>
-                  <a:rPr lang="en-GB" sz="1600" dirty="0"/>
-                  <a:t>If its minimum relevance to the current top-k ads, denoted by Sl, is still larger than the maximum relevance to those not in R, denoted by Su. Then the expansion is safe.</a:t>
+                  <a:rPr lang="en-GB" dirty="0"/>
+                  <a:t>If SI &gt; Su then the expansion is safe. Otherwise,  algorithm terminates and returns the safe region expanded in partial dimensions.</a:t>
                 </a:r>
               </a:p>
               <a:p>
-                <a:r>
-                  <a:rPr lang="en-GB" sz="1600" dirty="0"/>
-                  <a:t>algorithm terminates and returns the safe region expanded in partial dimensions</a:t>
-                </a:r>
-                <a:r>
-                  <a:rPr lang="en-GB" dirty="0"/>
-                  <a:t>.</a:t>
-                </a:r>
-                <a:endParaRPr lang="en-GB" sz="1600" dirty="0"/>
+                <a:pPr marL="0" indent="0">
+                  <a:buNone/>
+                </a:pPr>
+                <a:endParaRPr lang="en-GB" dirty="0"/>
               </a:p>
               <a:p>
-                <a:endParaRPr lang="en-GB" sz="1600" dirty="0"/>
-              </a:p>
-              <a:p>
-                <a:endParaRPr lang="en-GB" sz="1600" dirty="0"/>
+                <a:endParaRPr lang="en-GB" dirty="0"/>
               </a:p>
             </p:txBody>
           </p:sp>
         </mc:Choice>
-        <mc:Fallback xmlns="">
+        <mc:Fallback>
           <p:sp>
             <p:nvSpPr>
               <p:cNvPr id="10" name="Content Placeholder 9">
@@ -11282,7 +11339,7 @@
               <a:blipFill>
                 <a:blip r:embed="rId2"/>
                 <a:stretch>
-                  <a:fillRect l="-1471" t="-1387" r="-784"/>
+                  <a:fillRect l="-980" t="-1067" r="-784"/>
                 </a:stretch>
               </a:blipFill>
             </p:spPr>
@@ -11565,7 +11622,7 @@
             </a:r>
             <a:r>
               <a:rPr lang="en-GB" sz="2000" dirty="0"/>
-              <a:t>to obtain top-k ads on the fly and construct a new safe region in the meanwhile, expensive </a:t>
+              <a:t>and construct a new safe region, expensive.</a:t>
             </a:r>
           </a:p>
           <a:p>
@@ -11581,11 +11638,35 @@
             </a:pPr>
             <a:r>
               <a:rPr lang="en-GB" dirty="0"/>
-              <a:t>When Qu moves out of the safe region, we can search all the safe regions of other users. If we can find a safe region from user v that contains the new query vector Qu of user u, its top-k ads are exactly the same as user u.</a:t>
-            </a:r>
-          </a:p>
-          <a:p>
-            <a:pPr>
+              <a:t>When Q</a:t>
+            </a:r>
+            <a:r>
+              <a:rPr lang="en-GB" baseline="-25000" dirty="0"/>
+              <a:t>u</a:t>
+            </a:r>
+            <a:r>
+              <a:rPr lang="en-GB" dirty="0"/>
+              <a:t> moves out of the safe region,</a:t>
+            </a:r>
+          </a:p>
+          <a:p>
+            <a:pPr lvl="1">
+              <a:lnSpc>
+                <a:spcPct val="150000"/>
+              </a:lnSpc>
+              <a:spcBef>
+                <a:spcPts val="0"/>
+              </a:spcBef>
+              <a:buFont typeface="Wingdings" panose="05000000000000000000" pitchFamily="2" charset="2"/>
+              <a:buChar char="§"/>
+            </a:pPr>
+            <a:r>
+              <a:rPr lang="en-GB" dirty="0"/>
+              <a:t>search all the safe regions of other users. If we can find a safe region from user v that contains the new query vector Qu of user u, its top-k ads are exactly the same as user u.</a:t>
+            </a:r>
+          </a:p>
+          <a:p>
+            <a:pPr lvl="1">
               <a:lnSpc>
                 <a:spcPct val="150000"/>
               </a:lnSpc>
@@ -11597,6 +11678,35 @@
               <a:rPr lang="en-GB" dirty="0"/>
               <a:t>Moreover, we can assign the safe region of v directly to user u. In this way, the cost of online retrieval and safe region computation can be saved.</a:t>
             </a:r>
+          </a:p>
+        </p:txBody>
+      </p:sp>
+      <p:sp>
+        <p:nvSpPr>
+          <p:cNvPr id="4" name="Slide Number Placeholder 3">
+            <a:extLst>
+              <a:ext uri="{FF2B5EF4-FFF2-40B4-BE49-F238E27FC236}">
+                <a16:creationId xmlns:a16="http://schemas.microsoft.com/office/drawing/2014/main" id="{31AA32A2-5010-4422-8C55-8691614D13A5}"/>
+              </a:ext>
+            </a:extLst>
+          </p:cNvPr>
+          <p:cNvSpPr>
+            <a:spLocks noGrp="1"/>
+          </p:cNvSpPr>
+          <p:nvPr>
+            <p:ph type="sldNum" sz="quarter" idx="12"/>
+          </p:nvPr>
+        </p:nvSpPr>
+        <p:spPr/>
+        <p:txBody>
+          <a:bodyPr/>
+          <a:lstStyle/>
+          <a:p>
+            <a:fld id="{E31375A4-56A4-47D6-9801-1991572033F7}" type="slidenum">
+              <a:rPr lang="en-US" smtClean="0"/>
+              <a:t>13</a:t>
+            </a:fld>
+            <a:endParaRPr lang="en-US" dirty="0"/>
           </a:p>
         </p:txBody>
       </p:sp>
@@ -11670,8 +11780,8 @@
           </a:p>
         </p:txBody>
       </p:sp>
-      <mc:AlternateContent xmlns:mc="http://schemas.openxmlformats.org/markup-compatibility/2006" xmlns:a14="http://schemas.microsoft.com/office/drawing/2010/main">
-        <mc:Choice Requires="a14">
+      <mc:AlternateContent xmlns:mc="http://schemas.openxmlformats.org/markup-compatibility/2006">
+        <mc:Choice xmlns:a14="http://schemas.microsoft.com/office/drawing/2010/main" Requires="a14">
           <p:sp>
             <p:nvSpPr>
               <p:cNvPr id="3" name="Content Placeholder 2">
@@ -11697,7 +11807,7 @@
               <a:p>
                 <a:r>
                   <a:rPr lang="en-GB" dirty="0"/>
-                  <a:t>Combining the metrices of the online retrieval algorithm and GSR</a:t>
+                  <a:t>Combine the metrices of the online retrieval algorithm and GSR</a:t>
                 </a:r>
               </a:p>
               <a:p>
@@ -12246,7 +12356,13 @@
                                   <a:rPr lang="de-CH" b="0" i="1" smtClean="0">
                                     <a:latin typeface="Cambria Math" panose="02040503050406030204" pitchFamily="18" charset="0"/>
                                   </a:rPr>
-                                  <m:t>1−∝</m:t>
+                                  <m:t>1</m:t>
+                                </m:r>
+                                <m:r>
+                                  <a:rPr lang="de-CH" b="0" i="1" smtClean="0">
+                                    <a:latin typeface="Cambria Math" panose="02040503050406030204" pitchFamily="18" charset="0"/>
+                                  </a:rPr>
+                                  <m:t>−∝</m:t>
                                 </m:r>
                               </m:num>
                               <m:den>
@@ -12385,7 +12501,14 @@
                                     <a:latin typeface="Cambria Math" panose="02040503050406030204" pitchFamily="18" charset="0"/>
                                     <a:ea typeface="Cambria Math" panose="02040503050406030204" pitchFamily="18" charset="0"/>
                                   </a:rPr>
-                                  <m:t>1−∝</m:t>
+                                  <m:t>1</m:t>
+                                </m:r>
+                                <m:r>
+                                  <a:rPr lang="de-CH" b="0" i="1" smtClean="0">
+                                    <a:latin typeface="Cambria Math" panose="02040503050406030204" pitchFamily="18" charset="0"/>
+                                    <a:ea typeface="Cambria Math" panose="02040503050406030204" pitchFamily="18" charset="0"/>
+                                  </a:rPr>
+                                  <m:t>−∝</m:t>
                                 </m:r>
                               </m:num>
                               <m:den>
@@ -12461,7 +12584,7 @@
             </p:txBody>
           </p:sp>
         </mc:Choice>
-        <mc:Fallback xmlns="">
+        <mc:Fallback>
           <p:sp>
             <p:nvSpPr>
               <p:cNvPr id="3" name="Content Placeholder 2">
@@ -12659,8 +12782,8 @@
           </a:p>
         </p:txBody>
       </p:sp>
-      <mc:AlternateContent xmlns:mc="http://schemas.openxmlformats.org/markup-compatibility/2006" xmlns:a14="http://schemas.microsoft.com/office/drawing/2010/main">
-        <mc:Choice Requires="a14">
+      <mc:AlternateContent xmlns:mc="http://schemas.openxmlformats.org/markup-compatibility/2006">
+        <mc:Choice xmlns:a14="http://schemas.microsoft.com/office/drawing/2010/main" Requires="a14">
           <p:sp>
             <p:nvSpPr>
               <p:cNvPr id="3" name="Content Placeholder 2">
@@ -12684,13 +12807,14 @@
               </a:bodyPr>
               <a:lstStyle/>
               <a:p>
-                <a:pPr>
+                <a:pPr marL="0" indent="0">
                   <a:lnSpc>
                     <a:spcPct val="150000"/>
                   </a:lnSpc>
                   <a:spcBef>
                     <a:spcPts val="0"/>
                   </a:spcBef>
+                  <a:buNone/>
                 </a:pPr>
                 <a:r>
                   <a:rPr lang="en-GB" dirty="0"/>
@@ -12698,7 +12822,7 @@
                 </a:r>
               </a:p>
               <a:p>
-                <a:pPr>
+                <a:pPr lvl="1">
                   <a:lnSpc>
                     <a:spcPct val="150000"/>
                   </a:lnSpc>
@@ -12989,7 +13113,7 @@
             </p:txBody>
           </p:sp>
         </mc:Choice>
-        <mc:Fallback xmlns="">
+        <mc:Fallback>
           <p:sp>
             <p:nvSpPr>
               <p:cNvPr id="3" name="Content Placeholder 2">
@@ -13010,7 +13134,7 @@
               <a:blipFill>
                 <a:blip r:embed="rId2"/>
                 <a:stretch>
-                  <a:fillRect l="-571" r="-825" b="-8320"/>
+                  <a:fillRect l="-698" r="-1333" b="-6080"/>
                 </a:stretch>
               </a:blipFill>
             </p:spPr>
@@ -13214,7 +13338,7 @@
             </a:pPr>
             <a:r>
               <a:rPr lang="en-GB" dirty="0"/>
-              <a:t>As we have seen the hybrid model has combined, the metrices of both GSR and the online, as well as provide a mechanism to choose the proper one, when the user asks for his news feed.</a:t>
+              <a:t>the hybrid model has combined, the metrices of both GSR and the online, as well as provide a mechanism to choose the proper one, when the user asks for his news feed</a:t>
             </a:r>
           </a:p>
           <a:p>
@@ -13225,7 +13349,7 @@
             </a:pPr>
             <a:r>
               <a:rPr lang="en-GB" dirty="0"/>
-              <a:t>As we have seen before it out performs both of the two algorithms.</a:t>
+              <a:t>As we have seen before it out performs both of the two algorithms</a:t>
             </a:r>
           </a:p>
           <a:p>
@@ -13236,7 +13360,7 @@
             </a:pPr>
             <a:r>
               <a:rPr lang="en-GB" dirty="0"/>
-              <a:t>According to many experiments on huge datasets, the hybrid model has proved to be efficient and robust. </a:t>
+              <a:t>According to many experiments on huge datasets, the hybrid model has proved to be efficient and robust </a:t>
             </a:r>
           </a:p>
         </p:txBody>
@@ -13684,7 +13808,7 @@
           <a:p>
             <a:r>
               <a:rPr lang="en-GB" dirty="0"/>
-              <a:t>the National University of Singapore.</a:t>
+              <a:t>the National University of Singapore introduced</a:t>
             </a:r>
           </a:p>
           <a:p>
@@ -15148,12 +15272,16 @@
           </a:bodyPr>
           <a:lstStyle/>
           <a:p>
+            <a:pPr marL="0" indent="0">
+              <a:buNone/>
+            </a:pPr>
             <a:r>
               <a:rPr lang="de-CH" dirty="0"/>
               <a:t>The total relevance between a user u and an ad a is given by the following equation which combains the user static interests and dynamic news feed from his friends.</a:t>
             </a:r>
           </a:p>
           <a:p>
+            <a:pPr lvl="1"/>
             <a:r>
               <a:rPr lang="el-GR" dirty="0"/>
               <a:t>φ(</a:t>
@@ -15188,9 +15316,12 @@
             </a:r>
           </a:p>
           <a:p>
+            <a:pPr marL="0" indent="0">
+              <a:buNone/>
+            </a:pPr>
             <a:r>
               <a:rPr lang="de-CH" dirty="0"/>
-              <a:t>Where </a:t>
+              <a:t> Where </a:t>
             </a:r>
             <a:r>
               <a:rPr lang="el-GR" dirty="0"/>
@@ -15235,6 +15366,35 @@
               <a:t>Dynamic, real time, efficient.</a:t>
             </a:r>
             <a:endParaRPr lang="en-CH" dirty="0"/>
+          </a:p>
+        </p:txBody>
+      </p:sp>
+      <p:sp>
+        <p:nvSpPr>
+          <p:cNvPr id="3" name="Slide Number Placeholder 2">
+            <a:extLst>
+              <a:ext uri="{FF2B5EF4-FFF2-40B4-BE49-F238E27FC236}">
+                <a16:creationId xmlns:a16="http://schemas.microsoft.com/office/drawing/2014/main" id="{2848A7E8-ED58-4904-9FB0-DABFFD08523F}"/>
+              </a:ext>
+            </a:extLst>
+          </p:cNvPr>
+          <p:cNvSpPr>
+            <a:spLocks noGrp="1"/>
+          </p:cNvSpPr>
+          <p:nvPr>
+            <p:ph type="sldNum" sz="quarter" idx="12"/>
+          </p:nvPr>
+        </p:nvSpPr>
+        <p:spPr/>
+        <p:txBody>
+          <a:bodyPr/>
+          <a:lstStyle/>
+          <a:p>
+            <a:fld id="{E31375A4-56A4-47D6-9801-1991572033F7}" type="slidenum">
+              <a:rPr lang="en-US" smtClean="0"/>
+              <a:t>7</a:t>
+            </a:fld>
+            <a:endParaRPr lang="en-US" dirty="0"/>
           </a:p>
         </p:txBody>
       </p:sp>
@@ -15305,8 +15465,8 @@
           </a:p>
         </p:txBody>
       </p:sp>
-      <mc:AlternateContent xmlns:mc="http://schemas.openxmlformats.org/markup-compatibility/2006" xmlns:a14="http://schemas.microsoft.com/office/drawing/2010/main">
-        <mc:Choice Requires="a14">
+      <mc:AlternateContent xmlns:mc="http://schemas.openxmlformats.org/markup-compatibility/2006">
+        <mc:Choice xmlns:a14="http://schemas.microsoft.com/office/drawing/2010/main" Requires="a14">
           <p:sp>
             <p:nvSpPr>
               <p:cNvPr id="10" name="Content Placeholder 9">
@@ -15348,20 +15508,20 @@
                 <a:pPr lvl="1"/>
                 <a:r>
                   <a:rPr lang="de-CH" dirty="0"/>
-                  <a:t>Static model, Offilne computed, returns with the user news feed. </a:t>
+                  <a:t>Static model, Offilne computed, returns with the user news feed</a:t>
                 </a:r>
               </a:p>
               <a:p>
                 <a:r>
                   <a:rPr lang="de-CH" dirty="0"/>
-                  <a:t>These models don’t work in the  context aware </a:t>
+                  <a:t>These models don’t work in the context aware </a:t>
                 </a:r>
               </a:p>
               <a:p>
                 <a:pPr lvl="1"/>
                 <a:r>
                   <a:rPr lang="de-CH" dirty="0"/>
-                  <a:t>Dynamaic context, write operations, news feed variations.</a:t>
+                  <a:t>Dynamaic context, write operations, news feed variations</a:t>
                 </a:r>
               </a:p>
               <a:p>
@@ -15374,7 +15534,7 @@
                 <a:pPr lvl="1"/>
                 <a:r>
                   <a:rPr lang="de-CH" dirty="0"/>
-                  <a:t>Scan all ads database without prober index, very high cost. </a:t>
+                  <a:t>Scan all ads database without prober index, very high cost </a:t>
                 </a:r>
               </a:p>
               <a:p>
@@ -15558,7 +15718,14 @@
                                     <a:latin typeface="Cambria Math" panose="02040503050406030204" pitchFamily="18" charset="0"/>
                                     <a:ea typeface="Cambria Math" panose="02040503050406030204" pitchFamily="18" charset="0"/>
                                   </a:rPr>
-                                  <m:t>1−</m:t>
+                                  <m:t>1</m:t>
+                                </m:r>
+                                <m:r>
+                                  <a:rPr lang="de-CH" b="0" i="1" smtClean="0">
+                                    <a:latin typeface="Cambria Math" panose="02040503050406030204" pitchFamily="18" charset="0"/>
+                                    <a:ea typeface="Cambria Math" panose="02040503050406030204" pitchFamily="18" charset="0"/>
+                                  </a:rPr>
+                                  <m:t>−</m:t>
                                 </m:r>
                                 <m:r>
                                   <a:rPr lang="de-CH" b="0" i="1" smtClean="0">
@@ -15712,7 +15879,7 @@
             </p:txBody>
           </p:sp>
         </mc:Choice>
-        <mc:Fallback xmlns="">
+        <mc:Fallback>
           <p:sp>
             <p:nvSpPr>
               <p:cNvPr id="10" name="Content Placeholder 9">
@@ -16020,6 +16187,9 @@
           </a:bodyPr>
           <a:lstStyle/>
           <a:p>
+            <a:pPr marL="0" indent="0">
+              <a:buNone/>
+            </a:pPr>
             <a:r>
               <a:rPr lang="en-GB" dirty="0"/>
               <a:t>After rewriting the ranking function in aggregation way we can simplify the online </a:t>
@@ -16079,7 +16249,7 @@
             </a:pPr>
             <a:r>
               <a:rPr lang="de-CH" dirty="0"/>
-              <a:t>Appliny the threshold algorithm.</a:t>
+              <a:t>Appling the threshold algorithm</a:t>
             </a:r>
             <a:endParaRPr lang="en-GB" dirty="0"/>
           </a:p>
